--- a/data/EFSPI_Workshop_Principles_SciCom.pptx
+++ b/data/EFSPI_Workshop_Principles_SciCom.pptx
@@ -2,16 +2,24 @@
 <file path=ppt/presentation.xml><?xml version="1.0" encoding="utf-8"?>
 <p:presentation xmlns:a="http://schemas.openxmlformats.org/drawingml/2006/main" xmlns:r="http://schemas.openxmlformats.org/officeDocument/2006/relationships" xmlns:p="http://schemas.openxmlformats.org/presentationml/2006/main" saveSubsetFonts="1">
   <p:sldMasterIdLst>
-    <p:sldMasterId id="2147483648" r:id="rId1"/>
+    <p:sldMasterId id="2147483648" r:id="rId4"/>
   </p:sldMasterIdLst>
   <p:sldIdLst>
-    <p:sldId id="256" r:id="rId2"/>
-    <p:sldId id="257" r:id="rId3"/>
-    <p:sldId id="262" r:id="rId4"/>
-    <p:sldId id="258" r:id="rId5"/>
-    <p:sldId id="259" r:id="rId6"/>
-    <p:sldId id="260" r:id="rId7"/>
-    <p:sldId id="261" r:id="rId8"/>
+    <p:sldId id="265" r:id="rId5"/>
+    <p:sldId id="266" r:id="rId6"/>
+    <p:sldId id="277" r:id="rId7"/>
+    <p:sldId id="280" r:id="rId8"/>
+    <p:sldId id="284" r:id="rId9"/>
+    <p:sldId id="281" r:id="rId10"/>
+    <p:sldId id="259" r:id="rId11"/>
+    <p:sldId id="260" r:id="rId12"/>
+    <p:sldId id="282" r:id="rId13"/>
+    <p:sldId id="268" r:id="rId14"/>
+    <p:sldId id="267" r:id="rId15"/>
+    <p:sldId id="262" r:id="rId16"/>
+    <p:sldId id="264" r:id="rId17"/>
+    <p:sldId id="283" r:id="rId18"/>
+    <p:sldId id="261" r:id="rId19"/>
   </p:sldIdLst>
   <p:sldSz cx="12192000" cy="6858000"/>
   <p:notesSz cx="6858000" cy="9144000"/>
@@ -118,95 +126,767 @@
 </p:presentation>
 </file>
 
+<file path=ppt/authors.xml><?xml version="1.0" encoding="utf-8"?>
+<p188:authorLst xmlns:a="http://schemas.openxmlformats.org/drawingml/2006/main" xmlns:r="http://schemas.openxmlformats.org/officeDocument/2006/relationships" xmlns:p188="http://schemas.microsoft.com/office/powerpoint/2018/8/main">
+  <p188:author id="{0506A950-0348-0A98-F4FE-9981A74CE6F7}" name="Kaspar Rufibach" initials="KR" userId="S::kaspar.rufibach_merckgroup.com#ext#@novartis.onmicrosoft.com::4d2ff690-eb63-4c94-baf4-a79502c460fb" providerId="AD"/>
+  <p188:author id="{35CB045E-0FBD-BF96-50AC-DFE70BA05C95}" name="Lanius Vivian" initials="LV" userId="S::vivian.lanius_ucb.com#ext#@novartis.onmicrosoft.com::ffd3a83d-ab8a-4119-a5be-8a04da43e031" providerId="AD"/>
+  <p188:author id="{C3507E60-742A-FEA6-7718-07B47E14E045}" name="HLYN (Helle Lynggaard)" initials="HL" userId="S::hlyn_novonordisk.com#ext#@novartis.onmicrosoft.com::6e7cb861-7b23-464c-a00e-166798a897c8" providerId="AD"/>
+  <p188:author id="{0FEB3DC5-E9E3-547B-E886-A4FCE6D6C090}" name="Jones, Julie" initials="JJ" userId="S::JONESJU4@novartis.net::aae006d6-8425-48ac-82bf-5c85c750987b" providerId="AD"/>
+  <p188:author id="{F8537DEC-7809-402E-08CF-635CE55E9BE2}" name="Devenport, Jenny {TDBF~BASEL}" initials="DJ" userId="S::jenny.devenport_roche.com#ext#@novartis.onmicrosoft.com::548130bf-bfef-4168-a620-9bfcbb310354" providerId="AD"/>
+  <p188:author id="{9A26FAF0-D9B2-B322-1162-716EDDD03BAD}" name="Lanius Vivian" initials="VL" userId="S::Vivian.Lanius@ucb.com::04dcd06e-c6f0-4063-b722-c51884dea5da" providerId="AD"/>
+</p188:authorLst>
+</file>
+
+<file path=ppt/revisionInfo.xml><?xml version="1.0" encoding="utf-8"?>
+<p1510:revInfo xmlns:a="http://schemas.openxmlformats.org/drawingml/2006/main" xmlns:r="http://schemas.openxmlformats.org/officeDocument/2006/relationships" xmlns:p1510="http://schemas.microsoft.com/office/powerpoint/2015/10/main">
+  <p1510:revLst>
+    <p1510:client id="{0D468CC9-0A0F-49DA-87F3-E1A590324E97}" v="21" dt="2025-10-20T12:46:53.403"/>
+    <p1510:client id="{1FAC3BBB-BF2A-98E6-E59C-FF6876C0011D}" v="1" dt="2025-10-20T11:48:15.652"/>
+    <p1510:client id="{7279B683-BD17-9DD4-F64B-73E632A7C7E5}" v="1" dt="2025-10-20T06:36:41.960"/>
+    <p1510:client id="{CD5B0B91-115E-7A94-105F-6C7C40EA72C4}" v="5" dt="2025-10-19T20:20:51.575"/>
+  </p1510:revLst>
+</p1510:revInfo>
+</file>
+
 <file path=ppt/changesInfos/changesInfo1.xml><?xml version="1.0" encoding="utf-8"?>
 <pc:chgInfo xmlns:a="http://schemas.openxmlformats.org/drawingml/2006/main" xmlns:r="http://schemas.openxmlformats.org/officeDocument/2006/relationships" xmlns:ac="http://schemas.microsoft.com/office/drawing/2013/main/command" xmlns:pc="http://schemas.microsoft.com/office/powerpoint/2013/main/command">
   <pc:docChgLst>
-    <pc:chgData name="Zuber, Emmanuel" userId="922bc7eb-5e69-4854-a5d0-0b2f50b82d55" providerId="ADAL" clId="{FD382776-223C-49DD-BE58-2BFC638C5D35}"/>
-    <pc:docChg chg="undo custSel modSld">
-      <pc:chgData name="Zuber, Emmanuel" userId="922bc7eb-5e69-4854-a5d0-0b2f50b82d55" providerId="ADAL" clId="{FD382776-223C-49DD-BE58-2BFC638C5D35}" dt="2023-11-29T10:59:39.447" v="1935" actId="20577"/>
+    <pc:chgData name="Lanius Vivian" userId="04dcd06e-c6f0-4063-b722-c51884dea5da" providerId="ADAL" clId="{0D468CC9-0A0F-49DA-87F3-E1A590324E97}"/>
+    <pc:docChg chg="undo custSel addSld delSld modSld sldOrd">
+      <pc:chgData name="Lanius Vivian" userId="04dcd06e-c6f0-4063-b722-c51884dea5da" providerId="ADAL" clId="{0D468CC9-0A0F-49DA-87F3-E1A590324E97}" dt="2025-10-20T12:48:03.023" v="729" actId="6549"/>
       <pc:docMkLst>
         <pc:docMk/>
       </pc:docMkLst>
-      <pc:sldChg chg="modSp mod">
-        <pc:chgData name="Zuber, Emmanuel" userId="922bc7eb-5e69-4854-a5d0-0b2f50b82d55" providerId="ADAL" clId="{FD382776-223C-49DD-BE58-2BFC638C5D35}" dt="2023-11-29T10:57:44.458" v="1799" actId="207"/>
+      <pc:sldChg chg="del">
+        <pc:chgData name="Lanius Vivian" userId="04dcd06e-c6f0-4063-b722-c51884dea5da" providerId="ADAL" clId="{0D468CC9-0A0F-49DA-87F3-E1A590324E97}" dt="2025-10-20T12:17:16.435" v="88" actId="47"/>
+        <pc:sldMkLst>
+          <pc:docMk/>
+          <pc:sldMk cId="564958155" sldId="256"/>
+        </pc:sldMkLst>
+      </pc:sldChg>
+      <pc:sldChg chg="addSp delSp modSp del mod">
+        <pc:chgData name="Lanius Vivian" userId="04dcd06e-c6f0-4063-b722-c51884dea5da" providerId="ADAL" clId="{0D468CC9-0A0F-49DA-87F3-E1A590324E97}" dt="2025-10-20T12:25:59.657" v="249" actId="47"/>
         <pc:sldMkLst>
           <pc:docMk/>
           <pc:sldMk cId="1873835999" sldId="257"/>
         </pc:sldMkLst>
-        <pc:spChg chg="mod">
-          <ac:chgData name="Zuber, Emmanuel" userId="922bc7eb-5e69-4854-a5d0-0b2f50b82d55" providerId="ADAL" clId="{FD382776-223C-49DD-BE58-2BFC638C5D35}" dt="2023-11-29T10:42:48.978" v="1269" actId="20577"/>
-          <ac:spMkLst>
-            <pc:docMk/>
-            <pc:sldMk cId="1873835999" sldId="257"/>
-            <ac:spMk id="2" creationId="{B8DDBAA1-FC32-B748-070A-F9EB28CCFF43}"/>
-          </ac:spMkLst>
-        </pc:spChg>
-        <pc:spChg chg="mod">
-          <ac:chgData name="Zuber, Emmanuel" userId="922bc7eb-5e69-4854-a5d0-0b2f50b82d55" providerId="ADAL" clId="{FD382776-223C-49DD-BE58-2BFC638C5D35}" dt="2023-11-29T10:57:44.458" v="1799" actId="207"/>
+        <pc:spChg chg="del">
+          <ac:chgData name="Lanius Vivian" userId="04dcd06e-c6f0-4063-b722-c51884dea5da" providerId="ADAL" clId="{0D468CC9-0A0F-49DA-87F3-E1A590324E97}" dt="2025-10-20T12:25:56.879" v="248" actId="478"/>
           <ac:spMkLst>
             <pc:docMk/>
             <pc:sldMk cId="1873835999" sldId="257"/>
             <ac:spMk id="3" creationId="{B54854DC-EA4C-C482-1EBC-CD542BBAAFCD}"/>
           </ac:spMkLst>
         </pc:spChg>
+        <pc:spChg chg="add mod">
+          <ac:chgData name="Lanius Vivian" userId="04dcd06e-c6f0-4063-b722-c51884dea5da" providerId="ADAL" clId="{0D468CC9-0A0F-49DA-87F3-E1A590324E97}" dt="2025-10-20T12:25:56.879" v="248" actId="478"/>
+          <ac:spMkLst>
+            <pc:docMk/>
+            <pc:sldMk cId="1873835999" sldId="257"/>
+            <ac:spMk id="5" creationId="{F061E04A-935F-F326-24E1-9E9463195916}"/>
+          </ac:spMkLst>
+        </pc:spChg>
       </pc:sldChg>
-      <pc:sldChg chg="modSp mod">
-        <pc:chgData name="Zuber, Emmanuel" userId="922bc7eb-5e69-4854-a5d0-0b2f50b82d55" providerId="ADAL" clId="{FD382776-223C-49DD-BE58-2BFC638C5D35}" dt="2023-11-29T10:54:44.951" v="1670" actId="20577"/>
+      <pc:sldChg chg="addSp delSp modSp del mod">
+        <pc:chgData name="Lanius Vivian" userId="04dcd06e-c6f0-4063-b722-c51884dea5da" providerId="ADAL" clId="{0D468CC9-0A0F-49DA-87F3-E1A590324E97}" dt="2025-10-20T12:21:46.264" v="204" actId="47"/>
         <pc:sldMkLst>
           <pc:docMk/>
           <pc:sldMk cId="3399313836" sldId="258"/>
         </pc:sldMkLst>
-        <pc:spChg chg="mod">
-          <ac:chgData name="Zuber, Emmanuel" userId="922bc7eb-5e69-4854-a5d0-0b2f50b82d55" providerId="ADAL" clId="{FD382776-223C-49DD-BE58-2BFC638C5D35}" dt="2023-11-29T10:54:44.951" v="1670" actId="20577"/>
+        <pc:spChg chg="del">
+          <ac:chgData name="Lanius Vivian" userId="04dcd06e-c6f0-4063-b722-c51884dea5da" providerId="ADAL" clId="{0D468CC9-0A0F-49DA-87F3-E1A590324E97}" dt="2025-10-20T12:21:43.006" v="203" actId="478"/>
           <ac:spMkLst>
             <pc:docMk/>
             <pc:sldMk cId="3399313836" sldId="258"/>
             <ac:spMk id="3" creationId="{CB5600D6-B72E-2B73-A797-F59986F9B4EC}"/>
           </ac:spMkLst>
         </pc:spChg>
+        <pc:spChg chg="add mod">
+          <ac:chgData name="Lanius Vivian" userId="04dcd06e-c6f0-4063-b722-c51884dea5da" providerId="ADAL" clId="{0D468CC9-0A0F-49DA-87F3-E1A590324E97}" dt="2025-10-20T12:21:43.006" v="203" actId="478"/>
+          <ac:spMkLst>
+            <pc:docMk/>
+            <pc:sldMk cId="3399313836" sldId="258"/>
+            <ac:spMk id="5" creationId="{BFB7DA56-69A8-BEC0-1EDB-C3404A60EE84}"/>
+          </ac:spMkLst>
+        </pc:spChg>
       </pc:sldChg>
-      <pc:sldChg chg="modSp mod">
-        <pc:chgData name="Zuber, Emmanuel" userId="922bc7eb-5e69-4854-a5d0-0b2f50b82d55" providerId="ADAL" clId="{FD382776-223C-49DD-BE58-2BFC638C5D35}" dt="2023-11-29T10:56:02.237" v="1707" actId="20577"/>
+      <pc:sldChg chg="modSp mod modCm">
+        <pc:chgData name="Lanius Vivian" userId="04dcd06e-c6f0-4063-b722-c51884dea5da" providerId="ADAL" clId="{0D468CC9-0A0F-49DA-87F3-E1A590324E97}" dt="2025-10-20T12:28:35.231" v="306" actId="6549"/>
         <pc:sldMkLst>
           <pc:docMk/>
           <pc:sldMk cId="3171739659" sldId="259"/>
         </pc:sldMkLst>
         <pc:spChg chg="mod">
-          <ac:chgData name="Zuber, Emmanuel" userId="922bc7eb-5e69-4854-a5d0-0b2f50b82d55" providerId="ADAL" clId="{FD382776-223C-49DD-BE58-2BFC638C5D35}" dt="2023-11-29T10:56:02.237" v="1707" actId="20577"/>
+          <ac:chgData name="Lanius Vivian" userId="04dcd06e-c6f0-4063-b722-c51884dea5da" providerId="ADAL" clId="{0D468CC9-0A0F-49DA-87F3-E1A590324E97}" dt="2025-10-20T12:28:35.231" v="306" actId="6549"/>
+          <ac:spMkLst>
+            <pc:docMk/>
+            <pc:sldMk cId="3171739659" sldId="259"/>
+            <ac:spMk id="2" creationId="{171CE649-E53E-661B-8621-B3A1FC965F16}"/>
+          </ac:spMkLst>
+        </pc:spChg>
+        <pc:spChg chg="mod">
+          <ac:chgData name="Lanius Vivian" userId="04dcd06e-c6f0-4063-b722-c51884dea5da" providerId="ADAL" clId="{0D468CC9-0A0F-49DA-87F3-E1A590324E97}" dt="2025-10-20T12:18:58.958" v="134" actId="27636"/>
           <ac:spMkLst>
             <pc:docMk/>
             <pc:sldMk cId="3171739659" sldId="259"/>
             <ac:spMk id="3" creationId="{7E265876-52B6-618E-A5C1-138CB34C476F}"/>
           </ac:spMkLst>
         </pc:spChg>
+        <pc:extLst>
+          <p:ext xmlns:p="http://schemas.openxmlformats.org/presentationml/2006/main" uri="{D6D511B9-2390-475A-947B-AFAB55BFBCF1}">
+            <pc226:cmChg xmlns:pc226="http://schemas.microsoft.com/office/powerpoint/2022/06/main/command" chg="mod">
+              <pc226:chgData name="Lanius Vivian" userId="04dcd06e-c6f0-4063-b722-c51884dea5da" providerId="ADAL" clId="{0D468CC9-0A0F-49DA-87F3-E1A590324E97}" dt="2025-10-20T12:18:58.942" v="133" actId="6549"/>
+              <pc2:cmMkLst xmlns:pc2="http://schemas.microsoft.com/office/powerpoint/2019/9/main/command">
+                <pc:docMk/>
+                <pc:sldMk cId="3171739659" sldId="259"/>
+                <pc2:cmMk id="{C9257623-A1F3-4FF3-B511-1166C9401F61}"/>
+              </pc2:cmMkLst>
+            </pc226:cmChg>
+            <pc226:cmChg xmlns:pc226="http://schemas.microsoft.com/office/powerpoint/2022/06/main/command" chg="mod">
+              <pc226:chgData name="Lanius Vivian" userId="04dcd06e-c6f0-4063-b722-c51884dea5da" providerId="ADAL" clId="{0D468CC9-0A0F-49DA-87F3-E1A590324E97}" dt="2025-10-20T12:18:58.942" v="133" actId="6549"/>
+              <pc2:cmMkLst xmlns:pc2="http://schemas.microsoft.com/office/powerpoint/2019/9/main/command">
+                <pc:docMk/>
+                <pc:sldMk cId="3171739659" sldId="259"/>
+                <pc2:cmMk id="{BE48AA62-FF44-4953-9A59-14207A3B54E2}"/>
+              </pc2:cmMkLst>
+            </pc226:cmChg>
+            <pc226:cmChg xmlns:pc226="http://schemas.microsoft.com/office/powerpoint/2022/06/main/command" chg="mod">
+              <pc226:chgData name="Lanius Vivian" userId="04dcd06e-c6f0-4063-b722-c51884dea5da" providerId="ADAL" clId="{0D468CC9-0A0F-49DA-87F3-E1A590324E97}" dt="2025-10-20T12:18:58.942" v="133" actId="6549"/>
+              <pc2:cmMkLst xmlns:pc2="http://schemas.microsoft.com/office/powerpoint/2019/9/main/command">
+                <pc:docMk/>
+                <pc:sldMk cId="3171739659" sldId="259"/>
+                <pc2:cmMk id="{5D5CA264-1ECF-4196-9118-F8C5126CF1CD}"/>
+              </pc2:cmMkLst>
+            </pc226:cmChg>
+          </p:ext>
+        </pc:extLst>
       </pc:sldChg>
-      <pc:sldChg chg="modSp mod">
-        <pc:chgData name="Zuber, Emmanuel" userId="922bc7eb-5e69-4854-a5d0-0b2f50b82d55" providerId="ADAL" clId="{FD382776-223C-49DD-BE58-2BFC638C5D35}" dt="2023-11-29T10:59:39.447" v="1935" actId="20577"/>
+      <pc:sldChg chg="modSp mod modCm">
+        <pc:chgData name="Lanius Vivian" userId="04dcd06e-c6f0-4063-b722-c51884dea5da" providerId="ADAL" clId="{0D468CC9-0A0F-49DA-87F3-E1A590324E97}" dt="2025-10-20T12:28:44.289" v="307" actId="20577"/>
         <pc:sldMkLst>
           <pc:docMk/>
           <pc:sldMk cId="3904267516" sldId="260"/>
         </pc:sldMkLst>
         <pc:spChg chg="mod">
-          <ac:chgData name="Zuber, Emmanuel" userId="922bc7eb-5e69-4854-a5d0-0b2f50b82d55" providerId="ADAL" clId="{FD382776-223C-49DD-BE58-2BFC638C5D35}" dt="2023-11-29T10:59:39.447" v="1935" actId="20577"/>
+          <ac:chgData name="Lanius Vivian" userId="04dcd06e-c6f0-4063-b722-c51884dea5da" providerId="ADAL" clId="{0D468CC9-0A0F-49DA-87F3-E1A590324E97}" dt="2025-10-20T12:28:44.289" v="307" actId="20577"/>
           <ac:spMkLst>
             <pc:docMk/>
             <pc:sldMk cId="3904267516" sldId="260"/>
             <ac:spMk id="3" creationId="{4E459ECA-286A-3393-BF6F-48B0B0C6CE3E}"/>
           </ac:spMkLst>
         </pc:spChg>
+        <pc:extLst>
+          <p:ext xmlns:p="http://schemas.openxmlformats.org/presentationml/2006/main" uri="{D6D511B9-2390-475A-947B-AFAB55BFBCF1}">
+            <pc226:cmChg xmlns:pc226="http://schemas.microsoft.com/office/powerpoint/2022/06/main/command" chg="mod">
+              <pc226:chgData name="Lanius Vivian" userId="04dcd06e-c6f0-4063-b722-c51884dea5da" providerId="ADAL" clId="{0D468CC9-0A0F-49DA-87F3-E1A590324E97}" dt="2025-10-20T12:20:01.056" v="159" actId="20577"/>
+              <pc2:cmMkLst xmlns:pc2="http://schemas.microsoft.com/office/powerpoint/2019/9/main/command">
+                <pc:docMk/>
+                <pc:sldMk cId="3904267516" sldId="260"/>
+                <pc2:cmMk id="{F3432729-D38E-4219-8DC1-5017412E0633}"/>
+              </pc2:cmMkLst>
+            </pc226:cmChg>
+          </p:ext>
+        </pc:extLst>
       </pc:sldChg>
-      <pc:sldChg chg="modSp mod">
-        <pc:chgData name="Zuber, Emmanuel" userId="922bc7eb-5e69-4854-a5d0-0b2f50b82d55" providerId="ADAL" clId="{FD382776-223C-49DD-BE58-2BFC638C5D35}" dt="2023-11-29T10:53:45.409" v="1660" actId="400"/>
+      <pc:sldChg chg="delSp modSp mod">
+        <pc:chgData name="Lanius Vivian" userId="04dcd06e-c6f0-4063-b722-c51884dea5da" providerId="ADAL" clId="{0D468CC9-0A0F-49DA-87F3-E1A590324E97}" dt="2025-10-20T12:47:06.696" v="718" actId="14"/>
         <pc:sldMkLst>
           <pc:docMk/>
-          <pc:sldMk cId="1492160003" sldId="262"/>
+          <pc:sldMk cId="2437089163" sldId="262"/>
         </pc:sldMkLst>
         <pc:spChg chg="mod">
-          <ac:chgData name="Zuber, Emmanuel" userId="922bc7eb-5e69-4854-a5d0-0b2f50b82d55" providerId="ADAL" clId="{FD382776-223C-49DD-BE58-2BFC638C5D35}" dt="2023-11-29T10:53:45.409" v="1660" actId="400"/>
+          <ac:chgData name="Lanius Vivian" userId="04dcd06e-c6f0-4063-b722-c51884dea5da" providerId="ADAL" clId="{0D468CC9-0A0F-49DA-87F3-E1A590324E97}" dt="2025-10-20T12:47:02.377" v="716" actId="113"/>
           <ac:spMkLst>
             <pc:docMk/>
-            <pc:sldMk cId="1492160003" sldId="262"/>
+            <pc:sldMk cId="2437089163" sldId="262"/>
+            <ac:spMk id="2" creationId="{42A6A672-6339-4B49-E059-A64BB8496486}"/>
+          </ac:spMkLst>
+        </pc:spChg>
+        <pc:spChg chg="mod">
+          <ac:chgData name="Lanius Vivian" userId="04dcd06e-c6f0-4063-b722-c51884dea5da" providerId="ADAL" clId="{0D468CC9-0A0F-49DA-87F3-E1A590324E97}" dt="2025-10-20T12:47:06.696" v="718" actId="14"/>
+          <ac:spMkLst>
+            <pc:docMk/>
+            <pc:sldMk cId="2437089163" sldId="262"/>
+            <ac:spMk id="3" creationId="{C91C7447-0E40-83CD-E3A4-796FDDFEB769}"/>
+          </ac:spMkLst>
+        </pc:spChg>
+        <pc:spChg chg="del">
+          <ac:chgData name="Lanius Vivian" userId="04dcd06e-c6f0-4063-b722-c51884dea5da" providerId="ADAL" clId="{0D468CC9-0A0F-49DA-87F3-E1A590324E97}" dt="2025-10-20T12:26:04.057" v="250" actId="478"/>
+          <ac:spMkLst>
+            <pc:docMk/>
+            <pc:sldMk cId="2437089163" sldId="262"/>
+            <ac:spMk id="4" creationId="{A47CFC30-F818-1CD6-AAE0-E3A079A7A898}"/>
+          </ac:spMkLst>
+        </pc:spChg>
+      </pc:sldChg>
+      <pc:sldChg chg="delSp modSp mod">
+        <pc:chgData name="Lanius Vivian" userId="04dcd06e-c6f0-4063-b722-c51884dea5da" providerId="ADAL" clId="{0D468CC9-0A0F-49DA-87F3-E1A590324E97}" dt="2025-10-20T12:47:17.835" v="723" actId="27636"/>
+        <pc:sldMkLst>
+          <pc:docMk/>
+          <pc:sldMk cId="1343921244" sldId="264"/>
+        </pc:sldMkLst>
+        <pc:spChg chg="mod">
+          <ac:chgData name="Lanius Vivian" userId="04dcd06e-c6f0-4063-b722-c51884dea5da" providerId="ADAL" clId="{0D468CC9-0A0F-49DA-87F3-E1A590324E97}" dt="2025-10-20T12:47:14.982" v="721" actId="20577"/>
+          <ac:spMkLst>
+            <pc:docMk/>
+            <pc:sldMk cId="1343921244" sldId="264"/>
+            <ac:spMk id="2" creationId="{33398D6E-D19D-D03C-3647-5589764BB5A7}"/>
+          </ac:spMkLst>
+        </pc:spChg>
+        <pc:spChg chg="mod">
+          <ac:chgData name="Lanius Vivian" userId="04dcd06e-c6f0-4063-b722-c51884dea5da" providerId="ADAL" clId="{0D468CC9-0A0F-49DA-87F3-E1A590324E97}" dt="2025-10-20T12:47:17.835" v="723" actId="27636"/>
+          <ac:spMkLst>
+            <pc:docMk/>
+            <pc:sldMk cId="1343921244" sldId="264"/>
+            <ac:spMk id="3" creationId="{6F97AF10-F860-E63A-ECA9-BD0711DA4F6B}"/>
+          </ac:spMkLst>
+        </pc:spChg>
+        <pc:spChg chg="del">
+          <ac:chgData name="Lanius Vivian" userId="04dcd06e-c6f0-4063-b722-c51884dea5da" providerId="ADAL" clId="{0D468CC9-0A0F-49DA-87F3-E1A590324E97}" dt="2025-10-20T12:22:16.064" v="226" actId="478"/>
+          <ac:spMkLst>
+            <pc:docMk/>
+            <pc:sldMk cId="1343921244" sldId="264"/>
+            <ac:spMk id="6" creationId="{4B699854-31F7-D983-110F-51D7709B6A9C}"/>
+          </ac:spMkLst>
+        </pc:spChg>
+      </pc:sldChg>
+      <pc:sldChg chg="modSp add mod">
+        <pc:chgData name="Lanius Vivian" userId="04dcd06e-c6f0-4063-b722-c51884dea5da" providerId="ADAL" clId="{0D468CC9-0A0F-49DA-87F3-E1A590324E97}" dt="2025-10-20T12:14:20.246" v="82" actId="20577"/>
+        <pc:sldMkLst>
+          <pc:docMk/>
+          <pc:sldMk cId="2826606493" sldId="265"/>
+        </pc:sldMkLst>
+        <pc:spChg chg="mod">
+          <ac:chgData name="Lanius Vivian" userId="04dcd06e-c6f0-4063-b722-c51884dea5da" providerId="ADAL" clId="{0D468CC9-0A0F-49DA-87F3-E1A590324E97}" dt="2025-10-20T12:14:20.246" v="82" actId="20577"/>
+          <ac:spMkLst>
+            <pc:docMk/>
+            <pc:sldMk cId="2826606493" sldId="265"/>
+            <ac:spMk id="3" creationId="{A397CC7B-11C6-E831-204A-2FF458F1F9E5}"/>
+          </ac:spMkLst>
+        </pc:spChg>
+      </pc:sldChg>
+      <pc:sldChg chg="modSp add mod">
+        <pc:chgData name="Lanius Vivian" userId="04dcd06e-c6f0-4063-b722-c51884dea5da" providerId="ADAL" clId="{0D468CC9-0A0F-49DA-87F3-E1A590324E97}" dt="2025-10-20T12:12:43.316" v="39" actId="20577"/>
+        <pc:sldMkLst>
+          <pc:docMk/>
+          <pc:sldMk cId="3525109147" sldId="266"/>
+        </pc:sldMkLst>
+        <pc:spChg chg="mod">
+          <ac:chgData name="Lanius Vivian" userId="04dcd06e-c6f0-4063-b722-c51884dea5da" providerId="ADAL" clId="{0D468CC9-0A0F-49DA-87F3-E1A590324E97}" dt="2025-10-20T12:12:43.316" v="39" actId="20577"/>
+          <ac:spMkLst>
+            <pc:docMk/>
+            <pc:sldMk cId="3525109147" sldId="266"/>
+            <ac:spMk id="2" creationId="{206D2AFB-2F77-24A7-87EF-9A8BD791940E}"/>
+          </ac:spMkLst>
+        </pc:spChg>
+      </pc:sldChg>
+      <pc:sldChg chg="modSp add mod ord">
+        <pc:chgData name="Lanius Vivian" userId="04dcd06e-c6f0-4063-b722-c51884dea5da" providerId="ADAL" clId="{0D468CC9-0A0F-49DA-87F3-E1A590324E97}" dt="2025-10-20T12:46:05.144" v="693" actId="6549"/>
+        <pc:sldMkLst>
+          <pc:docMk/>
+          <pc:sldMk cId="939177196" sldId="267"/>
+        </pc:sldMkLst>
+        <pc:spChg chg="mod">
+          <ac:chgData name="Lanius Vivian" userId="04dcd06e-c6f0-4063-b722-c51884dea5da" providerId="ADAL" clId="{0D468CC9-0A0F-49DA-87F3-E1A590324E97}" dt="2025-10-20T12:46:05.144" v="693" actId="6549"/>
+          <ac:spMkLst>
+            <pc:docMk/>
+            <pc:sldMk cId="939177196" sldId="267"/>
             <ac:spMk id="3" creationId="{B54854DC-EA4C-C482-1EBC-CD542BBAAFCD}"/>
+          </ac:spMkLst>
+        </pc:spChg>
+      </pc:sldChg>
+      <pc:sldChg chg="modSp add del mod">
+        <pc:chgData name="Lanius Vivian" userId="04dcd06e-c6f0-4063-b722-c51884dea5da" providerId="ADAL" clId="{0D468CC9-0A0F-49DA-87F3-E1A590324E97}" dt="2025-10-20T12:41:27" v="628" actId="2696"/>
+        <pc:sldMkLst>
+          <pc:docMk/>
+          <pc:sldMk cId="1137336522" sldId="267"/>
+        </pc:sldMkLst>
+        <pc:spChg chg="mod">
+          <ac:chgData name="Lanius Vivian" userId="04dcd06e-c6f0-4063-b722-c51884dea5da" providerId="ADAL" clId="{0D468CC9-0A0F-49DA-87F3-E1A590324E97}" dt="2025-10-20T12:14:15.257" v="77" actId="20577"/>
+          <ac:spMkLst>
+            <pc:docMk/>
+            <pc:sldMk cId="1137336522" sldId="267"/>
+            <ac:spMk id="2" creationId="{B8DDBAA1-FC32-B748-070A-F9EB28CCFF43}"/>
+          </ac:spMkLst>
+        </pc:spChg>
+      </pc:sldChg>
+      <pc:sldChg chg="modSp add del mod">
+        <pc:chgData name="Lanius Vivian" userId="04dcd06e-c6f0-4063-b722-c51884dea5da" providerId="ADAL" clId="{0D468CC9-0A0F-49DA-87F3-E1A590324E97}" dt="2025-10-20T12:41:27" v="628" actId="2696"/>
+        <pc:sldMkLst>
+          <pc:docMk/>
+          <pc:sldMk cId="1952132321" sldId="268"/>
+        </pc:sldMkLst>
+        <pc:spChg chg="mod">
+          <ac:chgData name="Lanius Vivian" userId="04dcd06e-c6f0-4063-b722-c51884dea5da" providerId="ADAL" clId="{0D468CC9-0A0F-49DA-87F3-E1A590324E97}" dt="2025-10-20T12:13:41.313" v="43" actId="13926"/>
+          <ac:spMkLst>
+            <pc:docMk/>
+            <pc:sldMk cId="1952132321" sldId="268"/>
+            <ac:spMk id="3" creationId="{1FE76AFC-9E18-FFEA-DFF3-0340D399B964}"/>
+          </ac:spMkLst>
+        </pc:spChg>
+        <pc:spChg chg="mod">
+          <ac:chgData name="Lanius Vivian" userId="04dcd06e-c6f0-4063-b722-c51884dea5da" providerId="ADAL" clId="{0D468CC9-0A0F-49DA-87F3-E1A590324E97}" dt="2025-10-20T12:13:50.588" v="67" actId="1035"/>
+          <ac:spMkLst>
+            <pc:docMk/>
+            <pc:sldMk cId="1952132321" sldId="268"/>
+            <ac:spMk id="4" creationId="{BF884042-160E-0B3B-3114-76A60A1E3152}"/>
+          </ac:spMkLst>
+        </pc:spChg>
+      </pc:sldChg>
+      <pc:sldChg chg="add">
+        <pc:chgData name="Lanius Vivian" userId="04dcd06e-c6f0-4063-b722-c51884dea5da" providerId="ADAL" clId="{0D468CC9-0A0F-49DA-87F3-E1A590324E97}" dt="2025-10-20T12:41:38.927" v="629"/>
+        <pc:sldMkLst>
+          <pc:docMk/>
+          <pc:sldMk cId="4220759501" sldId="268"/>
+        </pc:sldMkLst>
+      </pc:sldChg>
+      <pc:sldChg chg="add">
+        <pc:chgData name="Lanius Vivian" userId="04dcd06e-c6f0-4063-b722-c51884dea5da" providerId="ADAL" clId="{0D468CC9-0A0F-49DA-87F3-E1A590324E97}" dt="2025-10-20T12:42:44.936" v="639"/>
+        <pc:sldMkLst>
+          <pc:docMk/>
+          <pc:sldMk cId="188148201" sldId="274"/>
+        </pc:sldMkLst>
+      </pc:sldChg>
+      <pc:sldChg chg="modSp add del mod">
+        <pc:chgData name="Lanius Vivian" userId="04dcd06e-c6f0-4063-b722-c51884dea5da" providerId="ADAL" clId="{0D468CC9-0A0F-49DA-87F3-E1A590324E97}" dt="2025-10-20T12:41:27" v="628" actId="2696"/>
+        <pc:sldMkLst>
+          <pc:docMk/>
+          <pc:sldMk cId="2296402031" sldId="274"/>
+        </pc:sldMkLst>
+        <pc:spChg chg="mod">
+          <ac:chgData name="Lanius Vivian" userId="04dcd06e-c6f0-4063-b722-c51884dea5da" providerId="ADAL" clId="{0D468CC9-0A0F-49DA-87F3-E1A590324E97}" dt="2025-10-20T12:16:12.828" v="86" actId="20577"/>
+          <ac:spMkLst>
+            <pc:docMk/>
+            <pc:sldMk cId="2296402031" sldId="274"/>
+            <ac:spMk id="3" creationId="{365EA654-3A21-BB0C-3D82-1F125344E256}"/>
+          </ac:spMkLst>
+        </pc:spChg>
+      </pc:sldChg>
+      <pc:sldChg chg="add del">
+        <pc:chgData name="Lanius Vivian" userId="04dcd06e-c6f0-4063-b722-c51884dea5da" providerId="ADAL" clId="{0D468CC9-0A0F-49DA-87F3-E1A590324E97}" dt="2025-10-20T12:42:27.208" v="630" actId="2696"/>
+        <pc:sldMkLst>
+          <pc:docMk/>
+          <pc:sldMk cId="2844649010" sldId="274"/>
+        </pc:sldMkLst>
+      </pc:sldChg>
+      <pc:sldChg chg="modSp add del mod modCm">
+        <pc:chgData name="Lanius Vivian" userId="04dcd06e-c6f0-4063-b722-c51884dea5da" providerId="ADAL" clId="{0D468CC9-0A0F-49DA-87F3-E1A590324E97}" dt="2025-10-20T12:41:27" v="628" actId="2696"/>
+        <pc:sldMkLst>
+          <pc:docMk/>
+          <pc:sldMk cId="1235154010" sldId="275"/>
+        </pc:sldMkLst>
+        <pc:spChg chg="mod">
+          <ac:chgData name="Lanius Vivian" userId="04dcd06e-c6f0-4063-b722-c51884dea5da" providerId="ADAL" clId="{0D468CC9-0A0F-49DA-87F3-E1A590324E97}" dt="2025-10-20T12:15:34.733" v="85" actId="13926"/>
+          <ac:spMkLst>
+            <pc:docMk/>
+            <pc:sldMk cId="1235154010" sldId="275"/>
+            <ac:spMk id="2" creationId="{620DA047-170C-FBF8-CB1F-315C06E7CD02}"/>
+          </ac:spMkLst>
+        </pc:spChg>
+        <pc:spChg chg="mod">
+          <ac:chgData name="Lanius Vivian" userId="04dcd06e-c6f0-4063-b722-c51884dea5da" providerId="ADAL" clId="{0D468CC9-0A0F-49DA-87F3-E1A590324E97}" dt="2025-10-20T12:15:34.733" v="85" actId="13926"/>
+          <ac:spMkLst>
+            <pc:docMk/>
+            <pc:sldMk cId="1235154010" sldId="275"/>
+            <ac:spMk id="3" creationId="{50C21EC1-ADC0-378C-52F1-6B4D6FF728F1}"/>
+          </ac:spMkLst>
+        </pc:spChg>
+        <pc:extLst>
+          <p:ext xmlns:p="http://schemas.openxmlformats.org/presentationml/2006/main" uri="{D6D511B9-2390-475A-947B-AFAB55BFBCF1}">
+            <pc226:cmChg xmlns:pc226="http://schemas.microsoft.com/office/powerpoint/2022/06/main/command" chg="mod">
+              <pc226:chgData name="Lanius Vivian" userId="04dcd06e-c6f0-4063-b722-c51884dea5da" providerId="ADAL" clId="{0D468CC9-0A0F-49DA-87F3-E1A590324E97}" dt="2025-10-20T12:15:14.248" v="83" actId="6549"/>
+              <pc2:cmMkLst xmlns:pc2="http://schemas.microsoft.com/office/powerpoint/2019/9/main/command">
+                <pc:docMk/>
+                <pc:sldMk cId="1235154010" sldId="275"/>
+                <pc2:cmMk id="{9C177228-28C9-4531-926C-5F33BFD1533F}"/>
+              </pc2:cmMkLst>
+            </pc226:cmChg>
+            <pc226:cmChg xmlns:pc226="http://schemas.microsoft.com/office/powerpoint/2022/06/main/command" chg="mod">
+              <pc226:chgData name="Lanius Vivian" userId="04dcd06e-c6f0-4063-b722-c51884dea5da" providerId="ADAL" clId="{0D468CC9-0A0F-49DA-87F3-E1A590324E97}" dt="2025-10-20T12:15:14.248" v="83" actId="6549"/>
+              <pc2:cmMkLst xmlns:pc2="http://schemas.microsoft.com/office/powerpoint/2019/9/main/command">
+                <pc:docMk/>
+                <pc:sldMk cId="1235154010" sldId="275"/>
+                <pc2:cmMk id="{C954F0E7-8B5E-4A01-A681-5EACCE77A931}"/>
+              </pc2:cmMkLst>
+            </pc226:cmChg>
+          </p:ext>
+        </pc:extLst>
+      </pc:sldChg>
+      <pc:sldChg chg="add">
+        <pc:chgData name="Lanius Vivian" userId="04dcd06e-c6f0-4063-b722-c51884dea5da" providerId="ADAL" clId="{0D468CC9-0A0F-49DA-87F3-E1A590324E97}" dt="2025-10-20T12:42:44.936" v="639"/>
+        <pc:sldMkLst>
+          <pc:docMk/>
+          <pc:sldMk cId="1766009306" sldId="275"/>
+        </pc:sldMkLst>
+      </pc:sldChg>
+      <pc:sldChg chg="add del">
+        <pc:chgData name="Lanius Vivian" userId="04dcd06e-c6f0-4063-b722-c51884dea5da" providerId="ADAL" clId="{0D468CC9-0A0F-49DA-87F3-E1A590324E97}" dt="2025-10-20T12:42:27.208" v="630" actId="2696"/>
+        <pc:sldMkLst>
+          <pc:docMk/>
+          <pc:sldMk cId="2640346877" sldId="275"/>
+        </pc:sldMkLst>
+      </pc:sldChg>
+      <pc:sldChg chg="add del">
+        <pc:chgData name="Lanius Vivian" userId="04dcd06e-c6f0-4063-b722-c51884dea5da" providerId="ADAL" clId="{0D468CC9-0A0F-49DA-87F3-E1A590324E97}" dt="2025-10-20T12:16:40.888" v="87" actId="47"/>
+        <pc:sldMkLst>
+          <pc:docMk/>
+          <pc:sldMk cId="2493238378" sldId="276"/>
+        </pc:sldMkLst>
+      </pc:sldChg>
+      <pc:sldChg chg="addSp delSp modSp add del mod">
+        <pc:chgData name="Lanius Vivian" userId="04dcd06e-c6f0-4063-b722-c51884dea5da" providerId="ADAL" clId="{0D468CC9-0A0F-49DA-87F3-E1A590324E97}" dt="2025-10-20T12:40:59.181" v="626" actId="2696"/>
+        <pc:sldMkLst>
+          <pc:docMk/>
+          <pc:sldMk cId="0" sldId="277"/>
+        </pc:sldMkLst>
+        <pc:spChg chg="mod">
+          <ac:chgData name="Lanius Vivian" userId="04dcd06e-c6f0-4063-b722-c51884dea5da" providerId="ADAL" clId="{0D468CC9-0A0F-49DA-87F3-E1A590324E97}" dt="2025-10-20T12:39:35.178" v="618" actId="555"/>
+          <ac:spMkLst>
+            <pc:docMk/>
+            <pc:sldMk cId="0" sldId="277"/>
+            <ac:spMk id="3" creationId="{00000000-0000-0000-0000-000000000000}"/>
+          </ac:spMkLst>
+        </pc:spChg>
+        <pc:spChg chg="mod">
+          <ac:chgData name="Lanius Vivian" userId="04dcd06e-c6f0-4063-b722-c51884dea5da" providerId="ADAL" clId="{0D468CC9-0A0F-49DA-87F3-E1A590324E97}" dt="2025-10-20T12:39:35.178" v="618" actId="555"/>
+          <ac:spMkLst>
+            <pc:docMk/>
+            <pc:sldMk cId="0" sldId="277"/>
+            <ac:spMk id="4" creationId="{00000000-0000-0000-0000-000000000000}"/>
+          </ac:spMkLst>
+        </pc:spChg>
+        <pc:spChg chg="mod">
+          <ac:chgData name="Lanius Vivian" userId="04dcd06e-c6f0-4063-b722-c51884dea5da" providerId="ADAL" clId="{0D468CC9-0A0F-49DA-87F3-E1A590324E97}" dt="2025-10-20T12:39:28.847" v="617" actId="555"/>
+          <ac:spMkLst>
+            <pc:docMk/>
+            <pc:sldMk cId="0" sldId="277"/>
+            <ac:spMk id="5" creationId="{00000000-0000-0000-0000-000000000000}"/>
+          </ac:spMkLst>
+        </pc:spChg>
+        <pc:spChg chg="mod">
+          <ac:chgData name="Lanius Vivian" userId="04dcd06e-c6f0-4063-b722-c51884dea5da" providerId="ADAL" clId="{0D468CC9-0A0F-49DA-87F3-E1A590324E97}" dt="2025-10-20T12:39:28.847" v="617" actId="555"/>
+          <ac:spMkLst>
+            <pc:docMk/>
+            <pc:sldMk cId="0" sldId="277"/>
+            <ac:spMk id="6" creationId="{00000000-0000-0000-0000-000000000000}"/>
+          </ac:spMkLst>
+        </pc:spChg>
+        <pc:spChg chg="mod">
+          <ac:chgData name="Lanius Vivian" userId="04dcd06e-c6f0-4063-b722-c51884dea5da" providerId="ADAL" clId="{0D468CC9-0A0F-49DA-87F3-E1A590324E97}" dt="2025-10-20T12:39:28.847" v="617" actId="555"/>
+          <ac:spMkLst>
+            <pc:docMk/>
+            <pc:sldMk cId="0" sldId="277"/>
+            <ac:spMk id="7" creationId="{00000000-0000-0000-0000-000000000000}"/>
+          </ac:spMkLst>
+        </pc:spChg>
+        <pc:spChg chg="mod">
+          <ac:chgData name="Lanius Vivian" userId="04dcd06e-c6f0-4063-b722-c51884dea5da" providerId="ADAL" clId="{0D468CC9-0A0F-49DA-87F3-E1A590324E97}" dt="2025-10-20T12:39:23.763" v="616" actId="555"/>
+          <ac:spMkLst>
+            <pc:docMk/>
+            <pc:sldMk cId="0" sldId="277"/>
+            <ac:spMk id="8" creationId="{00000000-0000-0000-0000-000000000000}"/>
+          </ac:spMkLst>
+        </pc:spChg>
+        <pc:spChg chg="mod">
+          <ac:chgData name="Lanius Vivian" userId="04dcd06e-c6f0-4063-b722-c51884dea5da" providerId="ADAL" clId="{0D468CC9-0A0F-49DA-87F3-E1A590324E97}" dt="2025-10-20T12:39:23.763" v="616" actId="555"/>
+          <ac:spMkLst>
+            <pc:docMk/>
+            <pc:sldMk cId="0" sldId="277"/>
+            <ac:spMk id="9" creationId="{00000000-0000-0000-0000-000000000000}"/>
+          </ac:spMkLst>
+        </pc:spChg>
+        <pc:spChg chg="mod">
+          <ac:chgData name="Lanius Vivian" userId="04dcd06e-c6f0-4063-b722-c51884dea5da" providerId="ADAL" clId="{0D468CC9-0A0F-49DA-87F3-E1A590324E97}" dt="2025-10-20T12:39:18.820" v="615" actId="555"/>
+          <ac:spMkLst>
+            <pc:docMk/>
+            <pc:sldMk cId="0" sldId="277"/>
+            <ac:spMk id="10" creationId="{00000000-0000-0000-0000-000000000000}"/>
+          </ac:spMkLst>
+        </pc:spChg>
+        <pc:spChg chg="mod">
+          <ac:chgData name="Lanius Vivian" userId="04dcd06e-c6f0-4063-b722-c51884dea5da" providerId="ADAL" clId="{0D468CC9-0A0F-49DA-87F3-E1A590324E97}" dt="2025-10-20T12:39:18.820" v="615" actId="555"/>
+          <ac:spMkLst>
+            <pc:docMk/>
+            <pc:sldMk cId="0" sldId="277"/>
+            <ac:spMk id="11" creationId="{00000000-0000-0000-0000-000000000000}"/>
+          </ac:spMkLst>
+        </pc:spChg>
+        <pc:spChg chg="mod">
+          <ac:chgData name="Lanius Vivian" userId="04dcd06e-c6f0-4063-b722-c51884dea5da" providerId="ADAL" clId="{0D468CC9-0A0F-49DA-87F3-E1A590324E97}" dt="2025-10-20T12:39:12.193" v="614" actId="555"/>
+          <ac:spMkLst>
+            <pc:docMk/>
+            <pc:sldMk cId="0" sldId="277"/>
+            <ac:spMk id="12" creationId="{00000000-0000-0000-0000-000000000000}"/>
+          </ac:spMkLst>
+        </pc:spChg>
+        <pc:spChg chg="mod">
+          <ac:chgData name="Lanius Vivian" userId="04dcd06e-c6f0-4063-b722-c51884dea5da" providerId="ADAL" clId="{0D468CC9-0A0F-49DA-87F3-E1A590324E97}" dt="2025-10-20T12:39:12.193" v="614" actId="555"/>
+          <ac:spMkLst>
+            <pc:docMk/>
+            <pc:sldMk cId="0" sldId="277"/>
+            <ac:spMk id="13" creationId="{00000000-0000-0000-0000-000000000000}"/>
+          </ac:spMkLst>
+        </pc:spChg>
+        <pc:spChg chg="mod">
+          <ac:chgData name="Lanius Vivian" userId="04dcd06e-c6f0-4063-b722-c51884dea5da" providerId="ADAL" clId="{0D468CC9-0A0F-49DA-87F3-E1A590324E97}" dt="2025-10-20T12:39:07.188" v="613" actId="555"/>
+          <ac:spMkLst>
+            <pc:docMk/>
+            <pc:sldMk cId="0" sldId="277"/>
+            <ac:spMk id="14" creationId="{00000000-0000-0000-0000-000000000000}"/>
+          </ac:spMkLst>
+        </pc:spChg>
+        <pc:spChg chg="mod">
+          <ac:chgData name="Lanius Vivian" userId="04dcd06e-c6f0-4063-b722-c51884dea5da" providerId="ADAL" clId="{0D468CC9-0A0F-49DA-87F3-E1A590324E97}" dt="2025-10-20T12:39:07.188" v="613" actId="555"/>
+          <ac:spMkLst>
+            <pc:docMk/>
+            <pc:sldMk cId="0" sldId="277"/>
+            <ac:spMk id="15" creationId="{00000000-0000-0000-0000-000000000000}"/>
+          </ac:spMkLst>
+        </pc:spChg>
+        <pc:spChg chg="mod">
+          <ac:chgData name="Lanius Vivian" userId="04dcd06e-c6f0-4063-b722-c51884dea5da" providerId="ADAL" clId="{0D468CC9-0A0F-49DA-87F3-E1A590324E97}" dt="2025-10-20T12:39:02.165" v="612" actId="555"/>
+          <ac:spMkLst>
+            <pc:docMk/>
+            <pc:sldMk cId="0" sldId="277"/>
+            <ac:spMk id="16" creationId="{00000000-0000-0000-0000-000000000000}"/>
+          </ac:spMkLst>
+        </pc:spChg>
+        <pc:spChg chg="mod">
+          <ac:chgData name="Lanius Vivian" userId="04dcd06e-c6f0-4063-b722-c51884dea5da" providerId="ADAL" clId="{0D468CC9-0A0F-49DA-87F3-E1A590324E97}" dt="2025-10-20T12:39:02.165" v="612" actId="555"/>
+          <ac:spMkLst>
+            <pc:docMk/>
+            <pc:sldMk cId="0" sldId="277"/>
+            <ac:spMk id="17" creationId="{00000000-0000-0000-0000-000000000000}"/>
+          </ac:spMkLst>
+        </pc:spChg>
+        <pc:spChg chg="mod">
+          <ac:chgData name="Lanius Vivian" userId="04dcd06e-c6f0-4063-b722-c51884dea5da" providerId="ADAL" clId="{0D468CC9-0A0F-49DA-87F3-E1A590324E97}" dt="2025-10-20T12:38:56.953" v="611" actId="555"/>
+          <ac:spMkLst>
+            <pc:docMk/>
+            <pc:sldMk cId="0" sldId="277"/>
+            <ac:spMk id="18" creationId="{00000000-0000-0000-0000-000000000000}"/>
+          </ac:spMkLst>
+        </pc:spChg>
+        <pc:spChg chg="mod">
+          <ac:chgData name="Lanius Vivian" userId="04dcd06e-c6f0-4063-b722-c51884dea5da" providerId="ADAL" clId="{0D468CC9-0A0F-49DA-87F3-E1A590324E97}" dt="2025-10-20T12:38:56.953" v="611" actId="555"/>
+          <ac:spMkLst>
+            <pc:docMk/>
+            <pc:sldMk cId="0" sldId="277"/>
+            <ac:spMk id="19" creationId="{00000000-0000-0000-0000-000000000000}"/>
+          </ac:spMkLst>
+        </pc:spChg>
+        <pc:spChg chg="add del mod">
+          <ac:chgData name="Lanius Vivian" userId="04dcd06e-c6f0-4063-b722-c51884dea5da" providerId="ADAL" clId="{0D468CC9-0A0F-49DA-87F3-E1A590324E97}" dt="2025-10-20T12:38:20.626" v="584" actId="478"/>
+          <ac:spMkLst>
+            <pc:docMk/>
+            <pc:sldMk cId="0" sldId="277"/>
+            <ac:spMk id="20" creationId="{D76C33A6-E857-A746-9499-C50B2A5BCA90}"/>
+          </ac:spMkLst>
+        </pc:spChg>
+        <pc:spChg chg="add mod">
+          <ac:chgData name="Lanius Vivian" userId="04dcd06e-c6f0-4063-b722-c51884dea5da" providerId="ADAL" clId="{0D468CC9-0A0F-49DA-87F3-E1A590324E97}" dt="2025-10-20T12:39:12.193" v="614" actId="555"/>
+          <ac:spMkLst>
+            <pc:docMk/>
+            <pc:sldMk cId="0" sldId="277"/>
+            <ac:spMk id="21" creationId="{98F23D0D-95FA-8114-A403-ECC8EFCFD77D}"/>
+          </ac:spMkLst>
+        </pc:spChg>
+        <pc:spChg chg="add mod">
+          <ac:chgData name="Lanius Vivian" userId="04dcd06e-c6f0-4063-b722-c51884dea5da" providerId="ADAL" clId="{0D468CC9-0A0F-49DA-87F3-E1A590324E97}" dt="2025-10-20T12:39:07.188" v="613" actId="555"/>
+          <ac:spMkLst>
+            <pc:docMk/>
+            <pc:sldMk cId="0" sldId="277"/>
+            <ac:spMk id="22" creationId="{F5D34E74-88C8-9350-6335-1573BB25559B}"/>
+          </ac:spMkLst>
+        </pc:spChg>
+        <pc:spChg chg="add mod">
+          <ac:chgData name="Lanius Vivian" userId="04dcd06e-c6f0-4063-b722-c51884dea5da" providerId="ADAL" clId="{0D468CC9-0A0F-49DA-87F3-E1A590324E97}" dt="2025-10-20T12:39:18.820" v="615" actId="555"/>
+          <ac:spMkLst>
+            <pc:docMk/>
+            <pc:sldMk cId="0" sldId="277"/>
+            <ac:spMk id="23" creationId="{43D9580A-FAB5-2461-20CC-1203079D463F}"/>
+          </ac:spMkLst>
+        </pc:spChg>
+        <pc:spChg chg="add mod">
+          <ac:chgData name="Lanius Vivian" userId="04dcd06e-c6f0-4063-b722-c51884dea5da" providerId="ADAL" clId="{0D468CC9-0A0F-49DA-87F3-E1A590324E97}" dt="2025-10-20T12:39:02.165" v="612" actId="555"/>
+          <ac:spMkLst>
+            <pc:docMk/>
+            <pc:sldMk cId="0" sldId="277"/>
+            <ac:spMk id="24" creationId="{6FF1F822-44D7-E426-161F-8D86046C7E87}"/>
+          </ac:spMkLst>
+        </pc:spChg>
+        <pc:spChg chg="add mod">
+          <ac:chgData name="Lanius Vivian" userId="04dcd06e-c6f0-4063-b722-c51884dea5da" providerId="ADAL" clId="{0D468CC9-0A0F-49DA-87F3-E1A590324E97}" dt="2025-10-20T12:38:56.953" v="611" actId="555"/>
+          <ac:spMkLst>
+            <pc:docMk/>
+            <pc:sldMk cId="0" sldId="277"/>
+            <ac:spMk id="25" creationId="{765A03BE-8742-4BE4-4E9B-8879CD209AA7}"/>
+          </ac:spMkLst>
+        </pc:spChg>
+        <pc:spChg chg="add mod">
+          <ac:chgData name="Lanius Vivian" userId="04dcd06e-c6f0-4063-b722-c51884dea5da" providerId="ADAL" clId="{0D468CC9-0A0F-49DA-87F3-E1A590324E97}" dt="2025-10-20T12:39:23.763" v="616" actId="555"/>
+          <ac:spMkLst>
+            <pc:docMk/>
+            <pc:sldMk cId="0" sldId="277"/>
+            <ac:spMk id="26" creationId="{A0455CB9-F30C-866E-9005-0EF774C901F1}"/>
+          </ac:spMkLst>
+        </pc:spChg>
+        <pc:cxnChg chg="add mod">
+          <ac:chgData name="Lanius Vivian" userId="04dcd06e-c6f0-4063-b722-c51884dea5da" providerId="ADAL" clId="{0D468CC9-0A0F-49DA-87F3-E1A590324E97}" dt="2025-10-20T12:39:58.352" v="620" actId="208"/>
+          <ac:cxnSpMkLst>
+            <pc:docMk/>
+            <pc:sldMk cId="0" sldId="277"/>
+            <ac:cxnSpMk id="28" creationId="{2F8C039D-C693-2B37-5F49-4CDACD41153E}"/>
+          </ac:cxnSpMkLst>
+        </pc:cxnChg>
+      </pc:sldChg>
+      <pc:sldChg chg="add">
+        <pc:chgData name="Lanius Vivian" userId="04dcd06e-c6f0-4063-b722-c51884dea5da" providerId="ADAL" clId="{0D468CC9-0A0F-49DA-87F3-E1A590324E97}" dt="2025-10-20T12:41:04.669" v="627"/>
+        <pc:sldMkLst>
+          <pc:docMk/>
+          <pc:sldMk cId="236783753" sldId="277"/>
+        </pc:sldMkLst>
+      </pc:sldChg>
+      <pc:sldChg chg="modSp add del mod">
+        <pc:chgData name="Lanius Vivian" userId="04dcd06e-c6f0-4063-b722-c51884dea5da" providerId="ADAL" clId="{0D468CC9-0A0F-49DA-87F3-E1A590324E97}" dt="2025-10-20T12:40:42.543" v="625" actId="47"/>
+        <pc:sldMkLst>
+          <pc:docMk/>
+          <pc:sldMk cId="0" sldId="279"/>
+        </pc:sldMkLst>
+        <pc:spChg chg="mod">
+          <ac:chgData name="Lanius Vivian" userId="04dcd06e-c6f0-4063-b722-c51884dea5da" providerId="ADAL" clId="{0D468CC9-0A0F-49DA-87F3-E1A590324E97}" dt="2025-10-20T12:40:17.654" v="621" actId="20577"/>
+          <ac:spMkLst>
+            <pc:docMk/>
+            <pc:sldMk cId="0" sldId="279"/>
+            <ac:spMk id="2" creationId="{00000000-0000-0000-0000-000000000000}"/>
+          </ac:spMkLst>
+        </pc:spChg>
+      </pc:sldChg>
+      <pc:sldChg chg="add del">
+        <pc:chgData name="Lanius Vivian" userId="04dcd06e-c6f0-4063-b722-c51884dea5da" providerId="ADAL" clId="{0D468CC9-0A0F-49DA-87F3-E1A590324E97}" dt="2025-10-20T12:40:59.181" v="626" actId="2696"/>
+        <pc:sldMkLst>
+          <pc:docMk/>
+          <pc:sldMk cId="748446275" sldId="280"/>
+        </pc:sldMkLst>
+      </pc:sldChg>
+      <pc:sldChg chg="modSp add mod">
+        <pc:chgData name="Lanius Vivian" userId="04dcd06e-c6f0-4063-b722-c51884dea5da" providerId="ADAL" clId="{0D468CC9-0A0F-49DA-87F3-E1A590324E97}" dt="2025-10-20T12:48:03.023" v="729" actId="6549"/>
+        <pc:sldMkLst>
+          <pc:docMk/>
+          <pc:sldMk cId="3116672524" sldId="280"/>
+        </pc:sldMkLst>
+        <pc:spChg chg="mod">
+          <ac:chgData name="Lanius Vivian" userId="04dcd06e-c6f0-4063-b722-c51884dea5da" providerId="ADAL" clId="{0D468CC9-0A0F-49DA-87F3-E1A590324E97}" dt="2025-10-20T12:48:03.023" v="729" actId="6549"/>
+          <ac:spMkLst>
+            <pc:docMk/>
+            <pc:sldMk cId="3116672524" sldId="280"/>
+            <ac:spMk id="3" creationId="{0FCDAAD4-1D4F-719F-6A2A-732DE67778C8}"/>
+          </ac:spMkLst>
+        </pc:spChg>
+      </pc:sldChg>
+      <pc:sldChg chg="delSp modSp new mod">
+        <pc:chgData name="Lanius Vivian" userId="04dcd06e-c6f0-4063-b722-c51884dea5da" providerId="ADAL" clId="{0D468CC9-0A0F-49DA-87F3-E1A590324E97}" dt="2025-10-20T12:28:29.224" v="303" actId="20577"/>
+        <pc:sldMkLst>
+          <pc:docMk/>
+          <pc:sldMk cId="341333840" sldId="281"/>
+        </pc:sldMkLst>
+        <pc:spChg chg="mod">
+          <ac:chgData name="Lanius Vivian" userId="04dcd06e-c6f0-4063-b722-c51884dea5da" providerId="ADAL" clId="{0D468CC9-0A0F-49DA-87F3-E1A590324E97}" dt="2025-10-20T12:28:29.224" v="303" actId="20577"/>
+          <ac:spMkLst>
+            <pc:docMk/>
+            <pc:sldMk cId="341333840" sldId="281"/>
+            <ac:spMk id="2" creationId="{6D31EF0C-DFAB-6094-DAFE-9CADEE9A1B76}"/>
+          </ac:spMkLst>
+        </pc:spChg>
+        <pc:spChg chg="del">
+          <ac:chgData name="Lanius Vivian" userId="04dcd06e-c6f0-4063-b722-c51884dea5da" providerId="ADAL" clId="{0D468CC9-0A0F-49DA-87F3-E1A590324E97}" dt="2025-10-20T12:17:40.986" v="100" actId="478"/>
+          <ac:spMkLst>
+            <pc:docMk/>
+            <pc:sldMk cId="341333840" sldId="281"/>
+            <ac:spMk id="3" creationId="{D1DF3674-2F59-BE4D-6E68-60240C918F50}"/>
+          </ac:spMkLst>
+        </pc:spChg>
+      </pc:sldChg>
+      <pc:sldChg chg="modSp add mod">
+        <pc:chgData name="Lanius Vivian" userId="04dcd06e-c6f0-4063-b722-c51884dea5da" providerId="ADAL" clId="{0D468CC9-0A0F-49DA-87F3-E1A590324E97}" dt="2025-10-20T12:22:00.986" v="225" actId="6549"/>
+        <pc:sldMkLst>
+          <pc:docMk/>
+          <pc:sldMk cId="2735190168" sldId="282"/>
+        </pc:sldMkLst>
+        <pc:spChg chg="mod">
+          <ac:chgData name="Lanius Vivian" userId="04dcd06e-c6f0-4063-b722-c51884dea5da" providerId="ADAL" clId="{0D468CC9-0A0F-49DA-87F3-E1A590324E97}" dt="2025-10-20T12:22:00.986" v="225" actId="6549"/>
+          <ac:spMkLst>
+            <pc:docMk/>
+            <pc:sldMk cId="2735190168" sldId="282"/>
+            <ac:spMk id="2" creationId="{B1DF55F5-576B-DC5F-932E-25EA4B5A09F2}"/>
+          </ac:spMkLst>
+        </pc:spChg>
+      </pc:sldChg>
+      <pc:sldChg chg="modSp add mod">
+        <pc:chgData name="Lanius Vivian" userId="04dcd06e-c6f0-4063-b722-c51884dea5da" providerId="ADAL" clId="{0D468CC9-0A0F-49DA-87F3-E1A590324E97}" dt="2025-10-20T12:20:55.935" v="202" actId="20577"/>
+        <pc:sldMkLst>
+          <pc:docMk/>
+          <pc:sldMk cId="1990811313" sldId="283"/>
+        </pc:sldMkLst>
+        <pc:spChg chg="mod">
+          <ac:chgData name="Lanius Vivian" userId="04dcd06e-c6f0-4063-b722-c51884dea5da" providerId="ADAL" clId="{0D468CC9-0A0F-49DA-87F3-E1A590324E97}" dt="2025-10-20T12:20:55.935" v="202" actId="20577"/>
+          <ac:spMkLst>
+            <pc:docMk/>
+            <pc:sldMk cId="1990811313" sldId="283"/>
+            <ac:spMk id="2" creationId="{85123D9E-A34F-2231-9B1A-E61C3058B922}"/>
+          </ac:spMkLst>
+        </pc:spChg>
+      </pc:sldChg>
+      <pc:sldChg chg="add">
+        <pc:chgData name="Lanius Vivian" userId="04dcd06e-c6f0-4063-b722-c51884dea5da" providerId="ADAL" clId="{0D468CC9-0A0F-49DA-87F3-E1A590324E97}" dt="2025-10-20T12:41:04.669" v="627"/>
+        <pc:sldMkLst>
+          <pc:docMk/>
+          <pc:sldMk cId="1136763951" sldId="284"/>
+        </pc:sldMkLst>
+      </pc:sldChg>
+      <pc:sldChg chg="modSp new del">
+        <pc:chgData name="Lanius Vivian" userId="04dcd06e-c6f0-4063-b722-c51884dea5da" providerId="ADAL" clId="{0D468CC9-0A0F-49DA-87F3-E1A590324E97}" dt="2025-10-20T12:40:59.181" v="626" actId="2696"/>
+        <pc:sldMkLst>
+          <pc:docMk/>
+          <pc:sldMk cId="2845513844" sldId="284"/>
+        </pc:sldMkLst>
+        <pc:spChg chg="mod">
+          <ac:chgData name="Lanius Vivian" userId="04dcd06e-c6f0-4063-b722-c51884dea5da" providerId="ADAL" clId="{0D468CC9-0A0F-49DA-87F3-E1A590324E97}" dt="2025-10-20T12:40:34.114" v="623"/>
+          <ac:spMkLst>
+            <pc:docMk/>
+            <pc:sldMk cId="2845513844" sldId="284"/>
+            <ac:spMk id="2" creationId="{569DDD15-5846-BEFA-827C-2EE4DF6329DD}"/>
+          </ac:spMkLst>
+        </pc:spChg>
+        <pc:spChg chg="mod">
+          <ac:chgData name="Lanius Vivian" userId="04dcd06e-c6f0-4063-b722-c51884dea5da" providerId="ADAL" clId="{0D468CC9-0A0F-49DA-87F3-E1A590324E97}" dt="2025-10-20T12:40:39.769" v="624"/>
+          <ac:spMkLst>
+            <pc:docMk/>
+            <pc:sldMk cId="2845513844" sldId="284"/>
+            <ac:spMk id="3" creationId="{57A40F8C-4F2D-B7B0-6259-C02A8F7ACA6D}"/>
+          </ac:spMkLst>
+        </pc:spChg>
+      </pc:sldChg>
+      <pc:sldChg chg="delSp modSp new mod">
+        <pc:chgData name="Lanius Vivian" userId="04dcd06e-c6f0-4063-b722-c51884dea5da" providerId="ADAL" clId="{0D468CC9-0A0F-49DA-87F3-E1A590324E97}" dt="2025-10-20T12:42:43.172" v="638" actId="478"/>
+        <pc:sldMkLst>
+          <pc:docMk/>
+          <pc:sldMk cId="3212692061" sldId="285"/>
+        </pc:sldMkLst>
+        <pc:spChg chg="mod">
+          <ac:chgData name="Lanius Vivian" userId="04dcd06e-c6f0-4063-b722-c51884dea5da" providerId="ADAL" clId="{0D468CC9-0A0F-49DA-87F3-E1A590324E97}" dt="2025-10-20T12:42:40.692" v="637" actId="20577"/>
+          <ac:spMkLst>
+            <pc:docMk/>
+            <pc:sldMk cId="3212692061" sldId="285"/>
+            <ac:spMk id="2" creationId="{A62B51DE-BE12-0D1F-CBEF-03451971ECC7}"/>
+          </ac:spMkLst>
+        </pc:spChg>
+        <pc:spChg chg="del">
+          <ac:chgData name="Lanius Vivian" userId="04dcd06e-c6f0-4063-b722-c51884dea5da" providerId="ADAL" clId="{0D468CC9-0A0F-49DA-87F3-E1A590324E97}" dt="2025-10-20T12:42:43.172" v="638" actId="478"/>
+          <ac:spMkLst>
+            <pc:docMk/>
+            <pc:sldMk cId="3212692061" sldId="285"/>
+            <ac:spMk id="3" creationId="{E251071B-26B0-15F1-D13F-461949432800}"/>
           </ac:spMkLst>
         </pc:spChg>
       </pc:sldChg>
@@ -364,7 +1044,7 @@
           <a:p>
             <a:fld id="{AB983FAD-6467-470D-BD6D-5F654A0CE544}" type="datetimeFigureOut">
               <a:rPr lang="da-DK" smtClean="0"/>
-              <a:t>06-12-2023</a:t>
+              <a:t>20-10-2025</a:t>
             </a:fld>
             <a:endParaRPr lang="da-DK"/>
           </a:p>
@@ -564,7 +1244,7 @@
           <a:p>
             <a:fld id="{AB983FAD-6467-470D-BD6D-5F654A0CE544}" type="datetimeFigureOut">
               <a:rPr lang="da-DK" smtClean="0"/>
-              <a:t>06-12-2023</a:t>
+              <a:t>20-10-2025</a:t>
             </a:fld>
             <a:endParaRPr lang="da-DK"/>
           </a:p>
@@ -774,7 +1454,7 @@
           <a:p>
             <a:fld id="{AB983FAD-6467-470D-BD6D-5F654A0CE544}" type="datetimeFigureOut">
               <a:rPr lang="da-DK" smtClean="0"/>
-              <a:t>06-12-2023</a:t>
+              <a:t>20-10-2025</a:t>
             </a:fld>
             <a:endParaRPr lang="da-DK"/>
           </a:p>
@@ -974,7 +1654,7 @@
           <a:p>
             <a:fld id="{AB983FAD-6467-470D-BD6D-5F654A0CE544}" type="datetimeFigureOut">
               <a:rPr lang="da-DK" smtClean="0"/>
-              <a:t>06-12-2023</a:t>
+              <a:t>20-10-2025</a:t>
             </a:fld>
             <a:endParaRPr lang="da-DK"/>
           </a:p>
@@ -1250,7 +1930,7 @@
           <a:p>
             <a:fld id="{AB983FAD-6467-470D-BD6D-5F654A0CE544}" type="datetimeFigureOut">
               <a:rPr lang="da-DK" smtClean="0"/>
-              <a:t>06-12-2023</a:t>
+              <a:t>20-10-2025</a:t>
             </a:fld>
             <a:endParaRPr lang="da-DK"/>
           </a:p>
@@ -1518,7 +2198,7 @@
           <a:p>
             <a:fld id="{AB983FAD-6467-470D-BD6D-5F654A0CE544}" type="datetimeFigureOut">
               <a:rPr lang="da-DK" smtClean="0"/>
-              <a:t>06-12-2023</a:t>
+              <a:t>20-10-2025</a:t>
             </a:fld>
             <a:endParaRPr lang="da-DK"/>
           </a:p>
@@ -1933,7 +2613,7 @@
           <a:p>
             <a:fld id="{AB983FAD-6467-470D-BD6D-5F654A0CE544}" type="datetimeFigureOut">
               <a:rPr lang="da-DK" smtClean="0"/>
-              <a:t>06-12-2023</a:t>
+              <a:t>20-10-2025</a:t>
             </a:fld>
             <a:endParaRPr lang="da-DK"/>
           </a:p>
@@ -2075,7 +2755,7 @@
           <a:p>
             <a:fld id="{AB983FAD-6467-470D-BD6D-5F654A0CE544}" type="datetimeFigureOut">
               <a:rPr lang="da-DK" smtClean="0"/>
-              <a:t>06-12-2023</a:t>
+              <a:t>20-10-2025</a:t>
             </a:fld>
             <a:endParaRPr lang="da-DK"/>
           </a:p>
@@ -2188,7 +2868,7 @@
           <a:p>
             <a:fld id="{AB983FAD-6467-470D-BD6D-5F654A0CE544}" type="datetimeFigureOut">
               <a:rPr lang="da-DK" smtClean="0"/>
-              <a:t>06-12-2023</a:t>
+              <a:t>20-10-2025</a:t>
             </a:fld>
             <a:endParaRPr lang="da-DK"/>
           </a:p>
@@ -2501,7 +3181,7 @@
           <a:p>
             <a:fld id="{AB983FAD-6467-470D-BD6D-5F654A0CE544}" type="datetimeFigureOut">
               <a:rPr lang="da-DK" smtClean="0"/>
-              <a:t>06-12-2023</a:t>
+              <a:t>20-10-2025</a:t>
             </a:fld>
             <a:endParaRPr lang="da-DK"/>
           </a:p>
@@ -2790,7 +3470,7 @@
           <a:p>
             <a:fld id="{AB983FAD-6467-470D-BD6D-5F654A0CE544}" type="datetimeFigureOut">
               <a:rPr lang="da-DK" smtClean="0"/>
-              <a:t>06-12-2023</a:t>
+              <a:t>20-10-2025</a:t>
             </a:fld>
             <a:endParaRPr lang="da-DK"/>
           </a:p>
@@ -3033,7 +3713,7 @@
           <a:p>
             <a:fld id="{AB983FAD-6467-470D-BD6D-5F654A0CE544}" type="datetimeFigureOut">
               <a:rPr lang="da-DK" smtClean="0"/>
-              <a:t>06-12-2023</a:t>
+              <a:t>20-10-2025</a:t>
             </a:fld>
             <a:endParaRPr lang="da-DK"/>
           </a:p>
@@ -3472,10 +4152,10 @@
           <a:lstStyle/>
           <a:p>
             <a:r>
-              <a:rPr lang="en-US" dirty="0"/>
+              <a:rPr lang="en-US"/>
               <a:t>EFSPI Regulatory Statistics Workshop</a:t>
             </a:r>
-            <a:endParaRPr lang="da-DK" dirty="0"/>
+            <a:endParaRPr lang="da-DK"/>
           </a:p>
         </p:txBody>
       </p:sp>
@@ -3497,22 +4177,24 @@
         </p:nvSpPr>
         <p:spPr/>
         <p:txBody>
-          <a:bodyPr/>
-          <a:lstStyle/>
-          <a:p>
-            <a:r>
-              <a:rPr lang="en-US" sz="2400" dirty="0"/>
-              <a:t>Principles for selection of </a:t>
-            </a:r>
-            <a:r>
-              <a:rPr lang="en-US" sz="2400"/>
-              <a:t>members of </a:t>
-            </a:r>
-            <a:r>
-              <a:rPr lang="en-US" sz="2400" dirty="0"/>
-              <a:t>the SC &amp; LOC and Chair</a:t>
-            </a:r>
-            <a:endParaRPr lang="da-DK" dirty="0"/>
+          <a:bodyPr vert="horz" lIns="91440" tIns="45720" rIns="91440" bIns="45720" rtlCol="0" anchor="t">
+            <a:normAutofit/>
+          </a:bodyPr>
+          <a:lstStyle/>
+          <a:p>
+            <a:r>
+              <a:rPr lang="en-US" dirty="0"/>
+              <a:t>Scientific Committee (SC) – principles of engagement</a:t>
+            </a:r>
+          </a:p>
+          <a:p>
+            <a:endParaRPr lang="en-US" dirty="0"/>
+          </a:p>
+          <a:p>
+            <a:r>
+              <a:rPr lang="en-US" dirty="0"/>
+              <a:t>Date: 20 OCT 2025</a:t>
+            </a:r>
           </a:p>
         </p:txBody>
       </p:sp>
@@ -3555,7 +4237,801 @@
     </p:spTree>
     <p:extLst>
       <p:ext uri="{BB962C8B-B14F-4D97-AF65-F5344CB8AC3E}">
-        <p14:creationId xmlns:p14="http://schemas.microsoft.com/office/powerpoint/2010/main" val="564958155"/>
+        <p14:creationId xmlns:p14="http://schemas.microsoft.com/office/powerpoint/2010/main" val="2826606493"/>
+      </p:ext>
+    </p:extLst>
+  </p:cSld>
+  <p:clrMapOvr>
+    <a:masterClrMapping/>
+  </p:clrMapOvr>
+</p:sld>
+</file>
+
+<file path=ppt/slides/slide10.xml><?xml version="1.0" encoding="utf-8"?>
+<p:sld xmlns:a="http://schemas.openxmlformats.org/drawingml/2006/main" xmlns:r="http://schemas.openxmlformats.org/officeDocument/2006/relationships" xmlns:p="http://schemas.openxmlformats.org/presentationml/2006/main">
+  <p:cSld>
+    <p:spTree>
+      <p:nvGrpSpPr>
+        <p:cNvPr id="1" name=""/>
+        <p:cNvGrpSpPr/>
+        <p:nvPr/>
+      </p:nvGrpSpPr>
+      <p:grpSpPr>
+        <a:xfrm>
+          <a:off x="0" y="0"/>
+          <a:ext cx="0" cy="0"/>
+          <a:chOff x="0" y="0"/>
+          <a:chExt cx="0" cy="0"/>
+        </a:xfrm>
+      </p:grpSpPr>
+      <p:sp>
+        <p:nvSpPr>
+          <p:cNvPr id="2" name="Title 1">
+            <a:extLst>
+              <a:ext uri="{FF2B5EF4-FFF2-40B4-BE49-F238E27FC236}">
+                <a16:creationId xmlns:a16="http://schemas.microsoft.com/office/drawing/2014/main" id="{B90F4231-1740-D6FE-104A-1B87B21EEB9F}"/>
+              </a:ext>
+            </a:extLst>
+          </p:cNvPr>
+          <p:cNvSpPr>
+            <a:spLocks noGrp="1"/>
+          </p:cNvSpPr>
+          <p:nvPr>
+            <p:ph type="title"/>
+          </p:nvPr>
+        </p:nvSpPr>
+        <p:spPr/>
+        <p:txBody>
+          <a:bodyPr/>
+          <a:lstStyle/>
+          <a:p>
+            <a:r>
+              <a:rPr lang="en-US" dirty="0">
+                <a:ea typeface="Calibri Light"/>
+                <a:cs typeface="Calibri Light"/>
+              </a:rPr>
+              <a:t>Scientific Committee </a:t>
+            </a:r>
+            <a:r>
+              <a:rPr lang="en-US" dirty="0"/>
+              <a:t>–</a:t>
+            </a:r>
+            <a:r>
+              <a:rPr lang="en-US" dirty="0">
+                <a:ea typeface="Calibri Light"/>
+                <a:cs typeface="Calibri Light"/>
+              </a:rPr>
+              <a:t> general spirit</a:t>
+            </a:r>
+            <a:endParaRPr lang="en-US" dirty="0"/>
+          </a:p>
+        </p:txBody>
+      </p:sp>
+      <p:sp>
+        <p:nvSpPr>
+          <p:cNvPr id="3" name="Content Placeholder 2">
+            <a:extLst>
+              <a:ext uri="{FF2B5EF4-FFF2-40B4-BE49-F238E27FC236}">
+                <a16:creationId xmlns:a16="http://schemas.microsoft.com/office/drawing/2014/main" id="{1FE76AFC-9E18-FFEA-DFF3-0340D399B964}"/>
+              </a:ext>
+            </a:extLst>
+          </p:cNvPr>
+          <p:cNvSpPr>
+            <a:spLocks noGrp="1"/>
+          </p:cNvSpPr>
+          <p:nvPr>
+            <p:ph idx="1"/>
+          </p:nvPr>
+        </p:nvSpPr>
+        <p:spPr>
+          <a:xfrm>
+            <a:off x="838200" y="1580092"/>
+            <a:ext cx="10515600" cy="4596871"/>
+          </a:xfrm>
+        </p:spPr>
+        <p:txBody>
+          <a:bodyPr vert="horz" lIns="91440" tIns="45720" rIns="91440" bIns="45720" rtlCol="0" anchor="t">
+            <a:normAutofit/>
+          </a:bodyPr>
+          <a:lstStyle/>
+          <a:p>
+            <a:r>
+              <a:rPr lang="en-US" dirty="0"/>
+              <a:t>Scientific Committee discussions, while at times appearing inefficient, are important to ensure that the program represents a cohesive whole</a:t>
+            </a:r>
+            <a:r>
+              <a:rPr lang="en-US" dirty="0">
+                <a:ea typeface="Calibri"/>
+                <a:cs typeface="Calibri"/>
+              </a:rPr>
+              <a:t>.</a:t>
+            </a:r>
+          </a:p>
+          <a:p>
+            <a:r>
+              <a:rPr lang="en-US" dirty="0"/>
+              <a:t>The entire SOC needs to review and debate proposed sessions and associated messaging to ensure that the workshop program covers high priority strategic topics and fits together*</a:t>
+            </a:r>
+            <a:r>
+              <a:rPr lang="en-US" sz="1400" dirty="0"/>
+              <a:t>. </a:t>
+            </a:r>
+            <a:endParaRPr lang="en-US" sz="1400" dirty="0">
+              <a:ea typeface="Calibri"/>
+              <a:cs typeface="Calibri"/>
+            </a:endParaRPr>
+          </a:p>
+          <a:p>
+            <a:r>
+              <a:rPr lang="en-US" dirty="0"/>
+              <a:t>Members represent the broader drug development community - not themselves, their company / institution</a:t>
+            </a:r>
+            <a:r>
+              <a:rPr lang="en-US" dirty="0">
+                <a:ea typeface="Calibri"/>
+                <a:cs typeface="Calibri"/>
+              </a:rPr>
+              <a:t>.</a:t>
+            </a:r>
+          </a:p>
+        </p:txBody>
+      </p:sp>
+      <p:sp>
+        <p:nvSpPr>
+          <p:cNvPr id="4" name="Textfeld 3">
+            <a:extLst>
+              <a:ext uri="{FF2B5EF4-FFF2-40B4-BE49-F238E27FC236}">
+                <a16:creationId xmlns:a16="http://schemas.microsoft.com/office/drawing/2014/main" id="{BF884042-160E-0B3B-3114-76A60A1E3152}"/>
+              </a:ext>
+            </a:extLst>
+          </p:cNvPr>
+          <p:cNvSpPr txBox="1"/>
+          <p:nvPr/>
+        </p:nvSpPr>
+        <p:spPr>
+          <a:xfrm>
+            <a:off x="838199" y="5714585"/>
+            <a:ext cx="10929359" cy="646331"/>
+          </a:xfrm>
+          <a:prstGeom prst="rect">
+            <a:avLst/>
+          </a:prstGeom>
+          <a:noFill/>
+        </p:spPr>
+        <p:txBody>
+          <a:bodyPr wrap="square" rtlCol="0">
+            <a:spAutoFit/>
+          </a:bodyPr>
+          <a:lstStyle/>
+          <a:p>
+            <a:r>
+              <a:rPr lang="en-US" dirty="0"/>
+              <a:t>*This does not rule out the possibility to advance the planning in smaller dedicated teams or in writing in-between meetings of the entire SC. </a:t>
+            </a:r>
+          </a:p>
+        </p:txBody>
+      </p:sp>
+    </p:spTree>
+    <p:extLst>
+      <p:ext uri="{BB962C8B-B14F-4D97-AF65-F5344CB8AC3E}">
+        <p14:creationId xmlns:p14="http://schemas.microsoft.com/office/powerpoint/2010/main" val="4220759501"/>
+      </p:ext>
+    </p:extLst>
+  </p:cSld>
+  <p:clrMapOvr>
+    <a:masterClrMapping/>
+  </p:clrMapOvr>
+</p:sld>
+</file>
+
+<file path=ppt/slides/slide11.xml><?xml version="1.0" encoding="utf-8"?>
+<p:sld xmlns:a="http://schemas.openxmlformats.org/drawingml/2006/main" xmlns:r="http://schemas.openxmlformats.org/officeDocument/2006/relationships" xmlns:p="http://schemas.openxmlformats.org/presentationml/2006/main">
+  <p:cSld>
+    <p:spTree>
+      <p:nvGrpSpPr>
+        <p:cNvPr id="1" name=""/>
+        <p:cNvGrpSpPr/>
+        <p:nvPr/>
+      </p:nvGrpSpPr>
+      <p:grpSpPr>
+        <a:xfrm>
+          <a:off x="0" y="0"/>
+          <a:ext cx="0" cy="0"/>
+          <a:chOff x="0" y="0"/>
+          <a:chExt cx="0" cy="0"/>
+        </a:xfrm>
+      </p:grpSpPr>
+      <p:sp>
+        <p:nvSpPr>
+          <p:cNvPr id="2" name="Title 1">
+            <a:extLst>
+              <a:ext uri="{FF2B5EF4-FFF2-40B4-BE49-F238E27FC236}">
+                <a16:creationId xmlns:a16="http://schemas.microsoft.com/office/drawing/2014/main" id="{B8DDBAA1-FC32-B748-070A-F9EB28CCFF43}"/>
+              </a:ext>
+            </a:extLst>
+          </p:cNvPr>
+          <p:cNvSpPr>
+            <a:spLocks noGrp="1"/>
+          </p:cNvSpPr>
+          <p:nvPr>
+            <p:ph type="title"/>
+          </p:nvPr>
+        </p:nvSpPr>
+        <p:spPr/>
+        <p:txBody>
+          <a:bodyPr/>
+          <a:lstStyle/>
+          <a:p>
+            <a:r>
+              <a:rPr lang="en-US" dirty="0"/>
+              <a:t>Scientific Committee – general expectations</a:t>
+            </a:r>
+            <a:endParaRPr lang="da-DK" dirty="0"/>
+          </a:p>
+        </p:txBody>
+      </p:sp>
+      <p:sp>
+        <p:nvSpPr>
+          <p:cNvPr id="3" name="Content Placeholder 2">
+            <a:extLst>
+              <a:ext uri="{FF2B5EF4-FFF2-40B4-BE49-F238E27FC236}">
+                <a16:creationId xmlns:a16="http://schemas.microsoft.com/office/drawing/2014/main" id="{B54854DC-EA4C-C482-1EBC-CD542BBAAFCD}"/>
+              </a:ext>
+            </a:extLst>
+          </p:cNvPr>
+          <p:cNvSpPr>
+            <a:spLocks noGrp="1"/>
+          </p:cNvSpPr>
+          <p:nvPr>
+            <p:ph idx="1"/>
+          </p:nvPr>
+        </p:nvSpPr>
+        <p:spPr/>
+        <p:txBody>
+          <a:bodyPr vert="horz" lIns="91440" tIns="45720" rIns="91440" bIns="45720" rtlCol="0" anchor="t">
+            <a:normAutofit fontScale="92500"/>
+          </a:bodyPr>
+          <a:lstStyle/>
+          <a:p>
+            <a:r>
+              <a:rPr lang="en-US" dirty="0">
+                <a:ea typeface="Calibri"/>
+                <a:cs typeface="Calibri"/>
+              </a:rPr>
+              <a:t>Ambition to put together an interesting, balanced, and relevant program for the audience. </a:t>
+            </a:r>
+          </a:p>
+          <a:p>
+            <a:pPr defTabSz="540000"/>
+            <a:r>
+              <a:rPr lang="en-US" dirty="0"/>
+              <a:t>Presence at preparatory meetings and active contribution to the planning (topics, questions, and speakers/panelists)</a:t>
+            </a:r>
+          </a:p>
+          <a:p>
+            <a:pPr defTabSz="540000"/>
+            <a:r>
+              <a:rPr lang="en-US" dirty="0"/>
+              <a:t>Willingness to (co-)chair a session at the workshop, implying the intention to attend in-person </a:t>
+            </a:r>
+          </a:p>
+          <a:p>
+            <a:endParaRPr lang="en-US" dirty="0">
+              <a:ea typeface="Calibri"/>
+              <a:cs typeface="Calibri"/>
+            </a:endParaRPr>
+          </a:p>
+          <a:p>
+            <a:pPr defTabSz="540000"/>
+            <a:r>
+              <a:rPr lang="en-US" dirty="0"/>
+              <a:t>We aim for equal representation of regulators / HTA and industry</a:t>
+            </a:r>
+          </a:p>
+          <a:p>
+            <a:pPr defTabSz="540000"/>
+            <a:r>
+              <a:rPr lang="en-US" dirty="0"/>
+              <a:t>We aim for diversity: age (certain seniority needed), gender, region, </a:t>
+            </a:r>
+            <a:br>
+              <a:rPr lang="en-US" dirty="0"/>
+            </a:br>
+            <a:r>
+              <a:rPr lang="en-US" dirty="0"/>
+              <a:t>					    areas of expertise (phases of drug development + HTA)</a:t>
+            </a:r>
+          </a:p>
+          <a:p>
+            <a:endParaRPr lang="en-US" dirty="0"/>
+          </a:p>
+          <a:p>
+            <a:pPr marL="0" indent="0">
+              <a:buNone/>
+            </a:pPr>
+            <a:endParaRPr lang="en-US" dirty="0">
+              <a:ea typeface="Calibri"/>
+              <a:cs typeface="Calibri"/>
+            </a:endParaRPr>
+          </a:p>
+          <a:p>
+            <a:endParaRPr lang="en-US" dirty="0">
+              <a:ea typeface="Calibri"/>
+              <a:cs typeface="Calibri"/>
+            </a:endParaRPr>
+          </a:p>
+          <a:p>
+            <a:endParaRPr lang="en-US" dirty="0">
+              <a:ea typeface="Calibri"/>
+              <a:cs typeface="Calibri"/>
+            </a:endParaRPr>
+          </a:p>
+          <a:p>
+            <a:endParaRPr lang="en-US" dirty="0">
+              <a:ea typeface="Calibri"/>
+              <a:cs typeface="Calibri"/>
+            </a:endParaRPr>
+          </a:p>
+          <a:p>
+            <a:endParaRPr lang="da-DK" dirty="0">
+              <a:ea typeface="Calibri" panose="020F0502020204030204"/>
+              <a:cs typeface="Calibri" panose="020F0502020204030204"/>
+            </a:endParaRPr>
+          </a:p>
+        </p:txBody>
+      </p:sp>
+    </p:spTree>
+    <p:extLst>
+      <p:ext uri="{BB962C8B-B14F-4D97-AF65-F5344CB8AC3E}">
+        <p14:creationId xmlns:p14="http://schemas.microsoft.com/office/powerpoint/2010/main" val="939177196"/>
+      </p:ext>
+    </p:extLst>
+  </p:cSld>
+  <p:clrMapOvr>
+    <a:masterClrMapping/>
+  </p:clrMapOvr>
+</p:sld>
+</file>
+
+<file path=ppt/slides/slide12.xml><?xml version="1.0" encoding="utf-8"?>
+<p:sld xmlns:a="http://schemas.openxmlformats.org/drawingml/2006/main" xmlns:r="http://schemas.openxmlformats.org/officeDocument/2006/relationships" xmlns:p="http://schemas.openxmlformats.org/presentationml/2006/main">
+  <p:cSld>
+    <p:spTree>
+      <p:nvGrpSpPr>
+        <p:cNvPr id="1" name="">
+          <a:extLst>
+            <a:ext uri="{FF2B5EF4-FFF2-40B4-BE49-F238E27FC236}">
+              <a16:creationId xmlns:a16="http://schemas.microsoft.com/office/drawing/2014/main" id="{4FF2C515-1E2C-7D7D-F768-6BCCDB71B8D8}"/>
+            </a:ext>
+          </a:extLst>
+        </p:cNvPr>
+        <p:cNvGrpSpPr/>
+        <p:nvPr/>
+      </p:nvGrpSpPr>
+      <p:grpSpPr>
+        <a:xfrm>
+          <a:off x="0" y="0"/>
+          <a:ext cx="0" cy="0"/>
+          <a:chOff x="0" y="0"/>
+          <a:chExt cx="0" cy="0"/>
+        </a:xfrm>
+      </p:grpSpPr>
+      <p:sp>
+        <p:nvSpPr>
+          <p:cNvPr id="2" name="Title 1">
+            <a:extLst>
+              <a:ext uri="{FF2B5EF4-FFF2-40B4-BE49-F238E27FC236}">
+                <a16:creationId xmlns:a16="http://schemas.microsoft.com/office/drawing/2014/main" id="{42A6A672-6339-4B49-E059-A64BB8496486}"/>
+              </a:ext>
+            </a:extLst>
+          </p:cNvPr>
+          <p:cNvSpPr>
+            <a:spLocks noGrp="1"/>
+          </p:cNvSpPr>
+          <p:nvPr>
+            <p:ph type="title"/>
+          </p:nvPr>
+        </p:nvSpPr>
+        <p:spPr/>
+        <p:txBody>
+          <a:bodyPr/>
+          <a:lstStyle/>
+          <a:p>
+            <a:r>
+              <a:rPr lang="en-US" dirty="0"/>
+              <a:t>SC – Regulators &amp; HTA decision makers</a:t>
+            </a:r>
+            <a:endParaRPr lang="da-DK" dirty="0"/>
+          </a:p>
+        </p:txBody>
+      </p:sp>
+      <p:sp>
+        <p:nvSpPr>
+          <p:cNvPr id="3" name="Content Placeholder 2">
+            <a:extLst>
+              <a:ext uri="{FF2B5EF4-FFF2-40B4-BE49-F238E27FC236}">
+                <a16:creationId xmlns:a16="http://schemas.microsoft.com/office/drawing/2014/main" id="{C91C7447-0E40-83CD-E3A4-796FDDFEB769}"/>
+              </a:ext>
+            </a:extLst>
+          </p:cNvPr>
+          <p:cNvSpPr>
+            <a:spLocks noGrp="1"/>
+          </p:cNvSpPr>
+          <p:nvPr>
+            <p:ph idx="1"/>
+          </p:nvPr>
+        </p:nvSpPr>
+        <p:spPr/>
+        <p:txBody>
+          <a:bodyPr>
+            <a:normAutofit/>
+          </a:bodyPr>
+          <a:lstStyle/>
+          <a:p>
+            <a:pPr defTabSz="540000"/>
+            <a:r>
+              <a:rPr lang="en-US" dirty="0"/>
+              <a:t>Regulators and HTA colleagues are responsible for nominating their members </a:t>
+            </a:r>
+          </a:p>
+        </p:txBody>
+      </p:sp>
+    </p:spTree>
+    <p:extLst>
+      <p:ext uri="{BB962C8B-B14F-4D97-AF65-F5344CB8AC3E}">
+        <p14:creationId xmlns:p14="http://schemas.microsoft.com/office/powerpoint/2010/main" val="2437089163"/>
+      </p:ext>
+    </p:extLst>
+  </p:cSld>
+  <p:clrMapOvr>
+    <a:masterClrMapping/>
+  </p:clrMapOvr>
+</p:sld>
+</file>
+
+<file path=ppt/slides/slide13.xml><?xml version="1.0" encoding="utf-8"?>
+<p:sld xmlns:a="http://schemas.openxmlformats.org/drawingml/2006/main" xmlns:r="http://schemas.openxmlformats.org/officeDocument/2006/relationships" xmlns:p="http://schemas.openxmlformats.org/presentationml/2006/main">
+  <p:cSld>
+    <p:spTree>
+      <p:nvGrpSpPr>
+        <p:cNvPr id="1" name="">
+          <a:extLst>
+            <a:ext uri="{FF2B5EF4-FFF2-40B4-BE49-F238E27FC236}">
+              <a16:creationId xmlns:a16="http://schemas.microsoft.com/office/drawing/2014/main" id="{5304115B-C59B-8D03-B39C-9C56E3D5087F}"/>
+            </a:ext>
+          </a:extLst>
+        </p:cNvPr>
+        <p:cNvGrpSpPr/>
+        <p:nvPr/>
+      </p:nvGrpSpPr>
+      <p:grpSpPr>
+        <a:xfrm>
+          <a:off x="0" y="0"/>
+          <a:ext cx="0" cy="0"/>
+          <a:chOff x="0" y="0"/>
+          <a:chExt cx="0" cy="0"/>
+        </a:xfrm>
+      </p:grpSpPr>
+      <p:sp>
+        <p:nvSpPr>
+          <p:cNvPr id="2" name="Title 1">
+            <a:extLst>
+              <a:ext uri="{FF2B5EF4-FFF2-40B4-BE49-F238E27FC236}">
+                <a16:creationId xmlns:a16="http://schemas.microsoft.com/office/drawing/2014/main" id="{33398D6E-D19D-D03C-3647-5589764BB5A7}"/>
+              </a:ext>
+            </a:extLst>
+          </p:cNvPr>
+          <p:cNvSpPr>
+            <a:spLocks noGrp="1"/>
+          </p:cNvSpPr>
+          <p:nvPr>
+            <p:ph type="title"/>
+          </p:nvPr>
+        </p:nvSpPr>
+        <p:spPr/>
+        <p:txBody>
+          <a:bodyPr/>
+          <a:lstStyle/>
+          <a:p>
+            <a:r>
+              <a:rPr lang="en-US" dirty="0"/>
+              <a:t>SC – industry members</a:t>
+            </a:r>
+            <a:endParaRPr lang="da-DK" dirty="0"/>
+          </a:p>
+        </p:txBody>
+      </p:sp>
+      <p:sp>
+        <p:nvSpPr>
+          <p:cNvPr id="3" name="Content Placeholder 2">
+            <a:extLst>
+              <a:ext uri="{FF2B5EF4-FFF2-40B4-BE49-F238E27FC236}">
+                <a16:creationId xmlns:a16="http://schemas.microsoft.com/office/drawing/2014/main" id="{6F97AF10-F860-E63A-ECA9-BD0711DA4F6B}"/>
+              </a:ext>
+            </a:extLst>
+          </p:cNvPr>
+          <p:cNvSpPr>
+            <a:spLocks noGrp="1"/>
+          </p:cNvSpPr>
+          <p:nvPr>
+            <p:ph idx="1"/>
+          </p:nvPr>
+        </p:nvSpPr>
+        <p:spPr/>
+        <p:txBody>
+          <a:bodyPr>
+            <a:normAutofit fontScale="92500"/>
+          </a:bodyPr>
+          <a:lstStyle/>
+          <a:p>
+            <a:pPr defTabSz="360000"/>
+            <a:r>
+              <a:rPr lang="en-US" dirty="0"/>
+              <a:t>Target: ≤ 10 industry SC members</a:t>
+            </a:r>
+          </a:p>
+          <a:p>
+            <a:pPr lvl="1" defTabSz="360000"/>
+            <a:r>
+              <a:rPr lang="en-US" dirty="0"/>
+              <a:t>No more than </a:t>
+            </a:r>
+            <a:r>
+              <a:rPr lang="en-US" b="1" dirty="0"/>
+              <a:t>one member per company </a:t>
+            </a:r>
+            <a:r>
+              <a:rPr lang="en-US" dirty="0"/>
+              <a:t>(to be discussed internally in the company; exception: shadowing for LOC role)</a:t>
+            </a:r>
+          </a:p>
+          <a:p>
+            <a:pPr lvl="1" defTabSz="360000"/>
+            <a:r>
+              <a:rPr lang="en-US" dirty="0"/>
+              <a:t>Regular representation of all interested companies (incl. big &amp; small pharma)</a:t>
+            </a:r>
+          </a:p>
+          <a:p>
+            <a:pPr lvl="1" defTabSz="360000"/>
+            <a:r>
+              <a:rPr lang="en-US" dirty="0"/>
+              <a:t>Mandatory SC members:	the chair (LOC &amp; SC), the EFSPI Council liaison, </a:t>
+            </a:r>
+            <a:br>
+              <a:rPr lang="en-US" dirty="0"/>
+            </a:br>
+            <a:r>
+              <a:rPr lang="en-US" dirty="0"/>
+              <a:t> 								at least one member of the EFSPI Methods Leader Group </a:t>
+            </a:r>
+          </a:p>
+          <a:p>
+            <a:pPr lvl="1" defTabSz="360000"/>
+            <a:r>
+              <a:rPr lang="en-US" dirty="0"/>
+              <a:t>LOC representation in SC: </a:t>
+            </a:r>
+            <a:r>
+              <a:rPr lang="en-US" b="1" dirty="0"/>
+              <a:t>as a minimum </a:t>
+            </a:r>
+            <a:r>
+              <a:rPr lang="en-US" dirty="0"/>
+              <a:t>by the chair and the EFSPI Council liaison</a:t>
+            </a:r>
+          </a:p>
+          <a:p>
+            <a:pPr defTabSz="360000"/>
+            <a:r>
+              <a:rPr lang="en-US" b="1" dirty="0"/>
+              <a:t>Recruitment</a:t>
+            </a:r>
+            <a:r>
+              <a:rPr lang="en-US" dirty="0"/>
+              <a:t> and tenure </a:t>
+            </a:r>
+          </a:p>
+          <a:p>
+            <a:pPr lvl="1" defTabSz="360000"/>
+            <a:r>
+              <a:rPr lang="en-US" dirty="0"/>
+              <a:t>Call trough EFSPI newsletter / e-mail list, workshop in closure and/or “poster” (via link to workshop webpage), EFSPI Council, LinkedIn, ESIGs (in case that particular expertise is required)</a:t>
+            </a:r>
+          </a:p>
+          <a:p>
+            <a:pPr lvl="1" defTabSz="360000"/>
+            <a:r>
+              <a:rPr lang="en-US" dirty="0"/>
+              <a:t>Tenure of two years, </a:t>
+            </a:r>
+            <a:r>
+              <a:rPr lang="en-GB" dirty="0"/>
+              <a:t>with the possibility to apply for a one-year extension</a:t>
+            </a:r>
+            <a:r>
+              <a:rPr lang="en-US" dirty="0"/>
+              <a:t>.</a:t>
+            </a:r>
+            <a:endParaRPr lang="da-DK" dirty="0"/>
+          </a:p>
+        </p:txBody>
+      </p:sp>
+    </p:spTree>
+    <p:extLst>
+      <p:ext uri="{BB962C8B-B14F-4D97-AF65-F5344CB8AC3E}">
+        <p14:creationId xmlns:p14="http://schemas.microsoft.com/office/powerpoint/2010/main" val="1343921244"/>
+      </p:ext>
+    </p:extLst>
+  </p:cSld>
+  <p:clrMapOvr>
+    <a:masterClrMapping/>
+  </p:clrMapOvr>
+</p:sld>
+</file>
+
+<file path=ppt/slides/slide14.xml><?xml version="1.0" encoding="utf-8"?>
+<p:sld xmlns:a="http://schemas.openxmlformats.org/drawingml/2006/main" xmlns:r="http://schemas.openxmlformats.org/officeDocument/2006/relationships" xmlns:p="http://schemas.openxmlformats.org/presentationml/2006/main">
+  <p:cSld>
+    <p:spTree>
+      <p:nvGrpSpPr>
+        <p:cNvPr id="1" name="">
+          <a:extLst>
+            <a:ext uri="{FF2B5EF4-FFF2-40B4-BE49-F238E27FC236}">
+              <a16:creationId xmlns:a16="http://schemas.microsoft.com/office/drawing/2014/main" id="{355BA31F-27F2-7EB1-6596-497880E98E66}"/>
+            </a:ext>
+          </a:extLst>
+        </p:cNvPr>
+        <p:cNvGrpSpPr/>
+        <p:nvPr/>
+      </p:nvGrpSpPr>
+      <p:grpSpPr>
+        <a:xfrm>
+          <a:off x="0" y="0"/>
+          <a:ext cx="0" cy="0"/>
+          <a:chOff x="0" y="0"/>
+          <a:chExt cx="0" cy="0"/>
+        </a:xfrm>
+      </p:grpSpPr>
+      <p:sp>
+        <p:nvSpPr>
+          <p:cNvPr id="2" name="Titel 1">
+            <a:extLst>
+              <a:ext uri="{FF2B5EF4-FFF2-40B4-BE49-F238E27FC236}">
+                <a16:creationId xmlns:a16="http://schemas.microsoft.com/office/drawing/2014/main" id="{85123D9E-A34F-2231-9B1A-E61C3058B922}"/>
+              </a:ext>
+            </a:extLst>
+          </p:cNvPr>
+          <p:cNvSpPr>
+            <a:spLocks noGrp="1"/>
+          </p:cNvSpPr>
+          <p:nvPr>
+            <p:ph type="ctrTitle"/>
+          </p:nvPr>
+        </p:nvSpPr>
+        <p:spPr/>
+        <p:txBody>
+          <a:bodyPr/>
+          <a:lstStyle/>
+          <a:p>
+            <a:r>
+              <a:rPr lang="en-US" dirty="0"/>
+              <a:t>Chair</a:t>
+            </a:r>
+          </a:p>
+        </p:txBody>
+      </p:sp>
+    </p:spTree>
+    <p:extLst>
+      <p:ext uri="{BB962C8B-B14F-4D97-AF65-F5344CB8AC3E}">
+        <p14:creationId xmlns:p14="http://schemas.microsoft.com/office/powerpoint/2010/main" val="1990811313"/>
+      </p:ext>
+    </p:extLst>
+  </p:cSld>
+  <p:clrMapOvr>
+    <a:masterClrMapping/>
+  </p:clrMapOvr>
+</p:sld>
+</file>
+
+<file path=ppt/slides/slide15.xml><?xml version="1.0" encoding="utf-8"?>
+<p:sld xmlns:a="http://schemas.openxmlformats.org/drawingml/2006/main" xmlns:r="http://schemas.openxmlformats.org/officeDocument/2006/relationships" xmlns:p="http://schemas.openxmlformats.org/presentationml/2006/main">
+  <p:cSld>
+    <p:spTree>
+      <p:nvGrpSpPr>
+        <p:cNvPr id="1" name=""/>
+        <p:cNvGrpSpPr/>
+        <p:nvPr/>
+      </p:nvGrpSpPr>
+      <p:grpSpPr>
+        <a:xfrm>
+          <a:off x="0" y="0"/>
+          <a:ext cx="0" cy="0"/>
+          <a:chOff x="0" y="0"/>
+          <a:chExt cx="0" cy="0"/>
+        </a:xfrm>
+      </p:grpSpPr>
+      <p:sp>
+        <p:nvSpPr>
+          <p:cNvPr id="2" name="Title 1">
+            <a:extLst>
+              <a:ext uri="{FF2B5EF4-FFF2-40B4-BE49-F238E27FC236}">
+                <a16:creationId xmlns:a16="http://schemas.microsoft.com/office/drawing/2014/main" id="{734F68E4-72E6-513E-3AA5-369F3AD9FAB7}"/>
+              </a:ext>
+            </a:extLst>
+          </p:cNvPr>
+          <p:cNvSpPr>
+            <a:spLocks noGrp="1"/>
+          </p:cNvSpPr>
+          <p:nvPr>
+            <p:ph type="title"/>
+          </p:nvPr>
+        </p:nvSpPr>
+        <p:spPr/>
+        <p:txBody>
+          <a:bodyPr/>
+          <a:lstStyle/>
+          <a:p>
+            <a:r>
+              <a:rPr lang="da-DK"/>
+              <a:t>Chair – guiding principles</a:t>
+            </a:r>
+          </a:p>
+        </p:txBody>
+      </p:sp>
+      <p:sp>
+        <p:nvSpPr>
+          <p:cNvPr id="3" name="Content Placeholder 2">
+            <a:extLst>
+              <a:ext uri="{FF2B5EF4-FFF2-40B4-BE49-F238E27FC236}">
+                <a16:creationId xmlns:a16="http://schemas.microsoft.com/office/drawing/2014/main" id="{5CAEECB0-53BE-4ED0-8F32-168D510C071C}"/>
+              </a:ext>
+            </a:extLst>
+          </p:cNvPr>
+          <p:cNvSpPr>
+            <a:spLocks noGrp="1"/>
+          </p:cNvSpPr>
+          <p:nvPr>
+            <p:ph idx="1"/>
+          </p:nvPr>
+        </p:nvSpPr>
+        <p:spPr/>
+        <p:txBody>
+          <a:bodyPr/>
+          <a:lstStyle/>
+          <a:p>
+            <a:r>
+              <a:rPr lang="da-DK"/>
+              <a:t>Max three years.</a:t>
+            </a:r>
+          </a:p>
+          <a:p>
+            <a:r>
+              <a:rPr lang="da-DK"/>
+              <a:t>Experienced drug developer.</a:t>
+            </a:r>
+          </a:p>
+          <a:p>
+            <a:r>
+              <a:rPr lang="da-DK"/>
+              <a:t>Ideally, former member of the scientific committee (”shadowing”).</a:t>
+            </a:r>
+          </a:p>
+          <a:p>
+            <a:r>
+              <a:rPr lang="da-DK"/>
+              <a:t>Well connected in Europe and beyond (industry &amp; regulators, ideally also academia).</a:t>
+            </a:r>
+          </a:p>
+          <a:p>
+            <a:endParaRPr lang="da-DK"/>
+          </a:p>
+        </p:txBody>
+      </p:sp>
+    </p:spTree>
+    <p:extLst>
+      <p:ext uri="{BB962C8B-B14F-4D97-AF65-F5344CB8AC3E}">
+        <p14:creationId xmlns:p14="http://schemas.microsoft.com/office/powerpoint/2010/main" val="736996991"/>
       </p:ext>
     </p:extLst>
   </p:cSld>
@@ -3587,7 +5063,7 @@
           <p:cNvPr id="2" name="Title 1">
             <a:extLst>
               <a:ext uri="{FF2B5EF4-FFF2-40B4-BE49-F238E27FC236}">
-                <a16:creationId xmlns:a16="http://schemas.microsoft.com/office/drawing/2014/main" id="{B8DDBAA1-FC32-B748-070A-F9EB28CCFF43}"/>
+                <a16:creationId xmlns:a16="http://schemas.microsoft.com/office/drawing/2014/main" id="{206D2AFB-2F77-24A7-87EF-9A8BD791940E}"/>
               </a:ext>
             </a:extLst>
           </p:cNvPr>
@@ -3598,14 +5074,19 @@
             <p:ph type="title"/>
           </p:nvPr>
         </p:nvSpPr>
-        <p:spPr/>
+        <p:spPr>
+          <a:xfrm>
+            <a:off x="838200" y="365125"/>
+            <a:ext cx="10515600" cy="1325563"/>
+          </a:xfrm>
+        </p:spPr>
         <p:txBody>
           <a:bodyPr/>
           <a:lstStyle/>
           <a:p>
             <a:r>
               <a:rPr lang="en-US" dirty="0"/>
-              <a:t>Introduction – background</a:t>
+              <a:t>Principles of the EFSPI RSW</a:t>
             </a:r>
             <a:endParaRPr lang="da-DK" dirty="0"/>
           </a:p>
@@ -3616,7 +5097,7 @@
           <p:cNvPr id="3" name="Content Placeholder 2">
             <a:extLst>
               <a:ext uri="{FF2B5EF4-FFF2-40B4-BE49-F238E27FC236}">
-                <a16:creationId xmlns:a16="http://schemas.microsoft.com/office/drawing/2014/main" id="{B54854DC-EA4C-C482-1EBC-CD542BBAAFCD}"/>
+                <a16:creationId xmlns:a16="http://schemas.microsoft.com/office/drawing/2014/main" id="{02EE99E8-B844-BB9F-6BEB-124261EA2B65}"/>
               </a:ext>
             </a:extLst>
           </p:cNvPr>
@@ -3629,147 +5110,1275 @@
         </p:nvSpPr>
         <p:spPr>
           <a:xfrm>
-            <a:off x="838200" y="1434517"/>
-            <a:ext cx="11149668" cy="4742446"/>
+            <a:off x="838200" y="1825625"/>
+            <a:ext cx="10515600" cy="4351338"/>
           </a:xfrm>
         </p:spPr>
         <p:txBody>
-          <a:bodyPr>
+          <a:bodyPr vert="horz" lIns="91440" tIns="45720" rIns="91440" bIns="45720" rtlCol="0" anchor="t">
             <a:normAutofit fontScale="92500"/>
           </a:bodyPr>
           <a:lstStyle/>
           <a:p>
-            <a:r>
-              <a:rPr lang="en-US" sz="2600" dirty="0"/>
-              <a:t>Key to workshop </a:t>
-            </a:r>
-            <a:r>
-              <a:rPr lang="en-US" sz="2600" dirty="0" smtClean="0"/>
-              <a:t>continued </a:t>
-            </a:r>
-            <a:r>
-              <a:rPr lang="en-US" sz="2600" dirty="0"/>
-              <a:t>success: hallmark “spirit” and specific </a:t>
-            </a:r>
-            <a:r>
-              <a:rPr lang="en-US" sz="2600" dirty="0" smtClean="0"/>
-              <a:t>focus:</a:t>
-            </a:r>
-            <a:endParaRPr lang="en-US" sz="2600" dirty="0"/>
-          </a:p>
-          <a:p>
-            <a:pPr lvl="1"/>
+            <a:pPr marL="240029" indent="-227329">
+              <a:lnSpc>
+                <a:spcPct val="100000"/>
+              </a:lnSpc>
+              <a:spcBef>
+                <a:spcPts val="445"/>
+              </a:spcBef>
+              <a:buFont typeface="Arial"/>
+              <a:buChar char="•"/>
+              <a:tabLst>
+                <a:tab pos="240029" algn="l"/>
+              </a:tabLst>
+            </a:pPr>
             <a:r>
               <a:rPr lang="en-US" dirty="0"/>
-              <a:t>Open and informal regulatory dialogue, fostering networking and sense of community, depth of </a:t>
-            </a:r>
-            <a:r>
-              <a:rPr lang="en-US" dirty="0" smtClean="0"/>
-              <a:t>discussions.</a:t>
-            </a:r>
-            <a:endParaRPr lang="en-US" dirty="0"/>
-          </a:p>
-          <a:p>
-            <a:pPr lvl="1"/>
+              <a:t>The</a:t>
+            </a:r>
+            <a:r>
+              <a:rPr lang="en-US" spc="-35" dirty="0"/>
+              <a:t> </a:t>
+            </a:r>
             <a:r>
               <a:rPr lang="en-US" dirty="0"/>
-              <a:t>Non-technical strategic focus, inclusive of all drug developers, global </a:t>
-            </a:r>
-            <a:r>
-              <a:rPr lang="en-US" dirty="0" smtClean="0"/>
-              <a:t>openness.</a:t>
-            </a:r>
-            <a:endParaRPr lang="en-US" dirty="0"/>
-          </a:p>
-          <a:p>
-            <a:pPr lvl="1"/>
+              <a:t>focus</a:t>
+            </a:r>
+            <a:r>
+              <a:rPr lang="en-US" spc="-45" dirty="0"/>
+              <a:t> </a:t>
+            </a:r>
             <a:r>
               <a:rPr lang="en-US" dirty="0"/>
-              <a:t>Congenial mindset and low-key logistics, voluntary engagement rather than commercial </a:t>
-            </a:r>
-            <a:r>
-              <a:rPr lang="en-US" dirty="0" smtClean="0"/>
-              <a:t>support.</a:t>
-            </a:r>
-            <a:endParaRPr lang="en-US" dirty="0"/>
-          </a:p>
-          <a:p>
-            <a:r>
-              <a:rPr lang="en-US" sz="2600" dirty="0"/>
-              <a:t>Purpose of the overarching principles: </a:t>
-            </a:r>
-          </a:p>
-          <a:p>
-            <a:pPr lvl="1"/>
+              <a:t>is</a:t>
+            </a:r>
+            <a:r>
+              <a:rPr lang="en-US" spc="-50" dirty="0"/>
+              <a:t> </a:t>
+            </a:r>
             <a:r>
               <a:rPr lang="en-US" dirty="0"/>
-              <a:t>Promoting diversity, transparency and commitment in workshop scientific </a:t>
-            </a:r>
-            <a:r>
-              <a:rPr lang="en-US" dirty="0" smtClean="0"/>
-              <a:t>leadership.</a:t>
-            </a:r>
-            <a:endParaRPr lang="en-US" dirty="0"/>
-          </a:p>
-          <a:p>
-            <a:pPr lvl="1"/>
+              <a:t>on</a:t>
+            </a:r>
+            <a:r>
+              <a:rPr lang="en-US" spc="-50" dirty="0"/>
+              <a:t> </a:t>
+            </a:r>
             <a:r>
               <a:rPr lang="en-US" dirty="0"/>
-              <a:t>Supporting sustained impact and success through organized renewal of </a:t>
-            </a:r>
-            <a:r>
-              <a:rPr lang="en-US" dirty="0" smtClean="0"/>
-              <a:t>committees.</a:t>
-            </a:r>
-            <a:endParaRPr lang="en-US" dirty="0"/>
-          </a:p>
-          <a:p>
-            <a:pPr lvl="1"/>
+              <a:t>discussions</a:t>
+            </a:r>
+            <a:r>
+              <a:rPr lang="en-US" spc="-45" dirty="0"/>
+              <a:t> </a:t>
+            </a:r>
             <a:r>
               <a:rPr lang="en-US" dirty="0"/>
-              <a:t>Ensuring continuity of spirit, focus and level of engagement of the </a:t>
-            </a:r>
-            <a:r>
-              <a:rPr lang="en-US" dirty="0" smtClean="0"/>
-              <a:t>workshop.</a:t>
-            </a:r>
-            <a:endParaRPr lang="en-US" dirty="0"/>
-          </a:p>
-          <a:p>
-            <a:r>
-              <a:rPr lang="en-US" sz="2600" dirty="0"/>
-              <a:t>Not a rigid book of </a:t>
-            </a:r>
-            <a:r>
-              <a:rPr lang="en-US" sz="2600" dirty="0" smtClean="0"/>
-              <a:t>rules. B</a:t>
-            </a:r>
-            <a:r>
-              <a:rPr lang="en-US" dirty="0" smtClean="0"/>
-              <a:t>asis </a:t>
+              <a:t>less</a:t>
+            </a:r>
+            <a:r>
+              <a:rPr lang="en-US" spc="-50" dirty="0"/>
+              <a:t> </a:t>
             </a:r>
             <a:r>
               <a:rPr lang="en-US" dirty="0"/>
-              <a:t>for discussion and a clarification of </a:t>
-            </a:r>
-            <a:r>
-              <a:rPr lang="en-US" dirty="0" smtClean="0"/>
-              <a:t>intent.</a:t>
-            </a:r>
-          </a:p>
-          <a:p>
-            <a:r>
-              <a:rPr lang="en-US" dirty="0" smtClean="0"/>
-              <a:t>Bodies: Local organizing committee (LOC), Scientific Committee (SOC).</a:t>
-            </a:r>
-            <a:endParaRPr lang="en-US" dirty="0"/>
+              <a:t>on</a:t>
+            </a:r>
+            <a:r>
+              <a:rPr lang="en-US" spc="-45" dirty="0"/>
+              <a:t> </a:t>
+            </a:r>
+            <a:r>
+              <a:rPr lang="en-US" spc="-10" dirty="0"/>
+              <a:t>presentations</a:t>
+            </a:r>
+          </a:p>
+          <a:p>
+            <a:pPr marL="697865" lvl="1">
+              <a:lnSpc>
+                <a:spcPct val="100000"/>
+              </a:lnSpc>
+              <a:spcBef>
+                <a:spcPts val="295"/>
+              </a:spcBef>
+              <a:buFont typeface="Arial"/>
+              <a:buChar char="•"/>
+              <a:tabLst>
+                <a:tab pos="697865" algn="l"/>
+              </a:tabLst>
+            </a:pPr>
+            <a:r>
+              <a:rPr lang="en-US" sz="2000" spc="-10" dirty="0">
+                <a:cs typeface="Calibri"/>
+              </a:rPr>
+              <a:t>Presentations</a:t>
+            </a:r>
+            <a:r>
+              <a:rPr lang="en-US" sz="2000" spc="-35" dirty="0">
+                <a:cs typeface="Calibri"/>
+              </a:rPr>
+              <a:t> </a:t>
+            </a:r>
+            <a:r>
+              <a:rPr lang="en-US" sz="2000" dirty="0">
+                <a:cs typeface="Calibri"/>
+              </a:rPr>
+              <a:t>should</a:t>
+            </a:r>
+            <a:r>
+              <a:rPr lang="en-US" sz="2000" spc="-70" dirty="0">
+                <a:cs typeface="Calibri"/>
+              </a:rPr>
+              <a:t> </a:t>
+            </a:r>
+            <a:r>
+              <a:rPr lang="en-US" sz="2000" dirty="0">
+                <a:cs typeface="Calibri"/>
+              </a:rPr>
+              <a:t>motivate</a:t>
+            </a:r>
+            <a:r>
+              <a:rPr lang="en-US" sz="2000" spc="-40" dirty="0">
+                <a:cs typeface="Calibri"/>
+              </a:rPr>
+              <a:t> </a:t>
+            </a:r>
+            <a:r>
+              <a:rPr lang="en-US" sz="2000" dirty="0">
+                <a:cs typeface="Calibri"/>
+              </a:rPr>
+              <a:t>and</a:t>
+            </a:r>
+            <a:r>
+              <a:rPr lang="en-US" sz="2000" spc="-60" dirty="0">
+                <a:cs typeface="Calibri"/>
+              </a:rPr>
+              <a:t> </a:t>
+            </a:r>
+            <a:r>
+              <a:rPr lang="en-US" sz="2000" dirty="0">
+                <a:cs typeface="Calibri"/>
+              </a:rPr>
+              <a:t>guide</a:t>
+            </a:r>
+            <a:r>
+              <a:rPr lang="en-US" sz="2000" spc="-65" dirty="0">
+                <a:cs typeface="Calibri"/>
+              </a:rPr>
+              <a:t> </a:t>
+            </a:r>
+            <a:r>
+              <a:rPr lang="en-US" sz="2000" dirty="0">
+                <a:cs typeface="Calibri"/>
+              </a:rPr>
+              <a:t>the</a:t>
+            </a:r>
+            <a:r>
+              <a:rPr lang="en-US" sz="2000" spc="-60" dirty="0">
+                <a:cs typeface="Calibri"/>
+              </a:rPr>
+              <a:t> </a:t>
+            </a:r>
+            <a:r>
+              <a:rPr lang="en-US" sz="2000" spc="-10" dirty="0">
+                <a:cs typeface="Calibri"/>
+              </a:rPr>
+              <a:t>discussions</a:t>
+            </a:r>
+            <a:endParaRPr lang="en-US" sz="2000" dirty="0">
+              <a:cs typeface="Calibri"/>
+            </a:endParaRPr>
+          </a:p>
+          <a:p>
+            <a:pPr marL="697865" lvl="1">
+              <a:lnSpc>
+                <a:spcPct val="100000"/>
+              </a:lnSpc>
+              <a:spcBef>
+                <a:spcPts val="254"/>
+              </a:spcBef>
+              <a:buFont typeface="Arial"/>
+              <a:buChar char="•"/>
+              <a:tabLst>
+                <a:tab pos="697865" algn="l"/>
+              </a:tabLst>
+            </a:pPr>
+            <a:r>
+              <a:rPr lang="en-US" sz="2000" dirty="0">
+                <a:cs typeface="Calibri"/>
+              </a:rPr>
+              <a:t>But</a:t>
+            </a:r>
+            <a:r>
+              <a:rPr lang="en-US" sz="2000" spc="-50" dirty="0">
+                <a:cs typeface="Calibri"/>
+              </a:rPr>
+              <a:t> </a:t>
+            </a:r>
+            <a:r>
+              <a:rPr lang="en-US" sz="2000" dirty="0">
+                <a:cs typeface="Calibri"/>
+              </a:rPr>
+              <a:t>the</a:t>
+            </a:r>
+            <a:r>
+              <a:rPr lang="en-US" sz="2000" spc="-50" dirty="0">
+                <a:cs typeface="Calibri"/>
+              </a:rPr>
+              <a:t> </a:t>
+            </a:r>
+            <a:r>
+              <a:rPr lang="en-US" sz="2000" dirty="0">
+                <a:cs typeface="Calibri"/>
+              </a:rPr>
+              <a:t>discussion</a:t>
+            </a:r>
+            <a:r>
+              <a:rPr lang="en-US" sz="2000" spc="-35" dirty="0">
+                <a:cs typeface="Calibri"/>
+              </a:rPr>
+              <a:t> </a:t>
+            </a:r>
+            <a:r>
+              <a:rPr lang="en-US" sz="2000" dirty="0">
+                <a:cs typeface="Calibri"/>
+              </a:rPr>
+              <a:t>is</a:t>
+            </a:r>
+            <a:r>
+              <a:rPr lang="en-US" sz="2000" spc="-50" dirty="0">
+                <a:cs typeface="Calibri"/>
+              </a:rPr>
+              <a:t> </a:t>
+            </a:r>
+            <a:r>
+              <a:rPr lang="en-US" sz="2000" dirty="0">
+                <a:cs typeface="Calibri"/>
+              </a:rPr>
+              <a:t>where</a:t>
+            </a:r>
+            <a:r>
+              <a:rPr lang="en-US" sz="2000" spc="-50" dirty="0">
+                <a:cs typeface="Calibri"/>
+              </a:rPr>
+              <a:t> </a:t>
+            </a:r>
+            <a:r>
+              <a:rPr lang="en-US" sz="2000" dirty="0">
+                <a:cs typeface="Calibri"/>
+              </a:rPr>
+              <a:t>the</a:t>
+            </a:r>
+            <a:r>
+              <a:rPr lang="en-US" sz="2000" spc="-40" dirty="0">
+                <a:cs typeface="Calibri"/>
+              </a:rPr>
+              <a:t> </a:t>
+            </a:r>
+            <a:r>
+              <a:rPr lang="en-US" sz="2000" spc="-10" dirty="0">
+                <a:cs typeface="Calibri"/>
+              </a:rPr>
+              <a:t>interaction</a:t>
+            </a:r>
+            <a:r>
+              <a:rPr lang="en-US" sz="2000" spc="-40" dirty="0">
+                <a:cs typeface="Calibri"/>
+              </a:rPr>
+              <a:t> </a:t>
+            </a:r>
+            <a:r>
+              <a:rPr lang="en-US" sz="2000" spc="-10" dirty="0">
+                <a:cs typeface="Calibri"/>
+              </a:rPr>
+              <a:t>takes</a:t>
+            </a:r>
+            <a:r>
+              <a:rPr lang="en-US" sz="2000" spc="-40" dirty="0">
+                <a:cs typeface="Calibri"/>
+              </a:rPr>
+              <a:t> </a:t>
+            </a:r>
+            <a:r>
+              <a:rPr lang="en-US" sz="2000" spc="-10" dirty="0">
+                <a:cs typeface="Calibri"/>
+              </a:rPr>
+              <a:t>place</a:t>
+            </a:r>
+            <a:endParaRPr lang="en-US" sz="2000" dirty="0">
+              <a:cs typeface="Calibri"/>
+            </a:endParaRPr>
+          </a:p>
+          <a:p>
+            <a:pPr marL="240029" indent="-227329">
+              <a:lnSpc>
+                <a:spcPct val="100000"/>
+              </a:lnSpc>
+              <a:spcBef>
+                <a:spcPts val="690"/>
+              </a:spcBef>
+              <a:buFont typeface="Arial"/>
+              <a:buChar char="•"/>
+              <a:tabLst>
+                <a:tab pos="240029" algn="l"/>
+              </a:tabLst>
+            </a:pPr>
+            <a:r>
+              <a:rPr lang="en-US" dirty="0"/>
+              <a:t>Focus</a:t>
+            </a:r>
+            <a:r>
+              <a:rPr lang="en-US" spc="-35" dirty="0"/>
+              <a:t> </a:t>
+            </a:r>
+            <a:r>
+              <a:rPr lang="en-US" dirty="0"/>
+              <a:t>is</a:t>
+            </a:r>
+            <a:r>
+              <a:rPr lang="en-US" spc="-55" dirty="0"/>
+              <a:t> </a:t>
+            </a:r>
+            <a:r>
+              <a:rPr lang="en-US" dirty="0"/>
+              <a:t>on</a:t>
+            </a:r>
+            <a:r>
+              <a:rPr lang="en-US" spc="-35" dirty="0"/>
+              <a:t> </a:t>
+            </a:r>
+            <a:r>
+              <a:rPr lang="en-US" dirty="0"/>
+              <a:t>principles</a:t>
+            </a:r>
+            <a:r>
+              <a:rPr lang="en-US" spc="-45" dirty="0"/>
+              <a:t> </a:t>
+            </a:r>
+            <a:r>
+              <a:rPr lang="en-US" dirty="0"/>
+              <a:t>and</a:t>
+            </a:r>
+            <a:r>
+              <a:rPr lang="en-US" spc="-35" dirty="0"/>
+              <a:t> </a:t>
+            </a:r>
+            <a:r>
+              <a:rPr lang="en-US" dirty="0"/>
+              <a:t>not</a:t>
+            </a:r>
+            <a:r>
+              <a:rPr lang="en-US" spc="-40" dirty="0"/>
+              <a:t> </a:t>
+            </a:r>
+            <a:r>
+              <a:rPr lang="en-US" dirty="0"/>
+              <a:t>on</a:t>
+            </a:r>
+            <a:r>
+              <a:rPr lang="en-US" spc="-40" dirty="0"/>
+              <a:t> </a:t>
+            </a:r>
+            <a:r>
+              <a:rPr lang="en-US" spc="-10" dirty="0"/>
+              <a:t>statistical</a:t>
+            </a:r>
+            <a:r>
+              <a:rPr lang="en-US" spc="-60" dirty="0"/>
+              <a:t> </a:t>
+            </a:r>
+            <a:r>
+              <a:rPr lang="en-US" spc="-10" dirty="0"/>
+              <a:t>methodology</a:t>
+            </a:r>
+          </a:p>
+          <a:p>
+            <a:pPr marL="697865" lvl="1">
+              <a:lnSpc>
+                <a:spcPct val="100000"/>
+              </a:lnSpc>
+              <a:spcBef>
+                <a:spcPts val="280"/>
+              </a:spcBef>
+              <a:buFont typeface="Arial"/>
+              <a:buChar char="•"/>
+              <a:tabLst>
+                <a:tab pos="697865" algn="l"/>
+              </a:tabLst>
+            </a:pPr>
+            <a:r>
+              <a:rPr lang="en-US" sz="2000" dirty="0">
+                <a:cs typeface="Calibri"/>
+              </a:rPr>
+              <a:t>For</a:t>
+            </a:r>
+            <a:r>
+              <a:rPr lang="en-US" sz="2000" spc="-70" dirty="0">
+                <a:cs typeface="Calibri"/>
+              </a:rPr>
+              <a:t> </a:t>
+            </a:r>
+            <a:r>
+              <a:rPr lang="en-US" sz="2000" spc="-10" dirty="0">
+                <a:cs typeface="Calibri"/>
+              </a:rPr>
+              <a:t>statistical</a:t>
+            </a:r>
+            <a:r>
+              <a:rPr lang="en-US" sz="2000" spc="-15" dirty="0">
+                <a:cs typeface="Calibri"/>
+              </a:rPr>
+              <a:t> </a:t>
+            </a:r>
+            <a:r>
+              <a:rPr lang="en-US" sz="2000" dirty="0">
+                <a:cs typeface="Calibri"/>
+              </a:rPr>
+              <a:t>methodology</a:t>
+            </a:r>
+            <a:r>
+              <a:rPr lang="en-US" sz="2000" spc="-80" dirty="0">
+                <a:cs typeface="Calibri"/>
+              </a:rPr>
+              <a:t> </a:t>
+            </a:r>
+            <a:r>
+              <a:rPr lang="en-US" sz="2000" dirty="0">
+                <a:cs typeface="Calibri"/>
+              </a:rPr>
+              <a:t>there</a:t>
+            </a:r>
+            <a:r>
+              <a:rPr lang="en-US" sz="2000" spc="-50" dirty="0">
+                <a:cs typeface="Calibri"/>
+              </a:rPr>
+              <a:t> </a:t>
+            </a:r>
+            <a:r>
+              <a:rPr lang="en-US" sz="2000" dirty="0">
+                <a:cs typeface="Calibri"/>
+              </a:rPr>
+              <a:t>are</a:t>
+            </a:r>
+            <a:r>
+              <a:rPr lang="en-US" sz="2000" spc="-55" dirty="0">
+                <a:cs typeface="Calibri"/>
+              </a:rPr>
+              <a:t> </a:t>
+            </a:r>
+            <a:r>
+              <a:rPr lang="en-US" sz="2000" dirty="0">
+                <a:cs typeface="Calibri"/>
+              </a:rPr>
+              <a:t>many</a:t>
+            </a:r>
+            <a:r>
+              <a:rPr lang="en-US" sz="2000" spc="-70" dirty="0">
+                <a:cs typeface="Calibri"/>
+              </a:rPr>
+              <a:t> </a:t>
+            </a:r>
+            <a:r>
+              <a:rPr lang="en-US" sz="2000" dirty="0">
+                <a:cs typeface="Calibri"/>
+              </a:rPr>
+              <a:t>other</a:t>
+            </a:r>
+            <a:r>
+              <a:rPr lang="en-US" sz="2000" spc="-50" dirty="0">
+                <a:cs typeface="Calibri"/>
+              </a:rPr>
+              <a:t> </a:t>
+            </a:r>
+            <a:r>
+              <a:rPr lang="en-US" sz="2000" spc="-10" dirty="0">
+                <a:cs typeface="Calibri"/>
+              </a:rPr>
+              <a:t>events</a:t>
+            </a:r>
+            <a:endParaRPr lang="en-US" sz="2000" dirty="0">
+              <a:cs typeface="Calibri"/>
+            </a:endParaRPr>
+          </a:p>
+          <a:p>
+            <a:pPr marL="697865" lvl="1">
+              <a:lnSpc>
+                <a:spcPct val="100000"/>
+              </a:lnSpc>
+              <a:spcBef>
+                <a:spcPts val="265"/>
+              </a:spcBef>
+              <a:buFont typeface="Arial"/>
+              <a:buChar char="•"/>
+              <a:tabLst>
+                <a:tab pos="697865" algn="l"/>
+              </a:tabLst>
+            </a:pPr>
+            <a:r>
+              <a:rPr lang="en-US" sz="2000" dirty="0">
+                <a:cs typeface="Calibri"/>
+              </a:rPr>
+              <a:t>But</a:t>
+            </a:r>
+            <a:r>
+              <a:rPr lang="en-US" sz="2000" spc="-50" dirty="0">
+                <a:cs typeface="Calibri"/>
+              </a:rPr>
+              <a:t> </a:t>
+            </a:r>
+            <a:r>
+              <a:rPr lang="en-US" sz="2000" dirty="0">
+                <a:cs typeface="Calibri"/>
+              </a:rPr>
+              <a:t>we</a:t>
+            </a:r>
+            <a:r>
+              <a:rPr lang="en-US" sz="2000" spc="-50" dirty="0">
+                <a:cs typeface="Calibri"/>
+              </a:rPr>
+              <a:t> </a:t>
+            </a:r>
+            <a:r>
+              <a:rPr lang="en-US" sz="2000" dirty="0">
+                <a:cs typeface="Calibri"/>
+              </a:rPr>
+              <a:t>also</a:t>
+            </a:r>
+            <a:r>
+              <a:rPr lang="en-US" sz="2000" spc="-40" dirty="0">
+                <a:cs typeface="Calibri"/>
+              </a:rPr>
+              <a:t> </a:t>
+            </a:r>
+            <a:r>
+              <a:rPr lang="en-US" sz="2000" dirty="0">
+                <a:cs typeface="Calibri"/>
+              </a:rPr>
+              <a:t>need</a:t>
+            </a:r>
+            <a:r>
+              <a:rPr lang="en-US" sz="2000" spc="-40" dirty="0">
+                <a:cs typeface="Calibri"/>
+              </a:rPr>
+              <a:t> </a:t>
+            </a:r>
+            <a:r>
+              <a:rPr lang="en-US" sz="2000" dirty="0">
+                <a:cs typeface="Calibri"/>
+              </a:rPr>
+              <a:t>one</a:t>
+            </a:r>
+            <a:r>
+              <a:rPr lang="en-US" sz="2000" spc="-65" dirty="0">
+                <a:cs typeface="Calibri"/>
+              </a:rPr>
+              <a:t> </a:t>
+            </a:r>
+            <a:r>
+              <a:rPr lang="en-US" sz="2000" dirty="0">
+                <a:cs typeface="Calibri"/>
+              </a:rPr>
+              <a:t>focused</a:t>
+            </a:r>
+            <a:r>
+              <a:rPr lang="en-US" sz="2000" spc="-50" dirty="0">
+                <a:cs typeface="Calibri"/>
+              </a:rPr>
+              <a:t> </a:t>
+            </a:r>
+            <a:r>
+              <a:rPr lang="en-US" sz="2000" dirty="0">
+                <a:cs typeface="Calibri"/>
+              </a:rPr>
+              <a:t>on</a:t>
+            </a:r>
+            <a:r>
+              <a:rPr lang="en-US" sz="2000" spc="-55" dirty="0">
+                <a:cs typeface="Calibri"/>
+              </a:rPr>
+              <a:t> </a:t>
+            </a:r>
+            <a:r>
+              <a:rPr lang="en-US" sz="2000" spc="-10" dirty="0">
+                <a:cs typeface="Calibri"/>
+              </a:rPr>
+              <a:t>strategic</a:t>
+            </a:r>
+            <a:r>
+              <a:rPr lang="en-US" sz="2000" spc="-25" dirty="0">
+                <a:cs typeface="Calibri"/>
+              </a:rPr>
+              <a:t> </a:t>
+            </a:r>
+            <a:r>
+              <a:rPr lang="en-US" sz="2000" dirty="0">
+                <a:cs typeface="Calibri"/>
+              </a:rPr>
+              <a:t>and</a:t>
+            </a:r>
+            <a:r>
+              <a:rPr lang="en-US" sz="2000" spc="-60" dirty="0">
+                <a:cs typeface="Calibri"/>
+              </a:rPr>
+              <a:t> </a:t>
+            </a:r>
+            <a:r>
+              <a:rPr lang="en-US" sz="2000" dirty="0">
+                <a:cs typeface="Calibri"/>
+              </a:rPr>
+              <a:t>regulatory</a:t>
+            </a:r>
+            <a:r>
+              <a:rPr lang="en-US" sz="2000" spc="-45" dirty="0">
+                <a:cs typeface="Calibri"/>
+              </a:rPr>
+              <a:t> </a:t>
+            </a:r>
+            <a:r>
+              <a:rPr lang="en-US" sz="2000" dirty="0">
+                <a:cs typeface="Calibri"/>
+              </a:rPr>
+              <a:t>development</a:t>
+            </a:r>
+            <a:r>
+              <a:rPr lang="en-US" sz="2000" spc="-30" dirty="0">
+                <a:cs typeface="Calibri"/>
+              </a:rPr>
+              <a:t> </a:t>
+            </a:r>
+            <a:r>
+              <a:rPr lang="en-US" sz="2000" spc="-10" dirty="0">
+                <a:cs typeface="Calibri"/>
+              </a:rPr>
+              <a:t>principles</a:t>
+            </a:r>
+            <a:endParaRPr lang="en-US" sz="2000" dirty="0">
+              <a:cs typeface="Calibri"/>
+            </a:endParaRPr>
+          </a:p>
+          <a:p>
+            <a:pPr marL="240029" indent="-227329">
+              <a:lnSpc>
+                <a:spcPct val="100000"/>
+              </a:lnSpc>
+              <a:spcBef>
+                <a:spcPts val="695"/>
+              </a:spcBef>
+              <a:buFont typeface="Arial"/>
+              <a:buChar char="•"/>
+              <a:tabLst>
+                <a:tab pos="240029" algn="l"/>
+              </a:tabLst>
+            </a:pPr>
+            <a:r>
+              <a:rPr lang="en-US" dirty="0"/>
+              <a:t>When</a:t>
+            </a:r>
+            <a:r>
+              <a:rPr lang="en-US" spc="-55" dirty="0"/>
+              <a:t> </a:t>
+            </a:r>
+            <a:r>
+              <a:rPr lang="en-US" dirty="0"/>
+              <a:t>discussing</a:t>
+            </a:r>
+            <a:r>
+              <a:rPr lang="en-US" spc="-45" dirty="0"/>
+              <a:t> </a:t>
+            </a:r>
+            <a:r>
+              <a:rPr lang="en-US" spc="-10" dirty="0"/>
+              <a:t>development</a:t>
+            </a:r>
+            <a:r>
+              <a:rPr lang="en-US" spc="-55" dirty="0"/>
+              <a:t> </a:t>
+            </a:r>
+            <a:r>
+              <a:rPr lang="en-US" dirty="0"/>
+              <a:t>principles</a:t>
+            </a:r>
+            <a:r>
+              <a:rPr lang="en-US" spc="-65" dirty="0"/>
+              <a:t> </a:t>
+            </a:r>
+            <a:r>
+              <a:rPr lang="en-US" dirty="0"/>
+              <a:t>and</a:t>
+            </a:r>
+            <a:r>
+              <a:rPr lang="en-US" spc="-40" dirty="0"/>
+              <a:t> </a:t>
+            </a:r>
+            <a:r>
+              <a:rPr lang="en-US" spc="-10" dirty="0"/>
+              <a:t>strategies</a:t>
+            </a:r>
+            <a:r>
+              <a:rPr lang="en-US" spc="-75" dirty="0"/>
+              <a:t> </a:t>
+            </a:r>
+            <a:r>
+              <a:rPr lang="en-US" dirty="0"/>
+              <a:t>focus</a:t>
+            </a:r>
+            <a:r>
+              <a:rPr lang="en-US" spc="-55" dirty="0"/>
+              <a:t> </a:t>
+            </a:r>
+            <a:r>
+              <a:rPr lang="en-US" dirty="0"/>
+              <a:t>is</a:t>
+            </a:r>
+            <a:r>
+              <a:rPr lang="en-US" spc="-70" dirty="0"/>
+              <a:t> </a:t>
+            </a:r>
+            <a:r>
+              <a:rPr lang="en-US" dirty="0"/>
+              <a:t>on</a:t>
+            </a:r>
+            <a:r>
+              <a:rPr lang="en-US" spc="-50" dirty="0"/>
+              <a:t> </a:t>
+            </a:r>
+            <a:r>
+              <a:rPr lang="en-US" dirty="0"/>
+              <a:t>the</a:t>
+            </a:r>
+            <a:r>
+              <a:rPr lang="en-US" spc="-55" dirty="0"/>
+              <a:t> </a:t>
+            </a:r>
+            <a:r>
+              <a:rPr lang="en-US" spc="-25" dirty="0"/>
+              <a:t>why</a:t>
+            </a:r>
+          </a:p>
+          <a:p>
+            <a:pPr marL="697865" lvl="1">
+              <a:lnSpc>
+                <a:spcPct val="100000"/>
+              </a:lnSpc>
+              <a:spcBef>
+                <a:spcPts val="280"/>
+              </a:spcBef>
+              <a:buFont typeface="Arial"/>
+              <a:buChar char="•"/>
+              <a:tabLst>
+                <a:tab pos="697865" algn="l"/>
+              </a:tabLst>
+            </a:pPr>
+            <a:r>
+              <a:rPr lang="en-US" sz="2000" dirty="0">
+                <a:cs typeface="Calibri"/>
+              </a:rPr>
+              <a:t>The</a:t>
+            </a:r>
+            <a:r>
+              <a:rPr lang="en-US" sz="2000" spc="-40" dirty="0">
+                <a:cs typeface="Calibri"/>
+              </a:rPr>
+              <a:t> </a:t>
+            </a:r>
+            <a:r>
+              <a:rPr lang="en-US" sz="2000" dirty="0">
+                <a:cs typeface="Calibri"/>
+              </a:rPr>
+              <a:t>why</a:t>
+            </a:r>
+            <a:r>
+              <a:rPr lang="en-US" sz="2000" spc="-70" dirty="0">
+                <a:cs typeface="Calibri"/>
+              </a:rPr>
+              <a:t> </a:t>
+            </a:r>
+            <a:r>
+              <a:rPr lang="en-US" sz="2000" dirty="0">
+                <a:cs typeface="Calibri"/>
+              </a:rPr>
+              <a:t>is</a:t>
+            </a:r>
+            <a:r>
+              <a:rPr lang="en-US" sz="2000" spc="-35" dirty="0">
+                <a:cs typeface="Calibri"/>
+              </a:rPr>
+              <a:t> </a:t>
+            </a:r>
+            <a:r>
+              <a:rPr lang="en-US" sz="2000" dirty="0">
+                <a:cs typeface="Calibri"/>
+              </a:rPr>
+              <a:t>essential</a:t>
+            </a:r>
+            <a:r>
+              <a:rPr lang="en-US" sz="2000" spc="-15" dirty="0">
+                <a:cs typeface="Calibri"/>
+              </a:rPr>
+              <a:t> </a:t>
+            </a:r>
+            <a:r>
+              <a:rPr lang="en-US" sz="2000" dirty="0">
+                <a:cs typeface="Calibri"/>
+              </a:rPr>
+              <a:t>to</a:t>
+            </a:r>
+            <a:r>
+              <a:rPr lang="en-US" sz="2000" spc="-50" dirty="0">
+                <a:cs typeface="Calibri"/>
+              </a:rPr>
+              <a:t> </a:t>
+            </a:r>
+            <a:r>
+              <a:rPr lang="en-US" sz="2000" spc="-10" dirty="0">
+                <a:cs typeface="Calibri"/>
+              </a:rPr>
+              <a:t>foster</a:t>
+            </a:r>
+            <a:r>
+              <a:rPr lang="en-US" sz="2000" spc="-35" dirty="0">
+                <a:cs typeface="Calibri"/>
+              </a:rPr>
+              <a:t> </a:t>
+            </a:r>
+            <a:r>
+              <a:rPr lang="en-US" sz="2000" dirty="0">
+                <a:cs typeface="Calibri"/>
+              </a:rPr>
+              <a:t>common</a:t>
+            </a:r>
+            <a:r>
+              <a:rPr lang="en-US" sz="2000" spc="-60" dirty="0">
+                <a:cs typeface="Calibri"/>
+              </a:rPr>
+              <a:t> </a:t>
+            </a:r>
+            <a:r>
+              <a:rPr lang="en-US" sz="2000" spc="-10" dirty="0">
+                <a:cs typeface="Calibri"/>
+              </a:rPr>
+              <a:t>understanding</a:t>
+            </a:r>
+            <a:r>
+              <a:rPr lang="en-US" sz="2000" spc="-55" dirty="0">
+                <a:cs typeface="Calibri"/>
+              </a:rPr>
+              <a:t> </a:t>
+            </a:r>
+            <a:r>
+              <a:rPr lang="en-US" sz="2000" dirty="0">
+                <a:cs typeface="Calibri"/>
+              </a:rPr>
+              <a:t>between</a:t>
+            </a:r>
+            <a:r>
+              <a:rPr lang="en-US" sz="2000" spc="-50" dirty="0">
+                <a:cs typeface="Calibri"/>
+              </a:rPr>
+              <a:t> </a:t>
+            </a:r>
+            <a:r>
+              <a:rPr lang="en-US" sz="2000" spc="-10" dirty="0">
+                <a:cs typeface="Calibri"/>
+              </a:rPr>
+              <a:t>regulators</a:t>
+            </a:r>
+            <a:r>
+              <a:rPr lang="en-US" sz="2000" spc="-30" dirty="0">
+                <a:cs typeface="Calibri"/>
+              </a:rPr>
+              <a:t> </a:t>
+            </a:r>
+            <a:r>
+              <a:rPr lang="en-US" sz="2000" dirty="0">
+                <a:cs typeface="Calibri"/>
+              </a:rPr>
+              <a:t>and</a:t>
+            </a:r>
+            <a:r>
+              <a:rPr lang="en-US" sz="2000" spc="-45" dirty="0">
+                <a:cs typeface="Calibri"/>
+              </a:rPr>
+              <a:t> </a:t>
+            </a:r>
+            <a:r>
+              <a:rPr lang="en-US" sz="2000" dirty="0">
+                <a:cs typeface="Calibri"/>
+              </a:rPr>
+              <a:t>in</a:t>
+            </a:r>
+            <a:r>
+              <a:rPr lang="en-US" sz="2000" spc="-40" dirty="0">
+                <a:cs typeface="Calibri"/>
+              </a:rPr>
+              <a:t> </a:t>
+            </a:r>
+            <a:r>
+              <a:rPr lang="en-US" sz="2000" spc="-10" dirty="0">
+                <a:cs typeface="Calibri"/>
+              </a:rPr>
+              <a:t>industry</a:t>
+            </a:r>
+            <a:endParaRPr lang="en-US" sz="2000" dirty="0">
+              <a:cs typeface="Calibri"/>
+            </a:endParaRPr>
+          </a:p>
+          <a:p>
+            <a:pPr marL="240029" indent="-227329">
+              <a:lnSpc>
+                <a:spcPct val="100000"/>
+              </a:lnSpc>
+              <a:spcBef>
+                <a:spcPts val="690"/>
+              </a:spcBef>
+              <a:buFont typeface="Arial"/>
+              <a:buChar char="•"/>
+              <a:tabLst>
+                <a:tab pos="240029" algn="l"/>
+              </a:tabLst>
+            </a:pPr>
+            <a:r>
+              <a:rPr lang="en-US" dirty="0"/>
+              <a:t>Content</a:t>
+            </a:r>
+            <a:r>
+              <a:rPr lang="en-US" spc="-55" dirty="0"/>
+              <a:t> </a:t>
+            </a:r>
+            <a:r>
+              <a:rPr lang="en-US" dirty="0"/>
+              <a:t>should</a:t>
+            </a:r>
+            <a:r>
+              <a:rPr lang="en-US" spc="-35" dirty="0"/>
+              <a:t> </a:t>
+            </a:r>
+            <a:r>
+              <a:rPr lang="en-US" dirty="0"/>
+              <a:t>be</a:t>
+            </a:r>
+            <a:r>
+              <a:rPr lang="en-US" spc="-40" dirty="0"/>
+              <a:t> </a:t>
+            </a:r>
+            <a:r>
+              <a:rPr lang="en-US" spc="-10" dirty="0"/>
+              <a:t>focused</a:t>
+            </a:r>
+            <a:r>
+              <a:rPr lang="en-US" spc="-45" dirty="0"/>
+              <a:t> </a:t>
+            </a:r>
+            <a:r>
+              <a:rPr lang="en-US" dirty="0"/>
+              <a:t>on</a:t>
+            </a:r>
+            <a:r>
+              <a:rPr lang="en-US" spc="-45" dirty="0"/>
+              <a:t> </a:t>
+            </a:r>
+            <a:r>
+              <a:rPr lang="en-US" dirty="0"/>
+              <a:t>‘hot’</a:t>
+            </a:r>
+            <a:r>
+              <a:rPr lang="en-US" spc="-40" dirty="0"/>
+              <a:t> </a:t>
+            </a:r>
+            <a:r>
+              <a:rPr lang="en-US" spc="-10" dirty="0"/>
+              <a:t>topics</a:t>
+            </a:r>
+          </a:p>
+          <a:p>
+            <a:pPr marL="697865" lvl="1">
+              <a:lnSpc>
+                <a:spcPct val="100000"/>
+              </a:lnSpc>
+              <a:spcBef>
+                <a:spcPts val="280"/>
+              </a:spcBef>
+              <a:buFont typeface="Arial"/>
+              <a:buChar char="•"/>
+              <a:tabLst>
+                <a:tab pos="697865" algn="l"/>
+              </a:tabLst>
+            </a:pPr>
+            <a:r>
+              <a:rPr lang="en-US" sz="2000" dirty="0">
+                <a:cs typeface="Calibri"/>
+              </a:rPr>
+              <a:t>Hot</a:t>
+            </a:r>
+            <a:r>
+              <a:rPr lang="en-US" sz="2000" spc="-60" dirty="0">
+                <a:cs typeface="Calibri"/>
+              </a:rPr>
+              <a:t> </a:t>
+            </a:r>
+            <a:r>
+              <a:rPr lang="en-US" sz="2000" dirty="0">
+                <a:cs typeface="Calibri"/>
+              </a:rPr>
+              <a:t>topics</a:t>
+            </a:r>
+            <a:r>
+              <a:rPr lang="en-US" sz="2000" spc="-45" dirty="0">
+                <a:cs typeface="Calibri"/>
+              </a:rPr>
+              <a:t> </a:t>
+            </a:r>
+            <a:r>
+              <a:rPr lang="en-US" sz="2000" dirty="0">
+                <a:cs typeface="Calibri"/>
+              </a:rPr>
+              <a:t>either</a:t>
+            </a:r>
+            <a:r>
+              <a:rPr lang="en-US" sz="2000" spc="-45" dirty="0">
+                <a:cs typeface="Calibri"/>
+              </a:rPr>
+              <a:t> </a:t>
+            </a:r>
+            <a:r>
+              <a:rPr lang="en-US" sz="2000" dirty="0">
+                <a:cs typeface="Calibri"/>
+              </a:rPr>
+              <a:t>for</a:t>
+            </a:r>
+            <a:r>
+              <a:rPr lang="en-US" sz="2000" spc="-60" dirty="0">
+                <a:cs typeface="Calibri"/>
+              </a:rPr>
+              <a:t> </a:t>
+            </a:r>
+            <a:r>
+              <a:rPr lang="en-US" sz="2000" dirty="0">
+                <a:cs typeface="Calibri"/>
+              </a:rPr>
+              <a:t>industry</a:t>
+            </a:r>
+            <a:r>
+              <a:rPr lang="en-US" sz="2000" spc="-50" dirty="0">
+                <a:cs typeface="Calibri"/>
+              </a:rPr>
+              <a:t> </a:t>
+            </a:r>
+            <a:r>
+              <a:rPr lang="en-US" sz="2000" dirty="0">
+                <a:cs typeface="Calibri"/>
+              </a:rPr>
+              <a:t>or</a:t>
+            </a:r>
+            <a:r>
+              <a:rPr lang="en-US" sz="2000" spc="-60" dirty="0">
+                <a:cs typeface="Calibri"/>
+              </a:rPr>
+              <a:t> </a:t>
+            </a:r>
+            <a:r>
+              <a:rPr lang="en-US" sz="2000" spc="-10" dirty="0">
+                <a:cs typeface="Calibri"/>
+              </a:rPr>
+              <a:t>regulators</a:t>
+            </a:r>
+            <a:r>
+              <a:rPr lang="en-US" sz="2000" spc="-45" dirty="0">
+                <a:cs typeface="Calibri"/>
+              </a:rPr>
+              <a:t> </a:t>
+            </a:r>
+            <a:r>
+              <a:rPr lang="en-US" sz="2000" dirty="0">
+                <a:cs typeface="Calibri"/>
+              </a:rPr>
+              <a:t>provides</a:t>
+            </a:r>
+            <a:r>
+              <a:rPr lang="en-US" sz="2000" spc="-40" dirty="0">
+                <a:cs typeface="Calibri"/>
+              </a:rPr>
+              <a:t> </a:t>
+            </a:r>
+            <a:r>
+              <a:rPr lang="en-US" sz="2000" dirty="0">
+                <a:cs typeface="Calibri"/>
+              </a:rPr>
+              <a:t>maximum</a:t>
+            </a:r>
+            <a:r>
+              <a:rPr lang="en-US" sz="2000" spc="-40" dirty="0">
+                <a:cs typeface="Calibri"/>
+              </a:rPr>
+              <a:t> </a:t>
+            </a:r>
+            <a:r>
+              <a:rPr lang="en-US" sz="2000" spc="-10" dirty="0">
+                <a:cs typeface="Calibri"/>
+              </a:rPr>
+              <a:t>value</a:t>
+            </a:r>
+            <a:endParaRPr lang="en-US" sz="2000" dirty="0">
+              <a:cs typeface="Calibri"/>
+            </a:endParaRPr>
+          </a:p>
+          <a:p>
+            <a:pPr marL="697865" lvl="1">
+              <a:lnSpc>
+                <a:spcPct val="100000"/>
+              </a:lnSpc>
+              <a:spcBef>
+                <a:spcPts val="270"/>
+              </a:spcBef>
+              <a:buFont typeface="Arial"/>
+              <a:buChar char="•"/>
+              <a:tabLst>
+                <a:tab pos="697865" algn="l"/>
+              </a:tabLst>
+            </a:pPr>
+            <a:r>
+              <a:rPr lang="en-US" sz="2000" spc="-10" dirty="0">
+                <a:cs typeface="Calibri"/>
+              </a:rPr>
+              <a:t>Identification</a:t>
+            </a:r>
+            <a:r>
+              <a:rPr lang="en-US" sz="2000" spc="-40" dirty="0">
+                <a:cs typeface="Calibri"/>
+              </a:rPr>
+              <a:t> </a:t>
+            </a:r>
+            <a:r>
+              <a:rPr lang="en-US" sz="2000" dirty="0">
+                <a:cs typeface="Calibri"/>
+              </a:rPr>
+              <a:t>of</a:t>
+            </a:r>
+            <a:r>
+              <a:rPr lang="en-US" sz="2000" spc="-40" dirty="0">
+                <a:cs typeface="Calibri"/>
+              </a:rPr>
+              <a:t> </a:t>
+            </a:r>
+            <a:r>
+              <a:rPr lang="en-US" sz="2000" dirty="0">
+                <a:cs typeface="Calibri"/>
+              </a:rPr>
+              <a:t>hot</a:t>
+            </a:r>
+            <a:r>
+              <a:rPr lang="en-US" sz="2000" spc="-50" dirty="0">
+                <a:cs typeface="Calibri"/>
+              </a:rPr>
+              <a:t> </a:t>
+            </a:r>
+            <a:r>
+              <a:rPr lang="en-US" sz="2000" dirty="0">
+                <a:cs typeface="Calibri"/>
+              </a:rPr>
+              <a:t>topics</a:t>
+            </a:r>
+            <a:r>
+              <a:rPr lang="en-US" sz="2000" spc="-40" dirty="0">
+                <a:cs typeface="Calibri"/>
+              </a:rPr>
+              <a:t> </a:t>
+            </a:r>
+            <a:r>
+              <a:rPr lang="en-US" sz="2000" dirty="0">
+                <a:cs typeface="Calibri"/>
+              </a:rPr>
+              <a:t>essential</a:t>
+            </a:r>
+            <a:r>
+              <a:rPr lang="en-US" sz="2000" spc="-15" dirty="0">
+                <a:cs typeface="Calibri"/>
+              </a:rPr>
+              <a:t> </a:t>
+            </a:r>
+            <a:r>
+              <a:rPr lang="en-US" sz="2000" dirty="0">
+                <a:cs typeface="Calibri"/>
+              </a:rPr>
+              <a:t>task</a:t>
+            </a:r>
+            <a:r>
+              <a:rPr lang="en-US" sz="2000" spc="-30" dirty="0">
+                <a:cs typeface="Calibri"/>
+              </a:rPr>
+              <a:t> </a:t>
+            </a:r>
+            <a:r>
+              <a:rPr lang="en-US" sz="2000" dirty="0">
+                <a:cs typeface="Calibri"/>
+              </a:rPr>
+              <a:t>of</a:t>
+            </a:r>
+            <a:r>
+              <a:rPr lang="en-US" sz="2000" spc="-50" dirty="0">
+                <a:cs typeface="Calibri"/>
+              </a:rPr>
+              <a:t> </a:t>
+            </a:r>
+            <a:r>
+              <a:rPr lang="en-US" sz="2000" dirty="0">
+                <a:cs typeface="Calibri"/>
+              </a:rPr>
+              <a:t>the</a:t>
+            </a:r>
+            <a:r>
+              <a:rPr lang="en-US" sz="2000" spc="-40" dirty="0">
+                <a:cs typeface="Calibri"/>
+              </a:rPr>
+              <a:t> </a:t>
+            </a:r>
+            <a:r>
+              <a:rPr lang="en-US" sz="2000" dirty="0">
+                <a:cs typeface="Calibri"/>
+              </a:rPr>
+              <a:t>scientific</a:t>
+            </a:r>
+            <a:r>
+              <a:rPr lang="en-US" sz="2000" spc="-15" dirty="0">
+                <a:cs typeface="Calibri"/>
+              </a:rPr>
+              <a:t> </a:t>
+            </a:r>
+            <a:r>
+              <a:rPr lang="en-US" sz="2000" spc="-10" dirty="0">
+                <a:cs typeface="Calibri"/>
+              </a:rPr>
+              <a:t>committee</a:t>
+            </a:r>
+            <a:endParaRPr lang="en-US" sz="2000" dirty="0">
+              <a:cs typeface="Calibri"/>
+            </a:endParaRPr>
+          </a:p>
+          <a:p>
+            <a:endParaRPr lang="en-US" dirty="0">
+              <a:ea typeface="Calibri"/>
+              <a:cs typeface="Calibri"/>
+            </a:endParaRPr>
+          </a:p>
+          <a:p>
+            <a:endParaRPr lang="en-US" dirty="0">
+              <a:ea typeface="Calibri"/>
+              <a:cs typeface="Calibri"/>
+            </a:endParaRPr>
+          </a:p>
+          <a:p>
+            <a:endParaRPr lang="da-DK" dirty="0">
+              <a:ea typeface="Calibri" panose="020F0502020204030204"/>
+              <a:cs typeface="Calibri" panose="020F0502020204030204"/>
+            </a:endParaRPr>
           </a:p>
         </p:txBody>
       </p:sp>
     </p:spTree>
     <p:extLst>
       <p:ext uri="{BB962C8B-B14F-4D97-AF65-F5344CB8AC3E}">
-        <p14:creationId xmlns:p14="http://schemas.microsoft.com/office/powerpoint/2010/main" val="1873835999"/>
+        <p14:creationId xmlns:p14="http://schemas.microsoft.com/office/powerpoint/2010/main" val="3525109147"/>
       </p:ext>
     </p:extLst>
   </p:cSld>
@@ -3798,262 +6407,1157 @@
       </p:grpSpPr>
       <p:sp>
         <p:nvSpPr>
-          <p:cNvPr id="2" name="Title 1">
-            <a:extLst>
-              <a:ext uri="{FF2B5EF4-FFF2-40B4-BE49-F238E27FC236}">
-                <a16:creationId xmlns:a16="http://schemas.microsoft.com/office/drawing/2014/main" id="{B8DDBAA1-FC32-B748-070A-F9EB28CCFF43}"/>
-              </a:ext>
-            </a:extLst>
-          </p:cNvPr>
-          <p:cNvSpPr>
+          <p:cNvPr id="2" name="object 2"/>
+          <p:cNvSpPr txBox="1">
             <a:spLocks noGrp="1"/>
           </p:cNvSpPr>
           <p:nvPr>
             <p:ph type="title"/>
           </p:nvPr>
         </p:nvSpPr>
-        <p:spPr/>
-        <p:txBody>
-          <a:bodyPr/>
-          <a:lstStyle/>
-          <a:p>
-            <a:r>
-              <a:rPr lang="en-US" dirty="0"/>
-              <a:t>Scientific Committee – guiding principles</a:t>
-            </a:r>
-            <a:endParaRPr lang="da-DK" dirty="0"/>
-          </a:p>
-        </p:txBody>
-      </p:sp>
-      <p:sp>
-        <p:nvSpPr>
-          <p:cNvPr id="3" name="Content Placeholder 2">
-            <a:extLst>
-              <a:ext uri="{FF2B5EF4-FFF2-40B4-BE49-F238E27FC236}">
-                <a16:creationId xmlns:a16="http://schemas.microsoft.com/office/drawing/2014/main" id="{B54854DC-EA4C-C482-1EBC-CD542BBAAFCD}"/>
-              </a:ext>
-            </a:extLst>
-          </p:cNvPr>
-          <p:cNvSpPr>
-            <a:spLocks noGrp="1"/>
-          </p:cNvSpPr>
-          <p:nvPr>
-            <p:ph idx="1"/>
-          </p:nvPr>
+        <p:spPr>
+          <a:prstGeom prst="rect">
+            <a:avLst/>
+          </a:prstGeom>
+        </p:spPr>
+        <p:txBody>
+          <a:bodyPr vert="horz" wrap="square" lIns="0" tIns="12700" rIns="0" bIns="0" rtlCol="0">
+            <a:spAutoFit/>
+          </a:bodyPr>
+          <a:lstStyle/>
+          <a:p>
+            <a:pPr marL="12700">
+              <a:lnSpc>
+                <a:spcPct val="100000"/>
+              </a:lnSpc>
+              <a:spcBef>
+                <a:spcPts val="100"/>
+              </a:spcBef>
+            </a:pPr>
+            <a:r>
+              <a:rPr spc="-135" dirty="0"/>
+              <a:t>Why</a:t>
+            </a:r>
+            <a:r>
+              <a:rPr spc="-390" dirty="0"/>
+              <a:t> </a:t>
+            </a:r>
+            <a:r>
+              <a:rPr spc="95" dirty="0"/>
+              <a:t>is</a:t>
+            </a:r>
+            <a:r>
+              <a:rPr spc="-385" dirty="0"/>
+              <a:t> </a:t>
+            </a:r>
+            <a:r>
+              <a:rPr spc="55" dirty="0"/>
+              <a:t>this</a:t>
+            </a:r>
+            <a:r>
+              <a:rPr spc="-385" dirty="0"/>
+              <a:t> </a:t>
+            </a:r>
+            <a:r>
+              <a:rPr spc="-25" dirty="0"/>
+              <a:t>workshop</a:t>
+            </a:r>
+            <a:r>
+              <a:rPr spc="-385" dirty="0"/>
+              <a:t> </a:t>
+            </a:r>
+            <a:r>
+              <a:rPr spc="-10" dirty="0"/>
+              <a:t>different?</a:t>
+            </a:r>
+          </a:p>
+        </p:txBody>
+      </p:sp>
+      <p:sp>
+        <p:nvSpPr>
+          <p:cNvPr id="3" name="object 3"/>
+          <p:cNvSpPr txBox="1"/>
+          <p:nvPr/>
         </p:nvSpPr>
         <p:spPr>
           <a:xfrm>
-            <a:off x="838200" y="1434517"/>
-            <a:ext cx="10515600" cy="5083729"/>
+            <a:off x="824860" y="2081252"/>
+            <a:ext cx="3420000" cy="320601"/>
           </a:xfrm>
+          <a:prstGeom prst="rect">
+            <a:avLst/>
+          </a:prstGeom>
         </p:spPr>
         <p:txBody>
-          <a:bodyPr>
-            <a:normAutofit fontScale="85000" lnSpcReduction="20000"/>
+          <a:bodyPr vert="horz" wrap="square" lIns="0" tIns="12700" rIns="0" bIns="0" rtlCol="0">
+            <a:spAutoFit/>
           </a:bodyPr>
           <a:lstStyle/>
           <a:p>
             <a:r>
-              <a:rPr lang="en-US" dirty="0"/>
-              <a:t>Regulators responsible for nominating their members (incl. HTA colleagues).</a:t>
-            </a:r>
-          </a:p>
-          <a:p>
-            <a:r>
-              <a:rPr lang="en-US" dirty="0"/>
-              <a:t>Overarching principles: </a:t>
-            </a:r>
-          </a:p>
-          <a:p>
-            <a:pPr lvl="1"/>
-            <a:r>
-              <a:rPr lang="en-US" dirty="0"/>
-              <a:t>Balanced </a:t>
-            </a:r>
-            <a:r>
-              <a:rPr lang="en-US" dirty="0" smtClean="0"/>
-              <a:t>representation </a:t>
-            </a:r>
-            <a:r>
-              <a:rPr lang="en-US" dirty="0"/>
-              <a:t>of regulators / HTA and industry (beyond </a:t>
-            </a:r>
-            <a:r>
-              <a:rPr lang="en-US" dirty="0" smtClean="0"/>
-              <a:t>LOC).</a:t>
-            </a:r>
-          </a:p>
-          <a:p>
-            <a:pPr lvl="1"/>
-            <a:r>
-              <a:rPr lang="en-US" dirty="0" smtClean="0"/>
-              <a:t>Balanced representation of EFSPI regions.</a:t>
-            </a:r>
-            <a:endParaRPr lang="en-US" dirty="0"/>
-          </a:p>
-          <a:p>
-            <a:pPr lvl="1"/>
-            <a:r>
-              <a:rPr lang="en-US" dirty="0"/>
-              <a:t>Maximal one member per company </a:t>
-            </a:r>
-            <a:r>
-              <a:rPr lang="en-US" dirty="0" smtClean="0"/>
-              <a:t>(Exception</a:t>
-            </a:r>
-            <a:r>
-              <a:rPr lang="en-US" dirty="0"/>
-              <a:t>: shadowing LOC members</a:t>
-            </a:r>
-            <a:r>
-              <a:rPr lang="en-US" dirty="0" smtClean="0"/>
-              <a:t>).</a:t>
-            </a:r>
-            <a:endParaRPr lang="en-US" dirty="0"/>
-          </a:p>
-          <a:p>
-            <a:pPr lvl="1"/>
-            <a:r>
-              <a:rPr lang="en-US" dirty="0" smtClean="0"/>
-              <a:t>Diversity: gender</a:t>
-            </a:r>
-            <a:r>
-              <a:rPr lang="en-US" dirty="0"/>
-              <a:t>, region, big / small </a:t>
-            </a:r>
-            <a:r>
-              <a:rPr lang="en-US" dirty="0" smtClean="0"/>
-              <a:t>pharma.</a:t>
-            </a:r>
-            <a:endParaRPr lang="en-US" dirty="0"/>
-          </a:p>
-          <a:p>
-            <a:r>
-              <a:rPr lang="en-US" dirty="0" smtClean="0"/>
-              <a:t>Drug </a:t>
-            </a:r>
-            <a:r>
-              <a:rPr lang="en-US" dirty="0"/>
-              <a:t>development </a:t>
-            </a:r>
-            <a:r>
-              <a:rPr lang="en-US" dirty="0" smtClean="0"/>
-              <a:t>and regulatory interaction </a:t>
-            </a:r>
-            <a:r>
-              <a:rPr lang="en-US" smtClean="0"/>
-              <a:t>/ statistics experience.</a:t>
-            </a:r>
-            <a:endParaRPr lang="en-US" dirty="0"/>
-          </a:p>
-          <a:p>
-            <a:r>
-              <a:rPr lang="en-US" dirty="0" smtClean="0"/>
-              <a:t>Target</a:t>
-            </a:r>
-            <a:r>
-              <a:rPr lang="en-US" dirty="0"/>
-              <a:t>: six industry members in addition to LOC (and shadowing) </a:t>
-            </a:r>
-            <a:r>
-              <a:rPr lang="en-US" dirty="0" smtClean="0"/>
-              <a:t>members.</a:t>
-            </a:r>
-            <a:endParaRPr lang="en-US" dirty="0"/>
-          </a:p>
-          <a:p>
-            <a:pPr lvl="1"/>
-            <a:r>
-              <a:rPr lang="en-US" dirty="0"/>
-              <a:t>The chair and the EFSPI Council liaison are mandatory </a:t>
-            </a:r>
-            <a:r>
-              <a:rPr lang="en-US" dirty="0" smtClean="0"/>
-              <a:t>members.</a:t>
-            </a:r>
-            <a:endParaRPr lang="en-US" dirty="0"/>
-          </a:p>
-          <a:p>
-            <a:pPr lvl="1"/>
-            <a:r>
-              <a:rPr lang="en-US" dirty="0"/>
-              <a:t>If not fully included (default), </a:t>
-            </a:r>
-            <a:r>
-              <a:rPr lang="en-US" dirty="0" smtClean="0"/>
-              <a:t>LOC to </a:t>
-            </a:r>
-            <a:r>
-              <a:rPr lang="en-US" dirty="0"/>
-              <a:t>be represented </a:t>
-            </a:r>
-            <a:r>
-              <a:rPr lang="en-US" b="1" dirty="0"/>
-              <a:t>as a minimum </a:t>
-            </a:r>
-            <a:r>
-              <a:rPr lang="en-US" dirty="0"/>
-              <a:t>by the chair and the EFSPI Council </a:t>
-            </a:r>
-            <a:r>
-              <a:rPr lang="en-US" dirty="0" smtClean="0"/>
-              <a:t>liaison.</a:t>
-            </a:r>
-            <a:endParaRPr lang="en-US" strike="sngStrike" dirty="0" smtClean="0"/>
-          </a:p>
-          <a:p>
-            <a:pPr lvl="1"/>
-            <a:r>
-              <a:rPr lang="en-US" dirty="0" smtClean="0"/>
-              <a:t>EFSPI Methods Leader Group represented with at least one member.</a:t>
-            </a:r>
-          </a:p>
-          <a:p>
-            <a:r>
-              <a:rPr lang="en-US" dirty="0" smtClean="0"/>
-              <a:t>Members </a:t>
-            </a:r>
-            <a:r>
-              <a:rPr lang="en-US" dirty="0"/>
-              <a:t>elected for two years. Potential to apply for extension of one year</a:t>
-            </a:r>
-            <a:r>
-              <a:rPr lang="en-US" dirty="0" smtClean="0"/>
-              <a:t>.</a:t>
-            </a:r>
-          </a:p>
-          <a:p>
-            <a:r>
-              <a:rPr lang="en-US" dirty="0" smtClean="0"/>
-              <a:t>Final decision-maker no membership: EFSPI regulatory workshop lead (currently </a:t>
-            </a:r>
-            <a:r>
-              <a:rPr lang="en-US" dirty="0" err="1" smtClean="0"/>
-              <a:t>Helle</a:t>
-            </a:r>
-            <a:r>
-              <a:rPr lang="en-US" dirty="0" smtClean="0"/>
-              <a:t> </a:t>
-            </a:r>
-            <a:r>
-              <a:rPr lang="en-US" dirty="0" err="1" smtClean="0"/>
-              <a:t>Lynggaard</a:t>
-            </a:r>
-            <a:r>
-              <a:rPr lang="en-US" dirty="0" smtClean="0"/>
-              <a:t>).</a:t>
-            </a:r>
-            <a:endParaRPr lang="en-US" dirty="0"/>
-          </a:p>
-          <a:p>
-            <a:endParaRPr lang="da-DK" dirty="0"/>
-          </a:p>
-        </p:txBody>
-      </p:sp>
+              <a:rPr sz="2000" b="1" i="1" spc="-170" dirty="0">
+                <a:uFill>
+                  <a:solidFill>
+                    <a:srgbClr val="000000"/>
+                  </a:solidFill>
+                </a:uFill>
+                <a:cs typeface="Tahoma"/>
+              </a:rPr>
+              <a:t>Workshop</a:t>
+            </a:r>
+            <a:endParaRPr sz="2000" i="1" dirty="0">
+              <a:cs typeface="Tahoma"/>
+            </a:endParaRPr>
+          </a:p>
+        </p:txBody>
+      </p:sp>
+      <p:sp>
+        <p:nvSpPr>
+          <p:cNvPr id="4" name="object 4"/>
+          <p:cNvSpPr txBox="1"/>
+          <p:nvPr/>
+        </p:nvSpPr>
+        <p:spPr>
+          <a:xfrm>
+            <a:off x="7579898" y="2081252"/>
+            <a:ext cx="3420000" cy="320601"/>
+          </a:xfrm>
+          <a:prstGeom prst="rect">
+            <a:avLst/>
+          </a:prstGeom>
+        </p:spPr>
+        <p:txBody>
+          <a:bodyPr vert="horz" wrap="square" lIns="0" tIns="12700" rIns="0" bIns="0" rtlCol="0">
+            <a:spAutoFit/>
+          </a:bodyPr>
+          <a:lstStyle/>
+          <a:p>
+            <a:r>
+              <a:rPr sz="2000" b="1" i="1" spc="-114" dirty="0">
+                <a:uFill>
+                  <a:solidFill>
+                    <a:srgbClr val="000000"/>
+                  </a:solidFill>
+                </a:uFill>
+                <a:cs typeface="Tahoma"/>
+              </a:rPr>
+              <a:t>Conference</a:t>
+            </a:r>
+            <a:endParaRPr sz="2000" i="1" dirty="0">
+              <a:cs typeface="Tahoma"/>
+            </a:endParaRPr>
+          </a:p>
+        </p:txBody>
+      </p:sp>
+      <p:sp>
+        <p:nvSpPr>
+          <p:cNvPr id="5" name="object 5"/>
+          <p:cNvSpPr txBox="1"/>
+          <p:nvPr/>
+        </p:nvSpPr>
+        <p:spPr>
+          <a:xfrm>
+            <a:off x="824860" y="2564750"/>
+            <a:ext cx="3420000" cy="360000"/>
+          </a:xfrm>
+          <a:prstGeom prst="rect">
+            <a:avLst/>
+          </a:prstGeom>
+        </p:spPr>
+        <p:txBody>
+          <a:bodyPr vert="horz" wrap="square" lIns="0" tIns="12700" rIns="0" bIns="0" rtlCol="0">
+            <a:spAutoFit/>
+          </a:bodyPr>
+          <a:lstStyle/>
+          <a:p>
+            <a:r>
+              <a:rPr sz="2000" spc="-10" dirty="0">
+                <a:cs typeface="Tahoma"/>
+              </a:rPr>
+              <a:t>Small</a:t>
+            </a:r>
+            <a:endParaRPr sz="2000">
+              <a:cs typeface="Tahoma"/>
+            </a:endParaRPr>
+          </a:p>
+        </p:txBody>
+      </p:sp>
+      <p:sp>
+        <p:nvSpPr>
+          <p:cNvPr id="6" name="object 6"/>
+          <p:cNvSpPr txBox="1"/>
+          <p:nvPr/>
+        </p:nvSpPr>
+        <p:spPr>
+          <a:xfrm>
+            <a:off x="4415854" y="2604149"/>
+            <a:ext cx="2016000" cy="320601"/>
+          </a:xfrm>
+          <a:prstGeom prst="rect">
+            <a:avLst/>
+          </a:prstGeom>
+        </p:spPr>
+        <p:txBody>
+          <a:bodyPr vert="horz" wrap="square" lIns="0" tIns="12700" rIns="0" bIns="0" rtlCol="0">
+            <a:spAutoFit/>
+          </a:bodyPr>
+          <a:lstStyle/>
+          <a:p>
+            <a:pPr algn="ctr"/>
+            <a:r>
+              <a:rPr lang="en-US" sz="2000" b="1" spc="-10" dirty="0">
+                <a:cs typeface="Tahoma"/>
+              </a:rPr>
+              <a:t>Scale</a:t>
+            </a:r>
+            <a:endParaRPr lang="en-US" sz="2000" dirty="0">
+              <a:cs typeface="Tahoma"/>
+            </a:endParaRPr>
+          </a:p>
+        </p:txBody>
+      </p:sp>
+      <p:sp>
+        <p:nvSpPr>
+          <p:cNvPr id="7" name="object 7"/>
+          <p:cNvSpPr txBox="1"/>
+          <p:nvPr/>
+        </p:nvSpPr>
+        <p:spPr>
+          <a:xfrm>
+            <a:off x="7579898" y="2564750"/>
+            <a:ext cx="3420000" cy="360000"/>
+          </a:xfrm>
+          <a:prstGeom prst="rect">
+            <a:avLst/>
+          </a:prstGeom>
+        </p:spPr>
+        <p:txBody>
+          <a:bodyPr vert="horz" wrap="square" lIns="0" tIns="12700" rIns="0" bIns="0" rtlCol="0">
+            <a:spAutoFit/>
+          </a:bodyPr>
+          <a:lstStyle/>
+          <a:p>
+            <a:r>
+              <a:rPr sz="2000" spc="-10" dirty="0">
+                <a:cs typeface="Tahoma"/>
+              </a:rPr>
+              <a:t>Large</a:t>
+            </a:r>
+            <a:endParaRPr sz="2000" dirty="0">
+              <a:cs typeface="Tahoma"/>
+            </a:endParaRPr>
+          </a:p>
+        </p:txBody>
+      </p:sp>
+      <p:sp>
+        <p:nvSpPr>
+          <p:cNvPr id="8" name="object 8"/>
+          <p:cNvSpPr txBox="1"/>
+          <p:nvPr/>
+        </p:nvSpPr>
+        <p:spPr>
+          <a:xfrm>
+            <a:off x="824860" y="3087647"/>
+            <a:ext cx="3420000" cy="320601"/>
+          </a:xfrm>
+          <a:prstGeom prst="rect">
+            <a:avLst/>
+          </a:prstGeom>
+        </p:spPr>
+        <p:txBody>
+          <a:bodyPr vert="horz" wrap="square" lIns="0" tIns="12700" rIns="0" bIns="0" rtlCol="0">
+            <a:spAutoFit/>
+          </a:bodyPr>
+          <a:lstStyle/>
+          <a:p>
+            <a:r>
+              <a:rPr sz="2000" spc="-10" dirty="0">
+                <a:cs typeface="Tahoma"/>
+              </a:rPr>
+              <a:t>Plenary</a:t>
+            </a:r>
+            <a:r>
+              <a:rPr sz="2000" spc="-105" dirty="0">
+                <a:cs typeface="Tahoma"/>
+              </a:rPr>
+              <a:t> </a:t>
+            </a:r>
+            <a:r>
+              <a:rPr sz="2000" spc="-35" dirty="0">
+                <a:cs typeface="Tahoma"/>
+              </a:rPr>
+              <a:t>(Single-Track)</a:t>
+            </a:r>
+            <a:endParaRPr sz="2000" dirty="0">
+              <a:cs typeface="Tahoma"/>
+            </a:endParaRPr>
+          </a:p>
+        </p:txBody>
+      </p:sp>
+      <p:sp>
+        <p:nvSpPr>
+          <p:cNvPr id="9" name="object 9"/>
+          <p:cNvSpPr txBox="1"/>
+          <p:nvPr/>
+        </p:nvSpPr>
+        <p:spPr>
+          <a:xfrm>
+            <a:off x="7579898" y="3048248"/>
+            <a:ext cx="3420000" cy="360000"/>
+          </a:xfrm>
+          <a:prstGeom prst="rect">
+            <a:avLst/>
+          </a:prstGeom>
+        </p:spPr>
+        <p:txBody>
+          <a:bodyPr vert="horz" wrap="square" lIns="0" tIns="12700" rIns="0" bIns="0" rtlCol="0">
+            <a:spAutoFit/>
+          </a:bodyPr>
+          <a:lstStyle/>
+          <a:p>
+            <a:r>
+              <a:rPr sz="2000" spc="-10" dirty="0">
+                <a:cs typeface="Tahoma"/>
+              </a:rPr>
+              <a:t>Parallel</a:t>
+            </a:r>
+            <a:r>
+              <a:rPr sz="2000" spc="-135" dirty="0">
+                <a:cs typeface="Tahoma"/>
+              </a:rPr>
+              <a:t> </a:t>
+            </a:r>
+            <a:r>
+              <a:rPr sz="2000" spc="-10" dirty="0">
+                <a:cs typeface="Tahoma"/>
+              </a:rPr>
+              <a:t>Sessions</a:t>
+            </a:r>
+            <a:endParaRPr sz="2000" dirty="0">
+              <a:cs typeface="Tahoma"/>
+            </a:endParaRPr>
+          </a:p>
+        </p:txBody>
+      </p:sp>
+      <p:sp>
+        <p:nvSpPr>
+          <p:cNvPr id="10" name="object 10"/>
+          <p:cNvSpPr txBox="1"/>
+          <p:nvPr/>
+        </p:nvSpPr>
+        <p:spPr>
+          <a:xfrm>
+            <a:off x="824860" y="3571145"/>
+            <a:ext cx="3420000" cy="360000"/>
+          </a:xfrm>
+          <a:prstGeom prst="rect">
+            <a:avLst/>
+          </a:prstGeom>
+        </p:spPr>
+        <p:txBody>
+          <a:bodyPr vert="horz" wrap="square" lIns="0" tIns="12700" rIns="0" bIns="0" rtlCol="0">
+            <a:spAutoFit/>
+          </a:bodyPr>
+          <a:lstStyle/>
+          <a:p>
+            <a:r>
+              <a:rPr sz="2000" spc="-45" dirty="0">
+                <a:cs typeface="Tahoma"/>
+              </a:rPr>
+              <a:t>Narrow,</a:t>
+            </a:r>
+            <a:r>
+              <a:rPr sz="2000" spc="-170" dirty="0">
+                <a:cs typeface="Tahoma"/>
+              </a:rPr>
+              <a:t> </a:t>
+            </a:r>
+            <a:r>
+              <a:rPr sz="2000" spc="-10" dirty="0">
+                <a:cs typeface="Tahoma"/>
+              </a:rPr>
+              <a:t>Strategic</a:t>
+            </a:r>
+            <a:endParaRPr sz="2000" dirty="0">
+              <a:cs typeface="Tahoma"/>
+            </a:endParaRPr>
+          </a:p>
+        </p:txBody>
+      </p:sp>
+      <p:sp>
+        <p:nvSpPr>
+          <p:cNvPr id="11" name="object 11"/>
+          <p:cNvSpPr txBox="1"/>
+          <p:nvPr/>
+        </p:nvSpPr>
+        <p:spPr>
+          <a:xfrm>
+            <a:off x="7579898" y="3571145"/>
+            <a:ext cx="3420000" cy="360000"/>
+          </a:xfrm>
+          <a:prstGeom prst="rect">
+            <a:avLst/>
+          </a:prstGeom>
+        </p:spPr>
+        <p:txBody>
+          <a:bodyPr vert="horz" wrap="square" lIns="0" tIns="12700" rIns="0" bIns="0" rtlCol="0">
+            <a:spAutoFit/>
+          </a:bodyPr>
+          <a:lstStyle/>
+          <a:p>
+            <a:r>
+              <a:rPr sz="2000" spc="-35" dirty="0">
+                <a:cs typeface="Tahoma"/>
+              </a:rPr>
+              <a:t>Diverse,</a:t>
+            </a:r>
+            <a:r>
+              <a:rPr sz="2000" spc="-140" dirty="0">
+                <a:cs typeface="Tahoma"/>
+              </a:rPr>
+              <a:t> </a:t>
+            </a:r>
+            <a:r>
+              <a:rPr sz="2000" spc="-10" dirty="0">
+                <a:cs typeface="Tahoma"/>
+              </a:rPr>
+              <a:t>Technical</a:t>
+            </a:r>
+            <a:endParaRPr sz="2000" dirty="0">
+              <a:cs typeface="Tahoma"/>
+            </a:endParaRPr>
+          </a:p>
+        </p:txBody>
+      </p:sp>
+      <p:sp>
+        <p:nvSpPr>
+          <p:cNvPr id="12" name="object 12"/>
+          <p:cNvSpPr txBox="1"/>
+          <p:nvPr/>
+        </p:nvSpPr>
+        <p:spPr>
+          <a:xfrm>
+            <a:off x="824860" y="4094042"/>
+            <a:ext cx="3420000" cy="360000"/>
+          </a:xfrm>
+          <a:prstGeom prst="rect">
+            <a:avLst/>
+          </a:prstGeom>
+        </p:spPr>
+        <p:txBody>
+          <a:bodyPr vert="horz" wrap="square" lIns="0" tIns="12700" rIns="0" bIns="0" rtlCol="0">
+            <a:spAutoFit/>
+          </a:bodyPr>
+          <a:lstStyle/>
+          <a:p>
+            <a:r>
+              <a:rPr sz="2000" spc="-40" dirty="0">
+                <a:cs typeface="Tahoma"/>
+              </a:rPr>
+              <a:t>Quality</a:t>
+            </a:r>
+            <a:endParaRPr sz="2000">
+              <a:cs typeface="Tahoma"/>
+            </a:endParaRPr>
+          </a:p>
+        </p:txBody>
+      </p:sp>
+      <p:sp>
+        <p:nvSpPr>
+          <p:cNvPr id="13" name="object 13"/>
+          <p:cNvSpPr txBox="1"/>
+          <p:nvPr/>
+        </p:nvSpPr>
+        <p:spPr>
+          <a:xfrm>
+            <a:off x="7579898" y="4094042"/>
+            <a:ext cx="3420000" cy="360000"/>
+          </a:xfrm>
+          <a:prstGeom prst="rect">
+            <a:avLst/>
+          </a:prstGeom>
+        </p:spPr>
+        <p:txBody>
+          <a:bodyPr vert="horz" wrap="square" lIns="0" tIns="12700" rIns="0" bIns="0" rtlCol="0">
+            <a:spAutoFit/>
+          </a:bodyPr>
+          <a:lstStyle/>
+          <a:p>
+            <a:r>
+              <a:rPr sz="2000" spc="-30" dirty="0">
+                <a:cs typeface="Tahoma"/>
+              </a:rPr>
+              <a:t>Quantity</a:t>
+            </a:r>
+            <a:endParaRPr sz="2000" dirty="0">
+              <a:cs typeface="Tahoma"/>
+            </a:endParaRPr>
+          </a:p>
+        </p:txBody>
+      </p:sp>
+      <p:sp>
+        <p:nvSpPr>
+          <p:cNvPr id="14" name="object 14"/>
+          <p:cNvSpPr txBox="1"/>
+          <p:nvPr/>
+        </p:nvSpPr>
+        <p:spPr>
+          <a:xfrm>
+            <a:off x="824860" y="4616939"/>
+            <a:ext cx="3420000" cy="320601"/>
+          </a:xfrm>
+          <a:prstGeom prst="rect">
+            <a:avLst/>
+          </a:prstGeom>
+        </p:spPr>
+        <p:txBody>
+          <a:bodyPr vert="horz" wrap="square" lIns="0" tIns="12700" rIns="0" bIns="0" rtlCol="0">
+            <a:spAutoFit/>
+          </a:bodyPr>
+          <a:lstStyle/>
+          <a:p>
+            <a:r>
+              <a:rPr sz="2000" dirty="0">
+                <a:cs typeface="Tahoma"/>
+              </a:rPr>
+              <a:t>Longer</a:t>
+            </a:r>
+            <a:r>
+              <a:rPr sz="2000" spc="-165" dirty="0">
+                <a:cs typeface="Tahoma"/>
+              </a:rPr>
+              <a:t> </a:t>
+            </a:r>
+            <a:r>
+              <a:rPr sz="2000" dirty="0">
+                <a:cs typeface="Tahoma"/>
+              </a:rPr>
+              <a:t>Coffee</a:t>
+            </a:r>
+            <a:r>
+              <a:rPr sz="2000" spc="-165" dirty="0">
+                <a:cs typeface="Tahoma"/>
+              </a:rPr>
+              <a:t> </a:t>
+            </a:r>
+            <a:r>
+              <a:rPr sz="2000" dirty="0">
+                <a:cs typeface="Tahoma"/>
+              </a:rPr>
+              <a:t>Breaks</a:t>
+            </a:r>
+            <a:r>
+              <a:rPr sz="2000" spc="-165" dirty="0">
+                <a:cs typeface="Tahoma"/>
+              </a:rPr>
+              <a:t> </a:t>
+            </a:r>
+            <a:r>
+              <a:rPr sz="2000" spc="-45" dirty="0">
+                <a:cs typeface="Tahoma"/>
+              </a:rPr>
+              <a:t>&amp;</a:t>
+            </a:r>
+            <a:r>
+              <a:rPr sz="2000" spc="-160" dirty="0">
+                <a:cs typeface="Tahoma"/>
+              </a:rPr>
+              <a:t> </a:t>
+            </a:r>
+            <a:r>
+              <a:rPr sz="2000" spc="-10" dirty="0">
+                <a:cs typeface="Tahoma"/>
+              </a:rPr>
+              <a:t>Lunches</a:t>
+            </a:r>
+            <a:endParaRPr sz="2000" dirty="0">
+              <a:cs typeface="Tahoma"/>
+            </a:endParaRPr>
+          </a:p>
+        </p:txBody>
+      </p:sp>
+      <p:sp>
+        <p:nvSpPr>
+          <p:cNvPr id="15" name="object 15"/>
+          <p:cNvSpPr txBox="1"/>
+          <p:nvPr/>
+        </p:nvSpPr>
+        <p:spPr>
+          <a:xfrm>
+            <a:off x="7579898" y="4577540"/>
+            <a:ext cx="3420000" cy="360000"/>
+          </a:xfrm>
+          <a:prstGeom prst="rect">
+            <a:avLst/>
+          </a:prstGeom>
+        </p:spPr>
+        <p:txBody>
+          <a:bodyPr vert="horz" wrap="square" lIns="0" tIns="12700" rIns="0" bIns="0" rtlCol="0">
+            <a:spAutoFit/>
+          </a:bodyPr>
+          <a:lstStyle/>
+          <a:p>
+            <a:r>
+              <a:rPr sz="2000" dirty="0">
+                <a:cs typeface="Tahoma"/>
+              </a:rPr>
+              <a:t>Shorter</a:t>
+            </a:r>
+            <a:r>
+              <a:rPr sz="2000" spc="-165" dirty="0">
+                <a:cs typeface="Tahoma"/>
+              </a:rPr>
+              <a:t> </a:t>
+            </a:r>
+            <a:r>
+              <a:rPr sz="2000" dirty="0">
+                <a:cs typeface="Tahoma"/>
+              </a:rPr>
+              <a:t>Breaks</a:t>
+            </a:r>
+            <a:r>
+              <a:rPr sz="2000" spc="-165" dirty="0">
+                <a:cs typeface="Tahoma"/>
+              </a:rPr>
+              <a:t> </a:t>
+            </a:r>
+            <a:r>
+              <a:rPr sz="2000" spc="-45" dirty="0">
+                <a:cs typeface="Tahoma"/>
+              </a:rPr>
+              <a:t>&amp;</a:t>
+            </a:r>
+            <a:r>
+              <a:rPr sz="2000" spc="-165" dirty="0">
+                <a:cs typeface="Tahoma"/>
+              </a:rPr>
+              <a:t> </a:t>
+            </a:r>
+            <a:r>
+              <a:rPr sz="2000" spc="-10" dirty="0">
+                <a:cs typeface="Tahoma"/>
+              </a:rPr>
+              <a:t>Lunches</a:t>
+            </a:r>
+            <a:endParaRPr sz="2000" dirty="0">
+              <a:cs typeface="Tahoma"/>
+            </a:endParaRPr>
+          </a:p>
+        </p:txBody>
+      </p:sp>
+      <p:sp>
+        <p:nvSpPr>
+          <p:cNvPr id="16" name="object 16"/>
+          <p:cNvSpPr txBox="1"/>
+          <p:nvPr/>
+        </p:nvSpPr>
+        <p:spPr>
+          <a:xfrm>
+            <a:off x="824860" y="5100437"/>
+            <a:ext cx="3420000" cy="360000"/>
+          </a:xfrm>
+          <a:prstGeom prst="rect">
+            <a:avLst/>
+          </a:prstGeom>
+        </p:spPr>
+        <p:txBody>
+          <a:bodyPr vert="horz" wrap="square" lIns="0" tIns="12700" rIns="0" bIns="0" rtlCol="0">
+            <a:spAutoFit/>
+          </a:bodyPr>
+          <a:lstStyle/>
+          <a:p>
+            <a:r>
+              <a:rPr sz="2000" spc="-25" dirty="0">
+                <a:cs typeface="Tahoma"/>
+              </a:rPr>
+              <a:t>Ours</a:t>
+            </a:r>
+            <a:endParaRPr sz="2000">
+              <a:cs typeface="Tahoma"/>
+            </a:endParaRPr>
+          </a:p>
+        </p:txBody>
+      </p:sp>
+      <p:sp>
+        <p:nvSpPr>
+          <p:cNvPr id="17" name="object 17"/>
+          <p:cNvSpPr txBox="1"/>
+          <p:nvPr/>
+        </p:nvSpPr>
+        <p:spPr>
+          <a:xfrm>
+            <a:off x="7579898" y="5100437"/>
+            <a:ext cx="3420000" cy="360000"/>
+          </a:xfrm>
+          <a:prstGeom prst="rect">
+            <a:avLst/>
+          </a:prstGeom>
+        </p:spPr>
+        <p:txBody>
+          <a:bodyPr vert="horz" wrap="square" lIns="0" tIns="12700" rIns="0" bIns="0" rtlCol="0">
+            <a:spAutoFit/>
+          </a:bodyPr>
+          <a:lstStyle/>
+          <a:p>
+            <a:r>
+              <a:rPr sz="2000" spc="-20" dirty="0">
+                <a:cs typeface="Tahoma"/>
+              </a:rPr>
+              <a:t>Mine</a:t>
+            </a:r>
+            <a:endParaRPr sz="2000">
+              <a:cs typeface="Tahoma"/>
+            </a:endParaRPr>
+          </a:p>
+        </p:txBody>
+      </p:sp>
+      <p:sp>
+        <p:nvSpPr>
+          <p:cNvPr id="18" name="object 18"/>
+          <p:cNvSpPr txBox="1"/>
+          <p:nvPr/>
+        </p:nvSpPr>
+        <p:spPr>
+          <a:xfrm>
+            <a:off x="824860" y="5623331"/>
+            <a:ext cx="3420000" cy="320601"/>
+          </a:xfrm>
+          <a:prstGeom prst="rect">
+            <a:avLst/>
+          </a:prstGeom>
+        </p:spPr>
+        <p:txBody>
+          <a:bodyPr vert="horz" wrap="square" lIns="0" tIns="12700" rIns="0" bIns="0" rtlCol="0">
+            <a:spAutoFit/>
+          </a:bodyPr>
+          <a:lstStyle/>
+          <a:p>
+            <a:r>
+              <a:rPr sz="2000" dirty="0">
+                <a:cs typeface="Tahoma"/>
+              </a:rPr>
+              <a:t>Low</a:t>
+            </a:r>
+            <a:r>
+              <a:rPr sz="2000" spc="-170" dirty="0">
+                <a:cs typeface="Tahoma"/>
+              </a:rPr>
+              <a:t> </a:t>
+            </a:r>
+            <a:r>
+              <a:rPr sz="2000" dirty="0">
+                <a:cs typeface="Tahoma"/>
+              </a:rPr>
+              <a:t>Cost,</a:t>
+            </a:r>
+            <a:r>
+              <a:rPr sz="2000" spc="-165" dirty="0">
+                <a:cs typeface="Tahoma"/>
+              </a:rPr>
+              <a:t> </a:t>
+            </a:r>
+            <a:r>
+              <a:rPr sz="2000" spc="-25" dirty="0">
+                <a:cs typeface="Tahoma"/>
+              </a:rPr>
+              <a:t>High</a:t>
+            </a:r>
+            <a:r>
+              <a:rPr sz="2000" spc="-170" dirty="0">
+                <a:cs typeface="Tahoma"/>
+              </a:rPr>
+              <a:t> </a:t>
+            </a:r>
+            <a:r>
+              <a:rPr sz="2000" spc="-20" dirty="0">
+                <a:cs typeface="Tahoma"/>
+              </a:rPr>
+              <a:t>Value</a:t>
+            </a:r>
+            <a:endParaRPr sz="2000" dirty="0">
+              <a:cs typeface="Tahoma"/>
+            </a:endParaRPr>
+          </a:p>
+        </p:txBody>
+      </p:sp>
+      <p:sp>
+        <p:nvSpPr>
+          <p:cNvPr id="19" name="object 19"/>
+          <p:cNvSpPr txBox="1"/>
+          <p:nvPr/>
+        </p:nvSpPr>
+        <p:spPr>
+          <a:xfrm>
+            <a:off x="7579898" y="5583932"/>
+            <a:ext cx="3420000" cy="360000"/>
+          </a:xfrm>
+          <a:prstGeom prst="rect">
+            <a:avLst/>
+          </a:prstGeom>
+        </p:spPr>
+        <p:txBody>
+          <a:bodyPr vert="horz" wrap="square" lIns="0" tIns="12700" rIns="0" bIns="0" rtlCol="0">
+            <a:spAutoFit/>
+          </a:bodyPr>
+          <a:lstStyle/>
+          <a:p>
+            <a:r>
+              <a:rPr sz="2000" spc="-25" dirty="0">
+                <a:cs typeface="Tahoma"/>
+              </a:rPr>
+              <a:t>High</a:t>
+            </a:r>
+            <a:r>
+              <a:rPr sz="2000" spc="-170" dirty="0">
+                <a:cs typeface="Tahoma"/>
+              </a:rPr>
+              <a:t> </a:t>
+            </a:r>
+            <a:r>
+              <a:rPr sz="2000" dirty="0">
+                <a:cs typeface="Tahoma"/>
+              </a:rPr>
+              <a:t>Cost,</a:t>
+            </a:r>
+            <a:r>
+              <a:rPr sz="2000" spc="-165" dirty="0">
+                <a:cs typeface="Tahoma"/>
+              </a:rPr>
+              <a:t> </a:t>
+            </a:r>
+            <a:r>
+              <a:rPr sz="2000" spc="-25" dirty="0">
+                <a:cs typeface="Tahoma"/>
+              </a:rPr>
+              <a:t>??</a:t>
+            </a:r>
+            <a:endParaRPr sz="2000" dirty="0">
+              <a:cs typeface="Tahoma"/>
+            </a:endParaRPr>
+          </a:p>
+        </p:txBody>
+      </p:sp>
+      <p:sp>
+        <p:nvSpPr>
+          <p:cNvPr id="21" name="object 6">
+            <a:extLst>
+              <a:ext uri="{FF2B5EF4-FFF2-40B4-BE49-F238E27FC236}">
+                <a16:creationId xmlns:a16="http://schemas.microsoft.com/office/drawing/2014/main" id="{98F23D0D-95FA-8114-A403-ECC8EFCFD77D}"/>
+              </a:ext>
+            </a:extLst>
+          </p:cNvPr>
+          <p:cNvSpPr txBox="1"/>
+          <p:nvPr/>
+        </p:nvSpPr>
+        <p:spPr>
+          <a:xfrm>
+            <a:off x="4415854" y="4133441"/>
+            <a:ext cx="2016000" cy="320601"/>
+          </a:xfrm>
+          <a:prstGeom prst="rect">
+            <a:avLst/>
+          </a:prstGeom>
+        </p:spPr>
+        <p:txBody>
+          <a:bodyPr vert="horz" wrap="square" lIns="0" tIns="12700" rIns="0" bIns="0" rtlCol="0">
+            <a:spAutoFit/>
+          </a:bodyPr>
+          <a:lstStyle/>
+          <a:p>
+            <a:pPr algn="ctr"/>
+            <a:r>
+              <a:rPr sz="2000" b="1" spc="-10" dirty="0">
+                <a:cs typeface="Tahoma"/>
+              </a:rPr>
+              <a:t>Focus</a:t>
+            </a:r>
+            <a:endParaRPr sz="2000" dirty="0">
+              <a:cs typeface="Tahoma"/>
+            </a:endParaRPr>
+          </a:p>
+        </p:txBody>
+      </p:sp>
+      <p:sp>
+        <p:nvSpPr>
+          <p:cNvPr id="22" name="object 6">
+            <a:extLst>
+              <a:ext uri="{FF2B5EF4-FFF2-40B4-BE49-F238E27FC236}">
+                <a16:creationId xmlns:a16="http://schemas.microsoft.com/office/drawing/2014/main" id="{F5D34E74-88C8-9350-6335-1573BB25559B}"/>
+              </a:ext>
+            </a:extLst>
+          </p:cNvPr>
+          <p:cNvSpPr txBox="1"/>
+          <p:nvPr/>
+        </p:nvSpPr>
+        <p:spPr>
+          <a:xfrm>
+            <a:off x="4415854" y="4616939"/>
+            <a:ext cx="2016000" cy="320601"/>
+          </a:xfrm>
+          <a:prstGeom prst="rect">
+            <a:avLst/>
+          </a:prstGeom>
+        </p:spPr>
+        <p:txBody>
+          <a:bodyPr vert="horz" wrap="square" lIns="0" tIns="12700" rIns="0" bIns="0" rtlCol="0">
+            <a:spAutoFit/>
+          </a:bodyPr>
+          <a:lstStyle/>
+          <a:p>
+            <a:pPr algn="ctr"/>
+            <a:r>
+              <a:rPr sz="2000" b="1" spc="-165" dirty="0">
+                <a:cs typeface="Tahoma"/>
+              </a:rPr>
+              <a:t>Networking</a:t>
+            </a:r>
+            <a:endParaRPr sz="2000" dirty="0">
+              <a:cs typeface="Tahoma"/>
+            </a:endParaRPr>
+          </a:p>
+        </p:txBody>
+      </p:sp>
+      <p:sp>
+        <p:nvSpPr>
+          <p:cNvPr id="23" name="object 6">
+            <a:extLst>
+              <a:ext uri="{FF2B5EF4-FFF2-40B4-BE49-F238E27FC236}">
+                <a16:creationId xmlns:a16="http://schemas.microsoft.com/office/drawing/2014/main" id="{43D9580A-FAB5-2461-20CC-1203079D463F}"/>
+              </a:ext>
+            </a:extLst>
+          </p:cNvPr>
+          <p:cNvSpPr txBox="1"/>
+          <p:nvPr/>
+        </p:nvSpPr>
+        <p:spPr>
+          <a:xfrm>
+            <a:off x="4415854" y="3610544"/>
+            <a:ext cx="2016000" cy="320601"/>
+          </a:xfrm>
+          <a:prstGeom prst="rect">
+            <a:avLst/>
+          </a:prstGeom>
+        </p:spPr>
+        <p:txBody>
+          <a:bodyPr vert="horz" wrap="square" lIns="0" tIns="12700" rIns="0" bIns="0" rtlCol="0">
+            <a:spAutoFit/>
+          </a:bodyPr>
+          <a:lstStyle/>
+          <a:p>
+            <a:pPr algn="ctr"/>
+            <a:r>
+              <a:rPr sz="2000" b="1" spc="-10" dirty="0">
+                <a:cs typeface="Tahoma"/>
+              </a:rPr>
+              <a:t>Structure</a:t>
+            </a:r>
+            <a:endParaRPr sz="2000" dirty="0">
+              <a:cs typeface="Tahoma"/>
+            </a:endParaRPr>
+          </a:p>
+        </p:txBody>
+      </p:sp>
+      <p:sp>
+        <p:nvSpPr>
+          <p:cNvPr id="24" name="object 6">
+            <a:extLst>
+              <a:ext uri="{FF2B5EF4-FFF2-40B4-BE49-F238E27FC236}">
+                <a16:creationId xmlns:a16="http://schemas.microsoft.com/office/drawing/2014/main" id="{6FF1F822-44D7-E426-161F-8D86046C7E87}"/>
+              </a:ext>
+            </a:extLst>
+          </p:cNvPr>
+          <p:cNvSpPr txBox="1"/>
+          <p:nvPr/>
+        </p:nvSpPr>
+        <p:spPr>
+          <a:xfrm>
+            <a:off x="4415854" y="5139836"/>
+            <a:ext cx="2016000" cy="320601"/>
+          </a:xfrm>
+          <a:prstGeom prst="rect">
+            <a:avLst/>
+          </a:prstGeom>
+        </p:spPr>
+        <p:txBody>
+          <a:bodyPr vert="horz" wrap="square" lIns="0" tIns="12700" rIns="0" bIns="0" rtlCol="0">
+            <a:spAutoFit/>
+          </a:bodyPr>
+          <a:lstStyle/>
+          <a:p>
+            <a:pPr marR="5080" algn="ctr"/>
+            <a:r>
+              <a:rPr sz="2000" b="1" spc="-170" dirty="0">
+                <a:cs typeface="Tahoma"/>
+              </a:rPr>
+              <a:t>Outcome</a:t>
+            </a:r>
+            <a:r>
+              <a:rPr sz="2000" b="1" spc="-160" dirty="0">
+                <a:cs typeface="Tahoma"/>
+              </a:rPr>
+              <a:t> </a:t>
+            </a:r>
+            <a:r>
+              <a:rPr sz="2000" b="1" spc="-175" dirty="0">
+                <a:cs typeface="Tahoma"/>
+              </a:rPr>
+              <a:t>(Impression)</a:t>
+            </a:r>
+            <a:endParaRPr sz="2000" dirty="0">
+              <a:cs typeface="Tahoma"/>
+            </a:endParaRPr>
+          </a:p>
+        </p:txBody>
+      </p:sp>
+      <p:sp>
+        <p:nvSpPr>
+          <p:cNvPr id="25" name="object 6">
+            <a:extLst>
+              <a:ext uri="{FF2B5EF4-FFF2-40B4-BE49-F238E27FC236}">
+                <a16:creationId xmlns:a16="http://schemas.microsoft.com/office/drawing/2014/main" id="{765A03BE-8742-4BE4-4E9B-8879CD209AA7}"/>
+              </a:ext>
+            </a:extLst>
+          </p:cNvPr>
+          <p:cNvSpPr txBox="1"/>
+          <p:nvPr/>
+        </p:nvSpPr>
+        <p:spPr>
+          <a:xfrm>
+            <a:off x="4415854" y="5623331"/>
+            <a:ext cx="2016000" cy="320601"/>
+          </a:xfrm>
+          <a:prstGeom prst="rect">
+            <a:avLst/>
+          </a:prstGeom>
+        </p:spPr>
+        <p:txBody>
+          <a:bodyPr vert="horz" wrap="square" lIns="0" tIns="12700" rIns="0" bIns="0" rtlCol="0">
+            <a:spAutoFit/>
+          </a:bodyPr>
+          <a:lstStyle/>
+          <a:p>
+            <a:pPr marR="5080" algn="ctr"/>
+            <a:r>
+              <a:rPr sz="2000" b="1" spc="-100" dirty="0">
+                <a:cs typeface="Tahoma"/>
+              </a:rPr>
+              <a:t>Cost</a:t>
+            </a:r>
+            <a:r>
+              <a:rPr sz="2000" b="1" spc="-185" dirty="0">
+                <a:cs typeface="Tahoma"/>
+              </a:rPr>
+              <a:t> </a:t>
+            </a:r>
+            <a:r>
+              <a:rPr sz="2000" b="1" spc="-240" dirty="0">
+                <a:cs typeface="Tahoma"/>
+              </a:rPr>
+              <a:t>/</a:t>
+            </a:r>
+            <a:r>
+              <a:rPr sz="2000" b="1" spc="-180" dirty="0">
+                <a:cs typeface="Tahoma"/>
+              </a:rPr>
+              <a:t> </a:t>
+            </a:r>
+            <a:r>
+              <a:rPr sz="2000" b="1" spc="-20" dirty="0">
+                <a:cs typeface="Tahoma"/>
+              </a:rPr>
+              <a:t>Value</a:t>
+            </a:r>
+            <a:endParaRPr sz="2000" dirty="0">
+              <a:cs typeface="Tahoma"/>
+            </a:endParaRPr>
+          </a:p>
+        </p:txBody>
+      </p:sp>
+      <p:sp>
+        <p:nvSpPr>
+          <p:cNvPr id="26" name="object 6">
+            <a:extLst>
+              <a:ext uri="{FF2B5EF4-FFF2-40B4-BE49-F238E27FC236}">
+                <a16:creationId xmlns:a16="http://schemas.microsoft.com/office/drawing/2014/main" id="{A0455CB9-F30C-866E-9005-0EF774C901F1}"/>
+              </a:ext>
+            </a:extLst>
+          </p:cNvPr>
+          <p:cNvSpPr txBox="1"/>
+          <p:nvPr/>
+        </p:nvSpPr>
+        <p:spPr>
+          <a:xfrm>
+            <a:off x="4415854" y="3087647"/>
+            <a:ext cx="2016000" cy="320601"/>
+          </a:xfrm>
+          <a:prstGeom prst="rect">
+            <a:avLst/>
+          </a:prstGeom>
+        </p:spPr>
+        <p:txBody>
+          <a:bodyPr vert="horz" wrap="square" lIns="0" tIns="12700" rIns="0" bIns="0" rtlCol="0">
+            <a:spAutoFit/>
+          </a:bodyPr>
+          <a:lstStyle/>
+          <a:p>
+            <a:pPr algn="ctr"/>
+            <a:r>
+              <a:rPr lang="en-US" sz="2000" b="1" spc="-10" dirty="0">
+                <a:cs typeface="Tahoma"/>
+              </a:rPr>
+              <a:t>Format</a:t>
+            </a:r>
+            <a:endParaRPr lang="en-US" sz="2000" dirty="0">
+              <a:cs typeface="Tahoma"/>
+            </a:endParaRPr>
+          </a:p>
+        </p:txBody>
+      </p:sp>
+      <p:cxnSp>
+        <p:nvCxnSpPr>
+          <p:cNvPr id="28" name="Gerader Verbinder 27">
+            <a:extLst>
+              <a:ext uri="{FF2B5EF4-FFF2-40B4-BE49-F238E27FC236}">
+                <a16:creationId xmlns:a16="http://schemas.microsoft.com/office/drawing/2014/main" id="{2F8C039D-C693-2B37-5F49-4CDACD41153E}"/>
+              </a:ext>
+            </a:extLst>
+          </p:cNvPr>
+          <p:cNvCxnSpPr/>
+          <p:nvPr/>
+        </p:nvCxnSpPr>
+        <p:spPr>
+          <a:xfrm>
+            <a:off x="824860" y="2474752"/>
+            <a:ext cx="10114384" cy="0"/>
+          </a:xfrm>
+          <a:prstGeom prst="line">
+            <a:avLst/>
+          </a:prstGeom>
+          <a:ln>
+            <a:solidFill>
+              <a:schemeClr val="tx1"/>
+            </a:solidFill>
+          </a:ln>
+        </p:spPr>
+        <p:style>
+          <a:lnRef idx="1">
+            <a:schemeClr val="accent1"/>
+          </a:lnRef>
+          <a:fillRef idx="0">
+            <a:schemeClr val="accent1"/>
+          </a:fillRef>
+          <a:effectRef idx="0">
+            <a:schemeClr val="accent1"/>
+          </a:effectRef>
+          <a:fontRef idx="minor">
+            <a:schemeClr val="tx1"/>
+          </a:fontRef>
+        </p:style>
+      </p:cxnSp>
     </p:spTree>
     <p:extLst>
       <p:ext uri="{BB962C8B-B14F-4D97-AF65-F5344CB8AC3E}">
-        <p14:creationId xmlns:p14="http://schemas.microsoft.com/office/powerpoint/2010/main" val="1492160003"/>
+        <p14:creationId xmlns:p14="http://schemas.microsoft.com/office/powerpoint/2010/main" val="236783753"/>
       </p:ext>
     </p:extLst>
   </p:cSld>
@@ -4082,10 +7586,10 @@
       </p:grpSpPr>
       <p:sp>
         <p:nvSpPr>
-          <p:cNvPr id="2" name="Title 1">
-            <a:extLst>
-              <a:ext uri="{FF2B5EF4-FFF2-40B4-BE49-F238E27FC236}">
-                <a16:creationId xmlns:a16="http://schemas.microsoft.com/office/drawing/2014/main" id="{AABDCE0F-3A18-CA5D-3483-5479E6E26EC7}"/>
+          <p:cNvPr id="2" name="Titel 1">
+            <a:extLst>
+              <a:ext uri="{FF2B5EF4-FFF2-40B4-BE49-F238E27FC236}">
+                <a16:creationId xmlns:a16="http://schemas.microsoft.com/office/drawing/2014/main" id="{886EBC96-0B37-3D2D-1B33-61FBD603D9C5}"/>
               </a:ext>
             </a:extLst>
           </p:cNvPr>
@@ -4102,23 +7606,51 @@
           <a:lstStyle/>
           <a:p>
             <a:r>
-              <a:rPr lang="en-US" dirty="0"/>
-              <a:t>Recruitment for members of </a:t>
-            </a:r>
-            <a:r>
-              <a:rPr lang="en-US" dirty="0" smtClean="0"/>
-              <a:t>SOC</a:t>
-            </a:r>
-            <a:endParaRPr lang="da-DK" dirty="0"/>
-          </a:p>
-        </p:txBody>
-      </p:sp>
-      <p:sp>
-        <p:nvSpPr>
-          <p:cNvPr id="3" name="Content Placeholder 2">
-            <a:extLst>
-              <a:ext uri="{FF2B5EF4-FFF2-40B4-BE49-F238E27FC236}">
-                <a16:creationId xmlns:a16="http://schemas.microsoft.com/office/drawing/2014/main" id="{CB5600D6-B72E-2B73-A797-F59986F9B4EC}"/>
+              <a:rPr lang="de-DE" spc="-60" dirty="0"/>
+              <a:t>Key</a:t>
+            </a:r>
+            <a:r>
+              <a:rPr lang="de-DE" spc="-385" dirty="0"/>
+              <a:t> </a:t>
+            </a:r>
+            <a:r>
+              <a:rPr lang="de-DE" spc="-10" dirty="0" err="1"/>
+              <a:t>themes</a:t>
+            </a:r>
+            <a:r>
+              <a:rPr lang="de-DE" spc="-10" dirty="0"/>
+              <a:t> </a:t>
+            </a:r>
+            <a:r>
+              <a:rPr lang="de-DE" spc="-10" dirty="0" err="1"/>
+              <a:t>of</a:t>
+            </a:r>
+            <a:r>
+              <a:rPr lang="de-DE" spc="-10" dirty="0"/>
+              <a:t> </a:t>
+            </a:r>
+            <a:r>
+              <a:rPr lang="de-DE" spc="-10" dirty="0" err="1"/>
+              <a:t>the</a:t>
+            </a:r>
+            <a:r>
+              <a:rPr lang="de-DE" spc="-10" dirty="0"/>
+              <a:t> </a:t>
+            </a:r>
+            <a:r>
+              <a:rPr lang="de-DE" spc="-10" dirty="0" err="1"/>
+              <a:t>workshop</a:t>
+            </a:r>
+            <a:endParaRPr lang="en-US" dirty="0"/>
+          </a:p>
+        </p:txBody>
+      </p:sp>
+      <p:sp>
+        <p:nvSpPr>
+          <p:cNvPr id="3" name="Inhaltsplatzhalter 2">
+            <a:extLst>
+              <a:ext uri="{FF2B5EF4-FFF2-40B4-BE49-F238E27FC236}">
+                <a16:creationId xmlns:a16="http://schemas.microsoft.com/office/drawing/2014/main" id="{0FCDAAD4-1D4F-719F-6A2A-732DE67778C8}"/>
               </a:ext>
             </a:extLst>
           </p:cNvPr>
@@ -4131,113 +7663,136 @@
         </p:nvSpPr>
         <p:spPr/>
         <p:txBody>
-          <a:bodyPr/>
-          <a:lstStyle/>
-          <a:p>
+          <a:bodyPr>
+            <a:normAutofit/>
+          </a:bodyPr>
+          <a:lstStyle/>
+          <a:p>
+            <a:pPr marL="228600" marR="192405" lvl="2">
+              <a:lnSpc>
+                <a:spcPct val="70000"/>
+              </a:lnSpc>
+              <a:spcBef>
+                <a:spcPts val="1000"/>
+              </a:spcBef>
+              <a:tabLst>
+                <a:tab pos="570865" algn="l"/>
+              </a:tabLst>
+            </a:pPr>
+            <a:r>
+              <a:rPr lang="en-US" sz="2600" dirty="0"/>
+              <a:t>Focus on OURS, not Mine</a:t>
+            </a:r>
+          </a:p>
+          <a:p>
+            <a:pPr marL="685800" marR="192405" lvl="3">
+              <a:lnSpc>
+                <a:spcPct val="70000"/>
+              </a:lnSpc>
+              <a:spcBef>
+                <a:spcPts val="1000"/>
+              </a:spcBef>
+              <a:tabLst>
+                <a:tab pos="570865" algn="l"/>
+              </a:tabLst>
+            </a:pPr>
             <a:r>
               <a:rPr lang="en-US" sz="2400" dirty="0"/>
-              <a:t>Make call through EFSPI </a:t>
-            </a:r>
-            <a:r>
-              <a:rPr lang="en-US" sz="2400" dirty="0" smtClean="0"/>
-              <a:t>Council and via </a:t>
-            </a:r>
-            <a:r>
-              <a:rPr lang="en-US" sz="2400" dirty="0" err="1" smtClean="0"/>
-              <a:t>linkedin</a:t>
-            </a:r>
-            <a:r>
-              <a:rPr lang="en-US" sz="2400" dirty="0" smtClean="0"/>
-              <a:t>.</a:t>
-            </a:r>
-            <a:endParaRPr lang="en-US" sz="2400" dirty="0"/>
-          </a:p>
-          <a:p>
+              <a:t>Emphasizes "OUR" challenges over “My method”</a:t>
+            </a:r>
+          </a:p>
+          <a:p>
+            <a:pPr marL="685800" marR="741680" lvl="3">
+              <a:lnSpc>
+                <a:spcPct val="70000"/>
+              </a:lnSpc>
+              <a:spcBef>
+                <a:spcPts val="1000"/>
+              </a:spcBef>
+              <a:tabLst>
+                <a:tab pos="570865" algn="l"/>
+              </a:tabLst>
+            </a:pPr>
+            <a:r>
+              <a:rPr lang="en-US" sz="2400" dirty="0"/>
+              <a:t>Single plenary track facilitates common focus vs. fragmented discussions</a:t>
+            </a:r>
+          </a:p>
+          <a:p>
+            <a:pPr marL="685800" marR="5080" lvl="3">
+              <a:lnSpc>
+                <a:spcPct val="70000"/>
+              </a:lnSpc>
+              <a:spcBef>
+                <a:spcPts val="1000"/>
+              </a:spcBef>
+              <a:tabLst>
+                <a:tab pos="570865" algn="l"/>
+              </a:tabLst>
+            </a:pPr>
+            <a:r>
+              <a:rPr lang="en-US" sz="2400" dirty="0"/>
+              <a:t>Scientiﬁc Committee (SC) identiﬁes and curates a program of the most important topics of mutual interest</a:t>
+            </a:r>
+          </a:p>
+          <a:p>
+            <a:pPr marL="228600" marR="5080" lvl="2">
+              <a:lnSpc>
+                <a:spcPct val="70000"/>
+              </a:lnSpc>
+              <a:spcBef>
+                <a:spcPts val="1000"/>
+              </a:spcBef>
+              <a:tabLst>
+                <a:tab pos="570865" algn="l"/>
+              </a:tabLst>
+            </a:pPr>
+            <a:r>
+              <a:rPr lang="en-US" sz="2600" dirty="0"/>
+              <a:t>Discussion is the primary focus</a:t>
+            </a:r>
+          </a:p>
+          <a:p>
+            <a:pPr marL="228600" marR="5080" lvl="2">
+              <a:lnSpc>
+                <a:spcPct val="70000"/>
+              </a:lnSpc>
+              <a:spcBef>
+                <a:spcPts val="1000"/>
+              </a:spcBef>
+              <a:tabLst>
+                <a:tab pos="570865" algn="l"/>
+              </a:tabLst>
+            </a:pPr>
+            <a:r>
+              <a:rPr lang="en-US" sz="2600" dirty="0"/>
+              <a:t>Create a safe space to discuss hard things</a:t>
+            </a:r>
+          </a:p>
+          <a:p>
+            <a:pPr marL="228600" marR="5080" lvl="2">
+              <a:lnSpc>
+                <a:spcPct val="70000"/>
+              </a:lnSpc>
+              <a:spcBef>
+                <a:spcPts val="1000"/>
+              </a:spcBef>
+              <a:tabLst>
+                <a:tab pos="570865" algn="l"/>
+              </a:tabLst>
+            </a:pPr>
+            <a:r>
+              <a:rPr lang="en-US" sz="2600" dirty="0"/>
+              <a:t>Create a lasting impact</a:t>
+            </a:r>
             <a:endParaRPr lang="en-US" dirty="0"/>
-          </a:p>
-          <a:p>
-            <a:r>
-              <a:rPr lang="en-US" sz="2400" dirty="0"/>
-              <a:t>Clearly specify role and expectations (documented on workshop website</a:t>
-            </a:r>
-            <a:r>
-              <a:rPr lang="en-US" sz="2400" dirty="0" smtClean="0"/>
-              <a:t>).</a:t>
-            </a:r>
-            <a:endParaRPr lang="en-US" sz="2400" dirty="0"/>
-          </a:p>
-          <a:p>
-            <a:pPr lvl="1"/>
-            <a:r>
-              <a:rPr lang="en-US" dirty="0"/>
-              <a:t>Active presence at </a:t>
-            </a:r>
-            <a:r>
-              <a:rPr lang="en-US" dirty="0" smtClean="0"/>
-              <a:t>regulatory preparatory </a:t>
-            </a:r>
-            <a:r>
-              <a:rPr lang="en-US" dirty="0"/>
-              <a:t>meetings (topics and speakers/panelists</a:t>
-            </a:r>
-            <a:r>
-              <a:rPr lang="en-US" dirty="0" smtClean="0"/>
-              <a:t>).</a:t>
-            </a:r>
-            <a:endParaRPr lang="en-US" dirty="0"/>
-          </a:p>
-          <a:p>
-            <a:pPr lvl="1"/>
-            <a:r>
-              <a:rPr lang="en-US" dirty="0"/>
-              <a:t>Co-chair session at </a:t>
-            </a:r>
-            <a:r>
-              <a:rPr lang="en-US" dirty="0" smtClean="0"/>
-              <a:t>workshop.</a:t>
-            </a:r>
-          </a:p>
-          <a:p>
-            <a:pPr lvl="1"/>
-            <a:r>
-              <a:rPr lang="en-US" dirty="0" smtClean="0"/>
-              <a:t>Collect topics for short </a:t>
-            </a:r>
-            <a:r>
-              <a:rPr lang="en-US" smtClean="0"/>
-              <a:t>topic session.</a:t>
-            </a:r>
-            <a:endParaRPr lang="en-US" dirty="0" smtClean="0"/>
-          </a:p>
-          <a:p>
-            <a:pPr marL="457200" lvl="1" indent="0">
-              <a:buNone/>
-            </a:pPr>
-            <a:endParaRPr lang="en-US" dirty="0"/>
-          </a:p>
-          <a:p>
-            <a:r>
-              <a:rPr lang="en-US" sz="2400" dirty="0"/>
-              <a:t>If company already represented, it needs to be discussed internally in the company, who will be the </a:t>
-            </a:r>
-            <a:r>
-              <a:rPr lang="en-US" sz="2400" dirty="0" smtClean="0"/>
-              <a:t>SOC </a:t>
-            </a:r>
-            <a:r>
-              <a:rPr lang="en-US" sz="2400" dirty="0"/>
-              <a:t>member (Exception: shadowing LOC members).</a:t>
-            </a:r>
-          </a:p>
-          <a:p>
-            <a:endParaRPr lang="da-DK" dirty="0"/>
           </a:p>
         </p:txBody>
       </p:sp>
     </p:spTree>
     <p:extLst>
       <p:ext uri="{BB962C8B-B14F-4D97-AF65-F5344CB8AC3E}">
-        <p14:creationId xmlns:p14="http://schemas.microsoft.com/office/powerpoint/2010/main" val="3399313836"/>
+        <p14:creationId xmlns:p14="http://schemas.microsoft.com/office/powerpoint/2010/main" val="3116672524"/>
       </p:ext>
     </p:extLst>
   </p:cSld>
@@ -4266,10 +7821,10 @@
       </p:grpSpPr>
       <p:sp>
         <p:nvSpPr>
-          <p:cNvPr id="2" name="Title 1">
-            <a:extLst>
-              <a:ext uri="{FF2B5EF4-FFF2-40B4-BE49-F238E27FC236}">
-                <a16:creationId xmlns:a16="http://schemas.microsoft.com/office/drawing/2014/main" id="{171CE649-E53E-661B-8621-B3A1FC965F16}"/>
+          <p:cNvPr id="2" name="Titel 1">
+            <a:extLst>
+              <a:ext uri="{FF2B5EF4-FFF2-40B4-BE49-F238E27FC236}">
+                <a16:creationId xmlns:a16="http://schemas.microsoft.com/office/drawing/2014/main" id="{569DDD15-5846-BEFA-827C-2EE4DF6329DD}"/>
               </a:ext>
             </a:extLst>
           </p:cNvPr>
@@ -4280,29 +7835,65 @@
             <p:ph type="title"/>
           </p:nvPr>
         </p:nvSpPr>
-        <p:spPr>
-          <a:xfrm>
-            <a:off x="436228" y="365125"/>
-            <a:ext cx="11534862" cy="918391"/>
-          </a:xfrm>
-        </p:spPr>
+        <p:spPr/>
         <p:txBody>
           <a:bodyPr/>
           <a:lstStyle/>
           <a:p>
             <a:r>
-              <a:rPr lang="da-DK" dirty="0"/>
-              <a:t>Local Organising Committee – guiding principles</a:t>
-            </a:r>
-          </a:p>
-        </p:txBody>
-      </p:sp>
-      <p:sp>
-        <p:nvSpPr>
-          <p:cNvPr id="3" name="Content Placeholder 2">
-            <a:extLst>
-              <a:ext uri="{FF2B5EF4-FFF2-40B4-BE49-F238E27FC236}">
-                <a16:creationId xmlns:a16="http://schemas.microsoft.com/office/drawing/2014/main" id="{7E265876-52B6-618E-A5C1-138CB34C476F}"/>
+              <a:rPr lang="en-US" spc="-135" dirty="0"/>
+              <a:t>Why</a:t>
+            </a:r>
+            <a:r>
+              <a:rPr lang="en-US" spc="-305" dirty="0"/>
+              <a:t> </a:t>
+            </a:r>
+            <a:r>
+              <a:rPr lang="en-US" spc="95" dirty="0"/>
+              <a:t>is</a:t>
+            </a:r>
+            <a:r>
+              <a:rPr lang="en-US" spc="-305" dirty="0"/>
+              <a:t> </a:t>
+            </a:r>
+            <a:r>
+              <a:rPr lang="en-US" dirty="0"/>
+              <a:t>discussion</a:t>
+            </a:r>
+            <a:r>
+              <a:rPr lang="en-US" spc="-300" dirty="0"/>
+              <a:t> </a:t>
+            </a:r>
+            <a:r>
+              <a:rPr lang="en-US" dirty="0"/>
+              <a:t>the</a:t>
+            </a:r>
+            <a:r>
+              <a:rPr lang="en-US" spc="-305" dirty="0"/>
+              <a:t> </a:t>
+            </a:r>
+            <a:r>
+              <a:rPr lang="en-US" spc="-10" dirty="0"/>
+              <a:t>primary</a:t>
+            </a:r>
+            <a:r>
+              <a:rPr lang="en-US" spc="-300" dirty="0"/>
+              <a:t> </a:t>
+            </a:r>
+            <a:r>
+              <a:rPr lang="en-US" spc="-10" dirty="0"/>
+              <a:t>focus?</a:t>
+            </a:r>
+            <a:endParaRPr lang="en-US" dirty="0"/>
+          </a:p>
+        </p:txBody>
+      </p:sp>
+      <p:sp>
+        <p:nvSpPr>
+          <p:cNvPr id="3" name="Inhaltsplatzhalter 2">
+            <a:extLst>
+              <a:ext uri="{FF2B5EF4-FFF2-40B4-BE49-F238E27FC236}">
+                <a16:creationId xmlns:a16="http://schemas.microsoft.com/office/drawing/2014/main" id="{57A40F8C-4F2D-B7B0-6259-C02A8F7ACA6D}"/>
               </a:ext>
             </a:extLst>
           </p:cNvPr>
@@ -4313,156 +7904,128 @@
             <p:ph idx="1"/>
           </p:nvPr>
         </p:nvSpPr>
-        <p:spPr>
-          <a:xfrm>
-            <a:off x="838199" y="1283516"/>
-            <a:ext cx="10857931" cy="5427473"/>
-          </a:xfrm>
-        </p:spPr>
-        <p:txBody>
-          <a:bodyPr>
-            <a:normAutofit fontScale="85000" lnSpcReduction="20000"/>
-          </a:bodyPr>
-          <a:lstStyle/>
-          <a:p>
-            <a:r>
-              <a:rPr lang="en-US" dirty="0"/>
-              <a:t>Overarching focus: </a:t>
-            </a:r>
-          </a:p>
-          <a:p>
-            <a:pPr lvl="1"/>
-            <a:r>
-              <a:rPr lang="en-US" dirty="0"/>
-              <a:t>Strategic direction of the workshop organization and evolution, ensuring quality and sustainability of the </a:t>
-            </a:r>
-            <a:r>
-              <a:rPr lang="en-US" dirty="0" smtClean="0"/>
-              <a:t>workshop.</a:t>
-            </a:r>
+        <p:spPr/>
+        <p:txBody>
+          <a:bodyPr/>
+          <a:lstStyle/>
+          <a:p>
+            <a:pPr marL="228600" marR="5080" lvl="2">
+              <a:lnSpc>
+                <a:spcPct val="70000"/>
+              </a:lnSpc>
+              <a:spcBef>
+                <a:spcPts val="1000"/>
+              </a:spcBef>
+              <a:tabLst>
+                <a:tab pos="570865" algn="l"/>
+              </a:tabLst>
+            </a:pPr>
+            <a:r>
+              <a:rPr lang="en-US" sz="2600" dirty="0"/>
+              <a:t>Intentionally different:	</a:t>
+            </a:r>
+            <a:br>
+              <a:rPr lang="en-US" sz="2600" dirty="0"/>
+            </a:br>
+            <a:r>
+              <a:rPr lang="en-US" sz="2600" dirty="0"/>
+              <a:t>There are many other conferences where people can present their latest methods inventions</a:t>
+            </a:r>
+          </a:p>
+          <a:p>
+            <a:pPr marL="228600" marR="5080" lvl="2">
+              <a:lnSpc>
+                <a:spcPct val="70000"/>
+              </a:lnSpc>
+              <a:spcBef>
+                <a:spcPts val="1000"/>
+              </a:spcBef>
+              <a:tabLst>
+                <a:tab pos="570865" algn="l"/>
+              </a:tabLst>
+            </a:pPr>
+            <a:r>
+              <a:rPr lang="en-US" sz="2600" dirty="0"/>
+              <a:t>Adoption of innovation is hard</a:t>
+            </a:r>
+          </a:p>
+          <a:p>
+            <a:pPr marL="685800" marR="5080" lvl="3">
+              <a:lnSpc>
+                <a:spcPct val="70000"/>
+              </a:lnSpc>
+              <a:spcBef>
+                <a:spcPts val="1000"/>
+              </a:spcBef>
+              <a:tabLst>
+                <a:tab pos="570865" algn="l"/>
+              </a:tabLst>
+            </a:pPr>
+            <a:r>
+              <a:rPr lang="en-US" sz="2400" dirty="0"/>
+              <a:t>Clear statement of the problem</a:t>
+            </a:r>
+          </a:p>
+          <a:p>
+            <a:pPr marL="685800" marR="5080" lvl="3">
+              <a:lnSpc>
+                <a:spcPct val="70000"/>
+              </a:lnSpc>
+              <a:spcBef>
+                <a:spcPts val="1000"/>
+              </a:spcBef>
+              <a:tabLst>
+                <a:tab pos="570865" algn="l"/>
+              </a:tabLst>
+            </a:pPr>
+            <a:r>
+              <a:rPr lang="en-US" sz="2400" dirty="0"/>
+              <a:t>Understand barriers</a:t>
+            </a:r>
+          </a:p>
+          <a:p>
+            <a:pPr marL="685800" marR="5080" lvl="3">
+              <a:lnSpc>
+                <a:spcPct val="70000"/>
+              </a:lnSpc>
+              <a:spcBef>
+                <a:spcPts val="1000"/>
+              </a:spcBef>
+              <a:tabLst>
+                <a:tab pos="570865" algn="l"/>
+              </a:tabLst>
+            </a:pPr>
+            <a:r>
+              <a:rPr lang="en-US" sz="2400" dirty="0"/>
+              <a:t>Create safe space for dialog</a:t>
+            </a:r>
+          </a:p>
+          <a:p>
+            <a:pPr marL="228600" marR="5080" lvl="2">
+              <a:lnSpc>
+                <a:spcPct val="70000"/>
+              </a:lnSpc>
+              <a:spcBef>
+                <a:spcPts val="1000"/>
+              </a:spcBef>
+              <a:tabLst>
+                <a:tab pos="570865" algn="l"/>
+              </a:tabLst>
+            </a:pPr>
+            <a:r>
+              <a:rPr lang="en-US" sz="2600" dirty="0"/>
+              <a:t>Relationships take time to build</a:t>
+            </a:r>
+          </a:p>
+          <a:p>
             <a:endParaRPr lang="en-US" dirty="0"/>
-          </a:p>
-          <a:p>
-            <a:pPr lvl="1"/>
-            <a:r>
-              <a:rPr lang="en-US" dirty="0"/>
-              <a:t>Maintaining the workshop hallmark “spirit” and strategic </a:t>
-            </a:r>
-            <a:r>
-              <a:rPr lang="en-US" dirty="0" smtClean="0"/>
-              <a:t>focus.</a:t>
-            </a:r>
-            <a:endParaRPr lang="en-US" dirty="0"/>
-          </a:p>
-          <a:p>
-            <a:r>
-              <a:rPr lang="en-US" dirty="0"/>
-              <a:t>Main tasks: organization and coordination of</a:t>
-            </a:r>
-          </a:p>
-          <a:p>
-            <a:pPr lvl="1"/>
-            <a:r>
-              <a:rPr lang="en-US" dirty="0"/>
-              <a:t>on-site support (cameras, mics, chat observers, …),</a:t>
-            </a:r>
-          </a:p>
-          <a:p>
-            <a:pPr lvl="1"/>
-            <a:r>
-              <a:rPr lang="en-US" dirty="0"/>
-              <a:t>venue, </a:t>
-            </a:r>
-          </a:p>
-          <a:p>
-            <a:pPr lvl="1"/>
-            <a:r>
-              <a:rPr lang="en-US" dirty="0"/>
-              <a:t>catering, </a:t>
-            </a:r>
-          </a:p>
-          <a:p>
-            <a:pPr lvl="1"/>
-            <a:r>
-              <a:rPr lang="en-US" dirty="0"/>
-              <a:t>technicians, </a:t>
-            </a:r>
-          </a:p>
-          <a:p>
-            <a:pPr lvl="1"/>
-            <a:r>
-              <a:rPr lang="en-US" dirty="0"/>
-              <a:t>set up of registration,</a:t>
-            </a:r>
-          </a:p>
-          <a:p>
-            <a:pPr lvl="1"/>
-            <a:r>
-              <a:rPr lang="en-US" dirty="0"/>
-              <a:t>budget, payment administration, certificates.</a:t>
-            </a:r>
-          </a:p>
-          <a:p>
-            <a:r>
-              <a:rPr lang="da-DK" dirty="0"/>
-              <a:t>Approximately 5 members plus shadowing members.</a:t>
-            </a:r>
-          </a:p>
-          <a:p>
-            <a:r>
-              <a:rPr lang="da-DK" dirty="0"/>
-              <a:t>All members including shadowing members can be members of the </a:t>
-            </a:r>
-            <a:r>
-              <a:rPr lang="da-DK" dirty="0" smtClean="0"/>
-              <a:t>SOC.</a:t>
-            </a:r>
-            <a:endParaRPr lang="da-DK" dirty="0"/>
-          </a:p>
-          <a:p>
-            <a:r>
-              <a:rPr lang="da-DK" dirty="0"/>
-              <a:t>Priority to truly local representatives. </a:t>
-            </a:r>
-            <a:br>
-              <a:rPr lang="da-DK" dirty="0"/>
-            </a:br>
-            <a:r>
-              <a:rPr lang="da-DK" dirty="0"/>
-              <a:t>Exceptions: if necessary, a non-local member can be considered for:</a:t>
-            </a:r>
-          </a:p>
-          <a:p>
-            <a:pPr lvl="1"/>
-            <a:r>
-              <a:rPr lang="da-DK" dirty="0"/>
-              <a:t>Specific key role: Chair, </a:t>
-            </a:r>
-            <a:r>
-              <a:rPr lang="en-US" dirty="0"/>
-              <a:t>EFSPI Council liaison, treasurer</a:t>
-            </a:r>
-            <a:r>
-              <a:rPr lang="da-DK" dirty="0"/>
-              <a:t>.</a:t>
-            </a:r>
-          </a:p>
-          <a:p>
-            <a:pPr lvl="1"/>
-            <a:r>
-              <a:rPr lang="da-DK" dirty="0"/>
-              <a:t>Anticipated different location (shadowing the year before).</a:t>
-            </a:r>
-          </a:p>
-          <a:p>
-            <a:endParaRPr lang="da-DK" dirty="0"/>
           </a:p>
         </p:txBody>
       </p:sp>
     </p:spTree>
     <p:extLst>
       <p:ext uri="{BB962C8B-B14F-4D97-AF65-F5344CB8AC3E}">
-        <p14:creationId xmlns:p14="http://schemas.microsoft.com/office/powerpoint/2010/main" val="3171739659"/>
+        <p14:creationId xmlns:p14="http://schemas.microsoft.com/office/powerpoint/2010/main" val="1136763951"/>
       </p:ext>
     </p:extLst>
   </p:cSld>
@@ -4491,10 +8054,10 @@
       </p:grpSpPr>
       <p:sp>
         <p:nvSpPr>
-          <p:cNvPr id="2" name="Title 1">
-            <a:extLst>
-              <a:ext uri="{FF2B5EF4-FFF2-40B4-BE49-F238E27FC236}">
-                <a16:creationId xmlns:a16="http://schemas.microsoft.com/office/drawing/2014/main" id="{5452A81A-5C9E-E89D-93F3-E2148367FF23}"/>
+          <p:cNvPr id="2" name="Titel 1">
+            <a:extLst>
+              <a:ext uri="{FF2B5EF4-FFF2-40B4-BE49-F238E27FC236}">
+                <a16:creationId xmlns:a16="http://schemas.microsoft.com/office/drawing/2014/main" id="{6D31EF0C-DFAB-6094-DAFE-9CADEE9A1B76}"/>
               </a:ext>
             </a:extLst>
           </p:cNvPr>
@@ -4502,7 +8065,7 @@
             <a:spLocks noGrp="1"/>
           </p:cNvSpPr>
           <p:nvPr>
-            <p:ph type="title"/>
+            <p:ph type="ctrTitle"/>
           </p:nvPr>
         </p:nvSpPr>
         <p:spPr/>
@@ -4512,7 +8075,7 @@
           <a:p>
             <a:r>
               <a:rPr lang="en-US" dirty="0"/>
-              <a:t>Recruitment for members of Local </a:t>
+              <a:t>Local </a:t>
             </a:r>
             <a:r>
               <a:rPr lang="en-US" dirty="0" err="1"/>
@@ -4522,119 +8085,20 @@
               <a:rPr lang="en-US" dirty="0"/>
               <a:t> Committee</a:t>
             </a:r>
-            <a:endParaRPr lang="da-DK" dirty="0"/>
-          </a:p>
-        </p:txBody>
-      </p:sp>
-      <p:sp>
-        <p:nvSpPr>
-          <p:cNvPr id="3" name="Content Placeholder 2">
-            <a:extLst>
-              <a:ext uri="{FF2B5EF4-FFF2-40B4-BE49-F238E27FC236}">
-                <a16:creationId xmlns:a16="http://schemas.microsoft.com/office/drawing/2014/main" id="{4E459ECA-286A-3393-BF6F-48B0B0C6CE3E}"/>
-              </a:ext>
-            </a:extLst>
-          </p:cNvPr>
-          <p:cNvSpPr>
-            <a:spLocks noGrp="1"/>
-          </p:cNvSpPr>
-          <p:nvPr>
-            <p:ph idx="1"/>
-          </p:nvPr>
-        </p:nvSpPr>
-        <p:spPr>
-          <a:xfrm>
-            <a:off x="838200" y="1825625"/>
-            <a:ext cx="10926170" cy="4351338"/>
-          </a:xfrm>
-        </p:spPr>
-        <p:txBody>
-          <a:bodyPr/>
-          <a:lstStyle/>
-          <a:p>
-            <a:r>
+            <a:br>
               <a:rPr lang="en-US" dirty="0"/>
-              <a:t>Primarily through local personal recruitment.</a:t>
-            </a:r>
-          </a:p>
-          <a:p>
-            <a:pPr lvl="1"/>
+            </a:br>
             <a:r>
               <a:rPr lang="en-US" dirty="0"/>
-              <a:t>Reach out to local people through e.g., BBS or within local companies</a:t>
-            </a:r>
-          </a:p>
-          <a:p>
-            <a:endParaRPr lang="en-US" dirty="0" smtClean="0"/>
-          </a:p>
-          <a:p>
-            <a:r>
-              <a:rPr lang="en-US" dirty="0" smtClean="0"/>
-              <a:t>Maintaining </a:t>
-            </a:r>
-            <a:r>
-              <a:rPr lang="en-US" dirty="0"/>
-              <a:t>continuity of workshop spirit, network &amp; operating </a:t>
-            </a:r>
-            <a:r>
-              <a:rPr lang="en-US" dirty="0" smtClean="0"/>
-              <a:t>model.</a:t>
-            </a:r>
-            <a:endParaRPr lang="en-US" dirty="0"/>
-          </a:p>
-          <a:p>
-            <a:pPr lvl="1"/>
-            <a:r>
-              <a:rPr lang="en-US" dirty="0"/>
-              <a:t>Renewal of LOC members considered over the long term (no fixed frequency</a:t>
-            </a:r>
-            <a:r>
-              <a:rPr lang="en-US" dirty="0" smtClean="0"/>
-              <a:t>).</a:t>
-            </a:r>
-            <a:endParaRPr lang="en-US" dirty="0"/>
-          </a:p>
-          <a:p>
-            <a:pPr lvl="1"/>
-            <a:r>
-              <a:rPr lang="en-US" dirty="0"/>
-              <a:t>Use of a shadowing process to ensure onboarding and continuity of spirit over a sufficient period of </a:t>
-            </a:r>
-            <a:r>
-              <a:rPr lang="en-US" dirty="0" smtClean="0"/>
-              <a:t>time.</a:t>
-            </a:r>
-            <a:endParaRPr lang="en-US" dirty="0"/>
-          </a:p>
-          <a:p>
-            <a:pPr lvl="1"/>
-            <a:r>
-              <a:rPr lang="en-US" dirty="0"/>
-              <a:t>Monitoring and ad hoc adjustments of </a:t>
-            </a:r>
-            <a:r>
-              <a:rPr lang="en-US" dirty="0" smtClean="0"/>
-              <a:t>SOC </a:t>
-            </a:r>
-            <a:r>
-              <a:rPr lang="en-US" dirty="0"/>
-              <a:t>contributions in case of </a:t>
-            </a:r>
-            <a:r>
-              <a:rPr lang="en-US" dirty="0" smtClean="0"/>
-              <a:t>shadowing.</a:t>
-            </a:r>
-            <a:endParaRPr lang="en-US" dirty="0"/>
-          </a:p>
-          <a:p>
-            <a:endParaRPr lang="da-DK" dirty="0"/>
+              <a:t>(LOC)</a:t>
+            </a:r>
           </a:p>
         </p:txBody>
       </p:sp>
     </p:spTree>
     <p:extLst>
       <p:ext uri="{BB962C8B-B14F-4D97-AF65-F5344CB8AC3E}">
-        <p14:creationId xmlns:p14="http://schemas.microsoft.com/office/powerpoint/2010/main" val="3904267516"/>
+        <p14:creationId xmlns:p14="http://schemas.microsoft.com/office/powerpoint/2010/main" val="341333840"/>
       </p:ext>
     </p:extLst>
   </p:cSld>
@@ -4666,7 +8130,7 @@
           <p:cNvPr id="2" name="Title 1">
             <a:extLst>
               <a:ext uri="{FF2B5EF4-FFF2-40B4-BE49-F238E27FC236}">
-                <a16:creationId xmlns:a16="http://schemas.microsoft.com/office/drawing/2014/main" id="{734F68E4-72E6-513E-3AA5-369F3AD9FAB7}"/>
+                <a16:creationId xmlns:a16="http://schemas.microsoft.com/office/drawing/2014/main" id="{171CE649-E53E-661B-8621-B3A1FC965F16}"/>
               </a:ext>
             </a:extLst>
           </p:cNvPr>
@@ -4684,7 +8148,7 @@
           <a:p>
             <a:r>
               <a:rPr lang="da-DK" dirty="0"/>
-              <a:t>Chair – guiding principles</a:t>
+              <a:t>LOC – guiding principles</a:t>
             </a:r>
           </a:p>
         </p:txBody>
@@ -4694,7 +8158,7 @@
           <p:cNvPr id="3" name="Content Placeholder 2">
             <a:extLst>
               <a:ext uri="{FF2B5EF4-FFF2-40B4-BE49-F238E27FC236}">
-                <a16:creationId xmlns:a16="http://schemas.microsoft.com/office/drawing/2014/main" id="{5CAEECB0-53BE-4ED0-8F32-168D510C071C}"/>
+                <a16:creationId xmlns:a16="http://schemas.microsoft.com/office/drawing/2014/main" id="{7E265876-52B6-618E-A5C1-138CB34C476F}"/>
               </a:ext>
             </a:extLst>
           </p:cNvPr>
@@ -4707,34 +8171,87 @@
         </p:nvSpPr>
         <p:spPr/>
         <p:txBody>
-          <a:bodyPr/>
-          <a:lstStyle/>
-          <a:p>
-            <a:r>
-              <a:rPr lang="da-DK" dirty="0" smtClean="0"/>
-              <a:t>Tenure of maximum </a:t>
-            </a:r>
+          <a:bodyPr>
+            <a:normAutofit lnSpcReduction="10000"/>
+          </a:bodyPr>
+          <a:lstStyle/>
+          <a:p>
+            <a:r>
+              <a:rPr lang="en-US" dirty="0"/>
+              <a:t>Main tasks: organization and coordination of</a:t>
+            </a:r>
+          </a:p>
+          <a:p>
+            <a:pPr lvl="1"/>
+            <a:r>
+              <a:rPr lang="en-US" dirty="0"/>
+              <a:t>on-site support (welcome desk, badges, banner, …),</a:t>
+            </a:r>
+          </a:p>
+          <a:p>
+            <a:pPr lvl="1"/>
+            <a:r>
+              <a:rPr lang="en-US" dirty="0"/>
+              <a:t>venue (access, equipment, relationships, …) </a:t>
+            </a:r>
+          </a:p>
+          <a:p>
+            <a:pPr lvl="1"/>
+            <a:r>
+              <a:rPr lang="en-US" dirty="0"/>
+              <a:t>catering, </a:t>
+            </a:r>
+          </a:p>
+          <a:p>
+            <a:pPr lvl="1"/>
+            <a:r>
+              <a:rPr lang="en-US" dirty="0"/>
+              <a:t>technicians (IT, cameras, mics, chat observers, …), </a:t>
+            </a:r>
+          </a:p>
+          <a:p>
+            <a:pPr lvl="1"/>
+            <a:r>
+              <a:rPr lang="en-US" dirty="0"/>
+              <a:t>set up of registration + website maintenance,</a:t>
+            </a:r>
+          </a:p>
+          <a:p>
+            <a:pPr lvl="1"/>
+            <a:r>
+              <a:rPr lang="en-US" dirty="0"/>
+              <a:t>budget, payment administration, certificates.</a:t>
+            </a:r>
+          </a:p>
+          <a:p>
             <a:r>
               <a:rPr lang="da-DK" dirty="0"/>
-              <a:t>three years.</a:t>
+              <a:t>Approximately 5 members.</a:t>
             </a:r>
           </a:p>
           <a:p>
             <a:r>
               <a:rPr lang="da-DK" dirty="0"/>
-              <a:t>Experienced drug developer.</a:t>
-            </a:r>
-          </a:p>
-          <a:p>
+              <a:t>Priority to truly local representatives. Exceptions non-local member:</a:t>
+            </a:r>
+          </a:p>
+          <a:p>
+            <a:pPr lvl="1"/>
             <a:r>
               <a:rPr lang="da-DK" dirty="0"/>
-              <a:t>Ideally, former member of the scientific committee (”shadowing”).</a:t>
-            </a:r>
-          </a:p>
-          <a:p>
+              <a:t>Chair, </a:t>
+            </a:r>
+            <a:r>
+              <a:rPr lang="en-US" dirty="0"/>
+              <a:t>EFSPI Council liaison, treasurer, EFSPI Statistical Method Group member</a:t>
+            </a:r>
+            <a:endParaRPr lang="da-DK" dirty="0"/>
+          </a:p>
+          <a:p>
+            <a:pPr lvl="1"/>
             <a:r>
               <a:rPr lang="da-DK" dirty="0"/>
-              <a:t>Well connected in Europe and beyond (industry &amp; regulators, ideally also academia).</a:t>
+              <a:t>Anticipated different location (shadowing the year before).</a:t>
             </a:r>
           </a:p>
           <a:p>
@@ -4745,7 +8262,175 @@
     </p:spTree>
     <p:extLst>
       <p:ext uri="{BB962C8B-B14F-4D97-AF65-F5344CB8AC3E}">
-        <p14:creationId xmlns:p14="http://schemas.microsoft.com/office/powerpoint/2010/main" val="736996991"/>
+        <p14:creationId xmlns:p14="http://schemas.microsoft.com/office/powerpoint/2010/main" val="3171739659"/>
+      </p:ext>
+    </p:extLst>
+  </p:cSld>
+  <p:clrMapOvr>
+    <a:masterClrMapping/>
+  </p:clrMapOvr>
+</p:sld>
+</file>
+
+<file path=ppt/slides/slide8.xml><?xml version="1.0" encoding="utf-8"?>
+<p:sld xmlns:a="http://schemas.openxmlformats.org/drawingml/2006/main" xmlns:r="http://schemas.openxmlformats.org/officeDocument/2006/relationships" xmlns:p="http://schemas.openxmlformats.org/presentationml/2006/main">
+  <p:cSld>
+    <p:spTree>
+      <p:nvGrpSpPr>
+        <p:cNvPr id="1" name=""/>
+        <p:cNvGrpSpPr/>
+        <p:nvPr/>
+      </p:nvGrpSpPr>
+      <p:grpSpPr>
+        <a:xfrm>
+          <a:off x="0" y="0"/>
+          <a:ext cx="0" cy="0"/>
+          <a:chOff x="0" y="0"/>
+          <a:chExt cx="0" cy="0"/>
+        </a:xfrm>
+      </p:grpSpPr>
+      <p:sp>
+        <p:nvSpPr>
+          <p:cNvPr id="2" name="Title 1">
+            <a:extLst>
+              <a:ext uri="{FF2B5EF4-FFF2-40B4-BE49-F238E27FC236}">
+                <a16:creationId xmlns:a16="http://schemas.microsoft.com/office/drawing/2014/main" id="{5452A81A-5C9E-E89D-93F3-E2148367FF23}"/>
+              </a:ext>
+            </a:extLst>
+          </p:cNvPr>
+          <p:cNvSpPr>
+            <a:spLocks noGrp="1"/>
+          </p:cNvSpPr>
+          <p:nvPr>
+            <p:ph type="title"/>
+          </p:nvPr>
+        </p:nvSpPr>
+        <p:spPr/>
+        <p:txBody>
+          <a:bodyPr/>
+          <a:lstStyle/>
+          <a:p>
+            <a:r>
+              <a:rPr lang="en-US"/>
+              <a:t>Recruitment for members of LOC</a:t>
+            </a:r>
+            <a:endParaRPr lang="da-DK"/>
+          </a:p>
+        </p:txBody>
+      </p:sp>
+      <p:sp>
+        <p:nvSpPr>
+          <p:cNvPr id="3" name="Content Placeholder 2">
+            <a:extLst>
+              <a:ext uri="{FF2B5EF4-FFF2-40B4-BE49-F238E27FC236}">
+                <a16:creationId xmlns:a16="http://schemas.microsoft.com/office/drawing/2014/main" id="{4E459ECA-286A-3393-BF6F-48B0B0C6CE3E}"/>
+              </a:ext>
+            </a:extLst>
+          </p:cNvPr>
+          <p:cNvSpPr>
+            <a:spLocks noGrp="1"/>
+          </p:cNvSpPr>
+          <p:nvPr>
+            <p:ph idx="1"/>
+          </p:nvPr>
+        </p:nvSpPr>
+        <p:spPr/>
+        <p:txBody>
+          <a:bodyPr/>
+          <a:lstStyle/>
+          <a:p>
+            <a:r>
+              <a:rPr lang="en-US" dirty="0"/>
+              <a:t>Primarily through local personal recruitment.</a:t>
+            </a:r>
+          </a:p>
+          <a:p>
+            <a:pPr lvl="1"/>
+            <a:r>
+              <a:rPr lang="en-US" dirty="0"/>
+              <a:t>Reach out to local people through, e.g., local EFSPI member group </a:t>
+            </a:r>
+            <a:br>
+              <a:rPr lang="en-US" dirty="0"/>
+            </a:br>
+            <a:r>
+              <a:rPr lang="en-US" dirty="0"/>
+              <a:t>(BBS if event takes place in Basel) or within local companies</a:t>
+            </a:r>
+          </a:p>
+          <a:p>
+            <a:endParaRPr lang="da-DK" dirty="0"/>
+          </a:p>
+        </p:txBody>
+      </p:sp>
+    </p:spTree>
+    <p:extLst>
+      <p:ext uri="{BB962C8B-B14F-4D97-AF65-F5344CB8AC3E}">
+        <p14:creationId xmlns:p14="http://schemas.microsoft.com/office/powerpoint/2010/main" val="3904267516"/>
+      </p:ext>
+    </p:extLst>
+  </p:cSld>
+  <p:clrMapOvr>
+    <a:masterClrMapping/>
+  </p:clrMapOvr>
+</p:sld>
+</file>
+
+<file path=ppt/slides/slide9.xml><?xml version="1.0" encoding="utf-8"?>
+<p:sld xmlns:a="http://schemas.openxmlformats.org/drawingml/2006/main" xmlns:r="http://schemas.openxmlformats.org/officeDocument/2006/relationships" xmlns:p="http://schemas.openxmlformats.org/presentationml/2006/main">
+  <p:cSld>
+    <p:spTree>
+      <p:nvGrpSpPr>
+        <p:cNvPr id="1" name="">
+          <a:extLst>
+            <a:ext uri="{FF2B5EF4-FFF2-40B4-BE49-F238E27FC236}">
+              <a16:creationId xmlns:a16="http://schemas.microsoft.com/office/drawing/2014/main" id="{D6FC5E5F-7000-7C0D-CBD3-7323C0DE9D7F}"/>
+            </a:ext>
+          </a:extLst>
+        </p:cNvPr>
+        <p:cNvGrpSpPr/>
+        <p:nvPr/>
+      </p:nvGrpSpPr>
+      <p:grpSpPr>
+        <a:xfrm>
+          <a:off x="0" y="0"/>
+          <a:ext cx="0" cy="0"/>
+          <a:chOff x="0" y="0"/>
+          <a:chExt cx="0" cy="0"/>
+        </a:xfrm>
+      </p:grpSpPr>
+      <p:sp>
+        <p:nvSpPr>
+          <p:cNvPr id="2" name="Titel 1">
+            <a:extLst>
+              <a:ext uri="{FF2B5EF4-FFF2-40B4-BE49-F238E27FC236}">
+                <a16:creationId xmlns:a16="http://schemas.microsoft.com/office/drawing/2014/main" id="{B1DF55F5-576B-DC5F-932E-25EA4B5A09F2}"/>
+              </a:ext>
+            </a:extLst>
+          </p:cNvPr>
+          <p:cNvSpPr>
+            <a:spLocks noGrp="1"/>
+          </p:cNvSpPr>
+          <p:nvPr>
+            <p:ph type="ctrTitle"/>
+          </p:nvPr>
+        </p:nvSpPr>
+        <p:spPr/>
+        <p:txBody>
+          <a:bodyPr/>
+          <a:lstStyle/>
+          <a:p>
+            <a:r>
+              <a:rPr lang="en-US" dirty="0"/>
+              <a:t>Scientific Committee</a:t>
+            </a:r>
+          </a:p>
+        </p:txBody>
+      </p:sp>
+    </p:spTree>
+    <p:extLst>
+      <p:ext uri="{BB962C8B-B14F-4D97-AF65-F5344CB8AC3E}">
+        <p14:creationId xmlns:p14="http://schemas.microsoft.com/office/powerpoint/2010/main" val="2735190168"/>
       </p:ext>
     </p:extLst>
   </p:cSld>
@@ -5050,6 +8735,231 @@
 </a:theme>
 </file>
 
+<file path=customXml/item1.xml><?xml version="1.0" encoding="utf-8"?>
+<ct:contentTypeSchema xmlns:ct="http://schemas.microsoft.com/office/2006/metadata/contentType" xmlns:ma="http://schemas.microsoft.com/office/2006/metadata/properties/metaAttributes" ct:_="" ma:_="" ma:contentTypeName="Document" ma:contentTypeID="0x010100236FC82D63AB3245BE904CC19F3AEA43" ma:contentTypeVersion="8" ma:contentTypeDescription="Create a new document." ma:contentTypeScope="" ma:versionID="480b8a3bae24c59982124cea41214d45">
+  <xsd:schema xmlns:xsd="http://www.w3.org/2001/XMLSchema" xmlns:xs="http://www.w3.org/2001/XMLSchema" xmlns:p="http://schemas.microsoft.com/office/2006/metadata/properties" xmlns:ns2="24f88b0a-4176-4f7b-ab51-74081db4196b" targetNamespace="http://schemas.microsoft.com/office/2006/metadata/properties" ma:root="true" ma:fieldsID="07eec7214e19fc4419f8979ecc60c4bc" ns2:_="">
+    <xsd:import namespace="24f88b0a-4176-4f7b-ab51-74081db4196b"/>
+    <xsd:element name="properties">
+      <xsd:complexType>
+        <xsd:sequence>
+          <xsd:element name="documentManagement">
+            <xsd:complexType>
+              <xsd:all>
+                <xsd:element ref="ns2:MediaServiceMetadata" minOccurs="0"/>
+                <xsd:element ref="ns2:MediaServiceFastMetadata" minOccurs="0"/>
+                <xsd:element ref="ns2:MediaServiceSearchProperties" minOccurs="0"/>
+                <xsd:element ref="ns2:MediaServiceObjectDetectorVersions" minOccurs="0"/>
+                <xsd:element ref="ns2:MediaServiceDateTaken" minOccurs="0"/>
+                <xsd:element ref="ns2:MediaServiceGenerationTime" minOccurs="0"/>
+                <xsd:element ref="ns2:MediaServiceEventHashCode" minOccurs="0"/>
+                <xsd:element ref="ns2:MediaLengthInSeconds" minOccurs="0"/>
+              </xsd:all>
+            </xsd:complexType>
+          </xsd:element>
+        </xsd:sequence>
+      </xsd:complexType>
+    </xsd:element>
+  </xsd:schema>
+  <xsd:schema xmlns:xsd="http://www.w3.org/2001/XMLSchema" xmlns:xs="http://www.w3.org/2001/XMLSchema" xmlns:dms="http://schemas.microsoft.com/office/2006/documentManagement/types" xmlns:pc="http://schemas.microsoft.com/office/infopath/2007/PartnerControls" targetNamespace="24f88b0a-4176-4f7b-ab51-74081db4196b" elementFormDefault="qualified">
+    <xsd:import namespace="http://schemas.microsoft.com/office/2006/documentManagement/types"/>
+    <xsd:import namespace="http://schemas.microsoft.com/office/infopath/2007/PartnerControls"/>
+    <xsd:element name="MediaServiceMetadata" ma:index="8" nillable="true" ma:displayName="MediaServiceMetadata" ma:hidden="true" ma:internalName="MediaServiceMetadata" ma:readOnly="true">
+      <xsd:simpleType>
+        <xsd:restriction base="dms:Note"/>
+      </xsd:simpleType>
+    </xsd:element>
+    <xsd:element name="MediaServiceFastMetadata" ma:index="9" nillable="true" ma:displayName="MediaServiceFastMetadata" ma:hidden="true" ma:internalName="MediaServiceFastMetadata" ma:readOnly="true">
+      <xsd:simpleType>
+        <xsd:restriction base="dms:Note"/>
+      </xsd:simpleType>
+    </xsd:element>
+    <xsd:element name="MediaServiceSearchProperties" ma:index="10" nillable="true" ma:displayName="MediaServiceSearchProperties" ma:hidden="true" ma:internalName="MediaServiceSearchProperties" ma:readOnly="true">
+      <xsd:simpleType>
+        <xsd:restriction base="dms:Note"/>
+      </xsd:simpleType>
+    </xsd:element>
+    <xsd:element name="MediaServiceObjectDetectorVersions" ma:index="11" nillable="true" ma:displayName="MediaServiceObjectDetectorVersions" ma:hidden="true" ma:indexed="true" ma:internalName="MediaServiceObjectDetectorVersions" ma:readOnly="true">
+      <xsd:simpleType>
+        <xsd:restriction base="dms:Text"/>
+      </xsd:simpleType>
+    </xsd:element>
+    <xsd:element name="MediaServiceDateTaken" ma:index="12" nillable="true" ma:displayName="MediaServiceDateTaken" ma:hidden="true" ma:indexed="true" ma:internalName="MediaServiceDateTaken" ma:readOnly="true">
+      <xsd:simpleType>
+        <xsd:restriction base="dms:Text"/>
+      </xsd:simpleType>
+    </xsd:element>
+    <xsd:element name="MediaServiceGenerationTime" ma:index="13" nillable="true" ma:displayName="MediaServiceGenerationTime" ma:hidden="true" ma:internalName="MediaServiceGenerationTime" ma:readOnly="true">
+      <xsd:simpleType>
+        <xsd:restriction base="dms:Text"/>
+      </xsd:simpleType>
+    </xsd:element>
+    <xsd:element name="MediaServiceEventHashCode" ma:index="14" nillable="true" ma:displayName="MediaServiceEventHashCode" ma:hidden="true" ma:internalName="MediaServiceEventHashCode" ma:readOnly="true">
+      <xsd:simpleType>
+        <xsd:restriction base="dms:Text"/>
+      </xsd:simpleType>
+    </xsd:element>
+    <xsd:element name="MediaLengthInSeconds" ma:index="15" nillable="true" ma:displayName="MediaLengthInSeconds" ma:hidden="true" ma:internalName="MediaLengthInSeconds" ma:readOnly="true">
+      <xsd:simpleType>
+        <xsd:restriction base="dms:Unknown"/>
+      </xsd:simpleType>
+    </xsd:element>
+  </xsd:schema>
+  <xsd:schema xmlns="http://schemas.openxmlformats.org/package/2006/metadata/core-properties" xmlns:xsd="http://www.w3.org/2001/XMLSchema" xmlns:xsi="http://www.w3.org/2001/XMLSchema-instance" xmlns:dc="http://purl.org/dc/elements/1.1/" xmlns:dcterms="http://purl.org/dc/terms/" xmlns:odoc="http://schemas.microsoft.com/internal/obd" targetNamespace="http://schemas.openxmlformats.org/package/2006/metadata/core-properties" elementFormDefault="qualified" attributeFormDefault="unqualified" blockDefault="#all">
+    <xsd:import namespace="http://purl.org/dc/elements/1.1/" schemaLocation="http://dublincore.org/schemas/xmls/qdc/2003/04/02/dc.xsd"/>
+    <xsd:import namespace="http://purl.org/dc/terms/" schemaLocation="http://dublincore.org/schemas/xmls/qdc/2003/04/02/dcterms.xsd"/>
+    <xsd:element name="coreProperties" type="CT_coreProperties"/>
+    <xsd:complexType name="CT_coreProperties">
+      <xsd:all>
+        <xsd:element ref="dc:creator" minOccurs="0" maxOccurs="1"/>
+        <xsd:element ref="dcterms:created" minOccurs="0" maxOccurs="1"/>
+        <xsd:element ref="dc:identifier" minOccurs="0" maxOccurs="1"/>
+        <xsd:element name="contentType" minOccurs="0" maxOccurs="1" type="xsd:string" ma:index="0" ma:displayName="Content Type"/>
+        <xsd:element ref="dc:title" minOccurs="0" maxOccurs="1" ma:index="4" ma:displayName="Title"/>
+        <xsd:element ref="dc:subject" minOccurs="0" maxOccurs="1"/>
+        <xsd:element ref="dc:description" minOccurs="0" maxOccurs="1"/>
+        <xsd:element name="keywords" minOccurs="0" maxOccurs="1" type="xsd:string"/>
+        <xsd:element ref="dc:language" minOccurs="0" maxOccurs="1"/>
+        <xsd:element name="category" minOccurs="0" maxOccurs="1" type="xsd:string"/>
+        <xsd:element name="version" minOccurs="0" maxOccurs="1" type="xsd:string"/>
+        <xsd:element name="revision" minOccurs="0" maxOccurs="1" type="xsd:string">
+          <xsd:annotation>
+            <xsd:documentation>
+                        This value indicates the number of saves or revisions. The application is responsible for updating this value after each revision.
+                    </xsd:documentation>
+          </xsd:annotation>
+        </xsd:element>
+        <xsd:element name="lastModifiedBy" minOccurs="0" maxOccurs="1" type="xsd:string"/>
+        <xsd:element ref="dcterms:modified" minOccurs="0" maxOccurs="1"/>
+        <xsd:element name="contentStatus" minOccurs="0" maxOccurs="1" type="xsd:string"/>
+      </xsd:all>
+    </xsd:complexType>
+  </xsd:schema>
+  <xs:schema xmlns:pc="http://schemas.microsoft.com/office/infopath/2007/PartnerControls" xmlns:xs="http://www.w3.org/2001/XMLSchema" targetNamespace="http://schemas.microsoft.com/office/infopath/2007/PartnerControls" elementFormDefault="qualified" attributeFormDefault="unqualified">
+    <xs:element name="Person">
+      <xs:complexType>
+        <xs:sequence>
+          <xs:element ref="pc:DisplayName" minOccurs="0"/>
+          <xs:element ref="pc:AccountId" minOccurs="0"/>
+          <xs:element ref="pc:AccountType" minOccurs="0"/>
+        </xs:sequence>
+      </xs:complexType>
+    </xs:element>
+    <xs:element name="DisplayName" type="xs:string"/>
+    <xs:element name="AccountId" type="xs:string"/>
+    <xs:element name="AccountType" type="xs:string"/>
+    <xs:element name="BDCAssociatedEntity">
+      <xs:complexType>
+        <xs:sequence>
+          <xs:element ref="pc:BDCEntity" minOccurs="0" maxOccurs="unbounded"/>
+        </xs:sequence>
+        <xs:attribute ref="pc:EntityNamespace"/>
+        <xs:attribute ref="pc:EntityName"/>
+        <xs:attribute ref="pc:SystemInstanceName"/>
+        <xs:attribute ref="pc:AssociationName"/>
+      </xs:complexType>
+    </xs:element>
+    <xs:attribute name="EntityNamespace" type="xs:string"/>
+    <xs:attribute name="EntityName" type="xs:string"/>
+    <xs:attribute name="SystemInstanceName" type="xs:string"/>
+    <xs:attribute name="AssociationName" type="xs:string"/>
+    <xs:element name="BDCEntity">
+      <xs:complexType>
+        <xs:sequence>
+          <xs:element ref="pc:EntityDisplayName" minOccurs="0"/>
+          <xs:element ref="pc:EntityInstanceReference" minOccurs="0"/>
+          <xs:element ref="pc:EntityId1" minOccurs="0"/>
+          <xs:element ref="pc:EntityId2" minOccurs="0"/>
+          <xs:element ref="pc:EntityId3" minOccurs="0"/>
+          <xs:element ref="pc:EntityId4" minOccurs="0"/>
+          <xs:element ref="pc:EntityId5" minOccurs="0"/>
+        </xs:sequence>
+      </xs:complexType>
+    </xs:element>
+    <xs:element name="EntityDisplayName" type="xs:string"/>
+    <xs:element name="EntityInstanceReference" type="xs:string"/>
+    <xs:element name="EntityId1" type="xs:string"/>
+    <xs:element name="EntityId2" type="xs:string"/>
+    <xs:element name="EntityId3" type="xs:string"/>
+    <xs:element name="EntityId4" type="xs:string"/>
+    <xs:element name="EntityId5" type="xs:string"/>
+    <xs:element name="Terms">
+      <xs:complexType>
+        <xs:sequence>
+          <xs:element ref="pc:TermInfo" minOccurs="0" maxOccurs="unbounded"/>
+        </xs:sequence>
+      </xs:complexType>
+    </xs:element>
+    <xs:element name="TermInfo">
+      <xs:complexType>
+        <xs:sequence>
+          <xs:element ref="pc:TermName" minOccurs="0"/>
+          <xs:element ref="pc:TermId" minOccurs="0"/>
+        </xs:sequence>
+      </xs:complexType>
+    </xs:element>
+    <xs:element name="TermName" type="xs:string"/>
+    <xs:element name="TermId" type="xs:string"/>
+  </xs:schema>
+</ct:contentTypeSchema>
+</file>
+
+<file path=customXml/item2.xml><?xml version="1.0" encoding="utf-8"?>
+<p:properties xmlns:p="http://schemas.microsoft.com/office/2006/metadata/properties" xmlns:xsi="http://www.w3.org/2001/XMLSchema-instance" xmlns:pc="http://schemas.microsoft.com/office/infopath/2007/PartnerControls">
+  <documentManagement/>
+</p:properties>
+</file>
+
+<file path=customXml/item3.xml><?xml version="1.0" encoding="utf-8"?>
+<?mso-contentType ?>
+<FormTemplates xmlns="http://schemas.microsoft.com/sharepoint/v3/contenttype/forms">
+  <Display>DocumentLibraryForm</Display>
+  <Edit>DocumentLibraryForm</Edit>
+  <New>DocumentLibraryForm</New>
+</FormTemplates>
+</file>
+
+<file path=customXml/itemProps1.xml><?xml version="1.0" encoding="utf-8"?>
+<ds:datastoreItem xmlns:ds="http://schemas.openxmlformats.org/officeDocument/2006/customXml" ds:itemID="{01CC8951-1483-40CD-BB60-8BBADCD7D408}">
+  <ds:schemaRefs>
+    <ds:schemaRef ds:uri="24f88b0a-4176-4f7b-ab51-74081db4196b"/>
+    <ds:schemaRef ds:uri="http://purl.org/dc/elements/1.1/"/>
+    <ds:schemaRef ds:uri="http://purl.org/dc/terms/"/>
+    <ds:schemaRef ds:uri="http://schemas.microsoft.com/internal/obd"/>
+    <ds:schemaRef ds:uri="http://schemas.microsoft.com/office/2006/documentManagement/types"/>
+    <ds:schemaRef ds:uri="http://schemas.microsoft.com/office/2006/metadata/contentType"/>
+    <ds:schemaRef ds:uri="http://schemas.microsoft.com/office/2006/metadata/properties"/>
+    <ds:schemaRef ds:uri="http://schemas.microsoft.com/office/2006/metadata/properties/metaAttributes"/>
+    <ds:schemaRef ds:uri="http://schemas.microsoft.com/office/infopath/2007/PartnerControls"/>
+    <ds:schemaRef ds:uri="http://schemas.openxmlformats.org/package/2006/metadata/core-properties"/>
+    <ds:schemaRef ds:uri="http://www.w3.org/2001/XMLSchema"/>
+  </ds:schemaRefs>
+</ds:datastoreItem>
+</file>
+
+<file path=customXml/itemProps2.xml><?xml version="1.0" encoding="utf-8"?>
+<ds:datastoreItem xmlns:ds="http://schemas.openxmlformats.org/officeDocument/2006/customXml" ds:itemID="{B84C275B-F1F0-48B1-8043-F22367704350}">
+  <ds:schemaRefs>
+    <ds:schemaRef ds:uri="http://purl.org/dc/dcmitype/"/>
+    <ds:schemaRef ds:uri="http://schemas.microsoft.com/office/2006/metadata/properties"/>
+    <ds:schemaRef ds:uri="http://purl.org/dc/elements/1.1/"/>
+    <ds:schemaRef ds:uri="http://www.w3.org/XML/1998/namespace"/>
+    <ds:schemaRef ds:uri="http://schemas.microsoft.com/office/2006/documentManagement/types"/>
+    <ds:schemaRef ds:uri="http://schemas.microsoft.com/office/infopath/2007/PartnerControls"/>
+    <ds:schemaRef ds:uri="http://schemas.openxmlformats.org/package/2006/metadata/core-properties"/>
+    <ds:schemaRef ds:uri="24f88b0a-4176-4f7b-ab51-74081db4196b"/>
+    <ds:schemaRef ds:uri="http://purl.org/dc/terms/"/>
+  </ds:schemaRefs>
+</ds:datastoreItem>
+</file>
+
+<file path=customXml/itemProps3.xml><?xml version="1.0" encoding="utf-8"?>
+<ds:datastoreItem xmlns:ds="http://schemas.openxmlformats.org/officeDocument/2006/customXml" ds:itemID="{73E30E7B-2A9C-4655-96D0-D6077D2A6D62}">
+  <ds:schemaRefs>
+    <ds:schemaRef ds:uri="http://schemas.microsoft.com/sharepoint/v3/contenttype/forms"/>
+  </ds:schemaRefs>
+</ds:datastoreItem>
+</file>
+
 <file path=docMetadata/LabelInfo.xml><?xml version="1.0" encoding="utf-8"?>
 <clbl:labelList xmlns:clbl="http://schemas.microsoft.com/office/2020/mipLabelMetadata">
   <clbl:label id="{fdfed7bd-9f6a-44a1-b694-6e39c468c150}" enabled="0" method="" siteId="{fdfed7bd-9f6a-44a1-b694-6e39c468c150}" removed="1"/>
